--- a/dft/2/pictures/source.pptx
+++ b/dft/2/pictures/source.pptx
@@ -108,6 +108,11 @@
       </a:defRPr>
     </a:lvl9pPr>
   </p:defaultTextStyle>
+  <p:extLst>
+    <p:ext uri="{EFAFB233-063F-42B5-8137-9DF3F51BA10A}">
+      <p15:sldGuideLst xmlns:p15="http://schemas.microsoft.com/office/powerpoint/2012/main"/>
+    </p:ext>
+  </p:extLst>
 </p:presentation>
 </file>
 
@@ -258,7 +263,7 @@
           <a:p>
             <a:fld id="{E46A009E-E3A1-7C45-B4C7-5C10699A30DF}" type="datetimeFigureOut">
               <a:rPr lang="en-US" smtClean="0"/>
-              <a:t>3/26/19</a:t>
+              <a:t>4/17/24</a:t>
             </a:fld>
             <a:endParaRPr lang="en-US"/>
           </a:p>
@@ -456,7 +461,7 @@
           <a:p>
             <a:fld id="{E46A009E-E3A1-7C45-B4C7-5C10699A30DF}" type="datetimeFigureOut">
               <a:rPr lang="en-US" smtClean="0"/>
-              <a:t>3/26/19</a:t>
+              <a:t>4/17/24</a:t>
             </a:fld>
             <a:endParaRPr lang="en-US"/>
           </a:p>
@@ -664,7 +669,7 @@
           <a:p>
             <a:fld id="{E46A009E-E3A1-7C45-B4C7-5C10699A30DF}" type="datetimeFigureOut">
               <a:rPr lang="en-US" smtClean="0"/>
-              <a:t>3/26/19</a:t>
+              <a:t>4/17/24</a:t>
             </a:fld>
             <a:endParaRPr lang="en-US"/>
           </a:p>
@@ -862,7 +867,7 @@
           <a:p>
             <a:fld id="{E46A009E-E3A1-7C45-B4C7-5C10699A30DF}" type="datetimeFigureOut">
               <a:rPr lang="en-US" smtClean="0"/>
-              <a:t>3/26/19</a:t>
+              <a:t>4/17/24</a:t>
             </a:fld>
             <a:endParaRPr lang="en-US"/>
           </a:p>
@@ -1137,7 +1142,7 @@
           <a:p>
             <a:fld id="{E46A009E-E3A1-7C45-B4C7-5C10699A30DF}" type="datetimeFigureOut">
               <a:rPr lang="en-US" smtClean="0"/>
-              <a:t>3/26/19</a:t>
+              <a:t>4/17/24</a:t>
             </a:fld>
             <a:endParaRPr lang="en-US"/>
           </a:p>
@@ -1402,7 +1407,7 @@
           <a:p>
             <a:fld id="{E46A009E-E3A1-7C45-B4C7-5C10699A30DF}" type="datetimeFigureOut">
               <a:rPr lang="en-US" smtClean="0"/>
-              <a:t>3/26/19</a:t>
+              <a:t>4/17/24</a:t>
             </a:fld>
             <a:endParaRPr lang="en-US"/>
           </a:p>
@@ -1814,7 +1819,7 @@
           <a:p>
             <a:fld id="{E46A009E-E3A1-7C45-B4C7-5C10699A30DF}" type="datetimeFigureOut">
               <a:rPr lang="en-US" smtClean="0"/>
-              <a:t>3/26/19</a:t>
+              <a:t>4/17/24</a:t>
             </a:fld>
             <a:endParaRPr lang="en-US"/>
           </a:p>
@@ -1955,7 +1960,7 @@
           <a:p>
             <a:fld id="{E46A009E-E3A1-7C45-B4C7-5C10699A30DF}" type="datetimeFigureOut">
               <a:rPr lang="en-US" smtClean="0"/>
-              <a:t>3/26/19</a:t>
+              <a:t>4/17/24</a:t>
             </a:fld>
             <a:endParaRPr lang="en-US"/>
           </a:p>
@@ -2068,7 +2073,7 @@
           <a:p>
             <a:fld id="{E46A009E-E3A1-7C45-B4C7-5C10699A30DF}" type="datetimeFigureOut">
               <a:rPr lang="en-US" smtClean="0"/>
-              <a:t>3/26/19</a:t>
+              <a:t>4/17/24</a:t>
             </a:fld>
             <a:endParaRPr lang="en-US"/>
           </a:p>
@@ -2379,7 +2384,7 @@
           <a:p>
             <a:fld id="{E46A009E-E3A1-7C45-B4C7-5C10699A30DF}" type="datetimeFigureOut">
               <a:rPr lang="en-US" smtClean="0"/>
-              <a:t>3/26/19</a:t>
+              <a:t>4/17/24</a:t>
             </a:fld>
             <a:endParaRPr lang="en-US"/>
           </a:p>
@@ -2667,7 +2672,7 @@
           <a:p>
             <a:fld id="{E46A009E-E3A1-7C45-B4C7-5C10699A30DF}" type="datetimeFigureOut">
               <a:rPr lang="en-US" smtClean="0"/>
-              <a:t>3/26/19</a:t>
+              <a:t>4/17/24</a:t>
             </a:fld>
             <a:endParaRPr lang="en-US"/>
           </a:p>
@@ -2908,7 +2913,7 @@
           <a:p>
             <a:fld id="{E46A009E-E3A1-7C45-B4C7-5C10699A30DF}" type="datetimeFigureOut">
               <a:rPr lang="en-US" smtClean="0"/>
-              <a:t>3/26/19</a:t>
+              <a:t>4/17/24</a:t>
             </a:fld>
             <a:endParaRPr lang="en-US"/>
           </a:p>
@@ -3904,8 +3909,8 @@
           </a:p>
         </p:txBody>
       </p:sp>
-      <mc:AlternateContent xmlns:mc="http://schemas.openxmlformats.org/markup-compatibility/2006">
-        <mc:Choice xmlns:a14="http://schemas.microsoft.com/office/drawing/2010/main" Requires="a14">
+      <mc:AlternateContent xmlns:mc="http://schemas.openxmlformats.org/markup-compatibility/2006" xmlns:a14="http://schemas.microsoft.com/office/drawing/2010/main">
+        <mc:Choice Requires="a14">
           <p:sp>
             <p:nvSpPr>
               <p:cNvPr id="30" name="TextBox 29">
@@ -3934,6 +3939,7 @@
               </a:bodyPr>
               <a:lstStyle/>
               <a:p>
+                <a:pPr/>
                 <a14:m>
                   <m:oMathPara xmlns:m="http://schemas.openxmlformats.org/officeDocument/2006/math">
                     <m:oMathParaPr>
@@ -3960,7 +3966,7 @@
             </p:txBody>
           </p:sp>
         </mc:Choice>
-        <mc:Fallback>
+        <mc:Fallback xmlns="">
           <p:sp>
             <p:nvSpPr>
               <p:cNvPr id="30" name="TextBox 29">
@@ -4005,8 +4011,8 @@
           </p:sp>
         </mc:Fallback>
       </mc:AlternateContent>
-      <mc:AlternateContent xmlns:mc="http://schemas.openxmlformats.org/markup-compatibility/2006">
-        <mc:Choice xmlns:a14="http://schemas.microsoft.com/office/drawing/2010/main" Requires="a14">
+      <mc:AlternateContent xmlns:mc="http://schemas.openxmlformats.org/markup-compatibility/2006" xmlns:a14="http://schemas.microsoft.com/office/drawing/2010/main">
+        <mc:Choice Requires="a14">
           <p:sp>
             <p:nvSpPr>
               <p:cNvPr id="31" name="TextBox 30">
@@ -4035,6 +4041,7 @@
               </a:bodyPr>
               <a:lstStyle/>
               <a:p>
+                <a:pPr/>
                 <a14:m>
                   <m:oMathPara xmlns:m="http://schemas.openxmlformats.org/officeDocument/2006/math">
                     <m:oMathParaPr>
@@ -4061,7 +4068,7 @@
             </p:txBody>
           </p:sp>
         </mc:Choice>
-        <mc:Fallback>
+        <mc:Fallback xmlns="">
           <p:sp>
             <p:nvSpPr>
               <p:cNvPr id="31" name="TextBox 30">
@@ -4106,8 +4113,8 @@
           </p:sp>
         </mc:Fallback>
       </mc:AlternateContent>
-      <mc:AlternateContent xmlns:mc="http://schemas.openxmlformats.org/markup-compatibility/2006">
-        <mc:Choice xmlns:a14="http://schemas.microsoft.com/office/drawing/2010/main" Requires="a14">
+      <mc:AlternateContent xmlns:mc="http://schemas.openxmlformats.org/markup-compatibility/2006" xmlns:a14="http://schemas.microsoft.com/office/drawing/2010/main">
+        <mc:Choice Requires="a14">
           <p:sp>
             <p:nvSpPr>
               <p:cNvPr id="32" name="TextBox 31">
@@ -4136,6 +4143,7 @@
               </a:bodyPr>
               <a:lstStyle/>
               <a:p>
+                <a:pPr/>
                 <a14:m>
                   <m:oMathPara xmlns:m="http://schemas.openxmlformats.org/officeDocument/2006/math">
                     <m:oMathParaPr>
@@ -4162,7 +4170,7 @@
             </p:txBody>
           </p:sp>
         </mc:Choice>
-        <mc:Fallback>
+        <mc:Fallback xmlns="">
           <p:sp>
             <p:nvSpPr>
               <p:cNvPr id="32" name="TextBox 31">
@@ -4207,8 +4215,8 @@
           </p:sp>
         </mc:Fallback>
       </mc:AlternateContent>
-      <mc:AlternateContent xmlns:mc="http://schemas.openxmlformats.org/markup-compatibility/2006">
-        <mc:Choice xmlns:a14="http://schemas.microsoft.com/office/drawing/2010/main" Requires="a14">
+      <mc:AlternateContent xmlns:mc="http://schemas.openxmlformats.org/markup-compatibility/2006" xmlns:a14="http://schemas.microsoft.com/office/drawing/2010/main">
+        <mc:Choice Requires="a14">
           <p:sp>
             <p:nvSpPr>
               <p:cNvPr id="33" name="TextBox 32">
@@ -4237,6 +4245,7 @@
               </a:bodyPr>
               <a:lstStyle/>
               <a:p>
+                <a:pPr/>
                 <a14:m>
                   <m:oMathPara xmlns:m="http://schemas.openxmlformats.org/officeDocument/2006/math">
                     <m:oMathParaPr>
@@ -4263,7 +4272,7 @@
             </p:txBody>
           </p:sp>
         </mc:Choice>
-        <mc:Fallback>
+        <mc:Fallback xmlns="">
           <p:sp>
             <p:nvSpPr>
               <p:cNvPr id="33" name="TextBox 32">
@@ -5815,8 +5824,8 @@
           </a:p>
         </p:txBody>
       </p:sp>
-      <mc:AlternateContent xmlns:mc="http://schemas.openxmlformats.org/markup-compatibility/2006">
-        <mc:Choice xmlns:a14="http://schemas.microsoft.com/office/drawing/2010/main" Requires="a14">
+      <mc:AlternateContent xmlns:mc="http://schemas.openxmlformats.org/markup-compatibility/2006" xmlns:a14="http://schemas.microsoft.com/office/drawing/2010/main">
+        <mc:Choice Requires="a14">
           <p:sp>
             <p:nvSpPr>
               <p:cNvPr id="46" name="TextBox 45">
@@ -5845,6 +5854,7 @@
               </a:bodyPr>
               <a:lstStyle/>
               <a:p>
+                <a:pPr/>
                 <a14:m>
                   <m:oMathPara xmlns:m="http://schemas.openxmlformats.org/officeDocument/2006/math">
                     <m:oMathParaPr>
@@ -5892,7 +5902,7 @@
             </p:txBody>
           </p:sp>
         </mc:Choice>
-        <mc:Fallback>
+        <mc:Fallback xmlns="">
           <p:sp>
             <p:nvSpPr>
               <p:cNvPr id="46" name="TextBox 45">
@@ -9033,8 +9043,8 @@
           </a:fontRef>
         </p:style>
       </p:cxnSp>
-      <mc:AlternateContent xmlns:mc="http://schemas.openxmlformats.org/markup-compatibility/2006">
-        <mc:Choice xmlns:a14="http://schemas.microsoft.com/office/drawing/2010/main" Requires="a14">
+      <mc:AlternateContent xmlns:mc="http://schemas.openxmlformats.org/markup-compatibility/2006" xmlns:a14="http://schemas.microsoft.com/office/drawing/2010/main">
+        <mc:Choice Requires="a14">
           <p:sp>
             <p:nvSpPr>
               <p:cNvPr id="62" name="TextBox 61">
@@ -9063,6 +9073,7 @@
               </a:bodyPr>
               <a:lstStyle/>
               <a:p>
+                <a:pPr/>
                 <a14:m>
                   <m:oMathPara xmlns:m="http://schemas.openxmlformats.org/officeDocument/2006/math">
                     <m:oMathParaPr>
@@ -9110,7 +9121,7 @@
             </p:txBody>
           </p:sp>
         </mc:Choice>
-        <mc:Fallback>
+        <mc:Fallback xmlns="">
           <p:sp>
             <p:nvSpPr>
               <p:cNvPr id="62" name="TextBox 61">
@@ -9155,8 +9166,8 @@
           </p:sp>
         </mc:Fallback>
       </mc:AlternateContent>
-      <mc:AlternateContent xmlns:mc="http://schemas.openxmlformats.org/markup-compatibility/2006">
-        <mc:Choice xmlns:a14="http://schemas.microsoft.com/office/drawing/2010/main" Requires="a14">
+      <mc:AlternateContent xmlns:mc="http://schemas.openxmlformats.org/markup-compatibility/2006" xmlns:a14="http://schemas.microsoft.com/office/drawing/2010/main">
+        <mc:Choice Requires="a14">
           <p:sp>
             <p:nvSpPr>
               <p:cNvPr id="63" name="TextBox 62">
@@ -9185,6 +9196,7 @@
               </a:bodyPr>
               <a:lstStyle/>
               <a:p>
+                <a:pPr/>
                 <a14:m>
                   <m:oMathPara xmlns:m="http://schemas.openxmlformats.org/officeDocument/2006/math">
                     <m:oMathParaPr>
@@ -9232,7 +9244,7 @@
             </p:txBody>
           </p:sp>
         </mc:Choice>
-        <mc:Fallback>
+        <mc:Fallback xmlns="">
           <p:sp>
             <p:nvSpPr>
               <p:cNvPr id="63" name="TextBox 62">
@@ -9277,8 +9289,8 @@
           </p:sp>
         </mc:Fallback>
       </mc:AlternateContent>
-      <mc:AlternateContent xmlns:mc="http://schemas.openxmlformats.org/markup-compatibility/2006">
-        <mc:Choice xmlns:a14="http://schemas.microsoft.com/office/drawing/2010/main" Requires="a14">
+      <mc:AlternateContent xmlns:mc="http://schemas.openxmlformats.org/markup-compatibility/2006" xmlns:a14="http://schemas.microsoft.com/office/drawing/2010/main">
+        <mc:Choice Requires="a14">
           <p:sp>
             <p:nvSpPr>
               <p:cNvPr id="64" name="TextBox 63">
@@ -9307,6 +9319,7 @@
               </a:bodyPr>
               <a:lstStyle/>
               <a:p>
+                <a:pPr/>
                 <a14:m>
                   <m:oMathPara xmlns:m="http://schemas.openxmlformats.org/officeDocument/2006/math">
                     <m:oMathParaPr>
@@ -9354,7 +9367,7 @@
             </p:txBody>
           </p:sp>
         </mc:Choice>
-        <mc:Fallback>
+        <mc:Fallback xmlns="">
           <p:sp>
             <p:nvSpPr>
               <p:cNvPr id="64" name="TextBox 63">
@@ -9399,8 +9412,8 @@
           </p:sp>
         </mc:Fallback>
       </mc:AlternateContent>
-      <mc:AlternateContent xmlns:mc="http://schemas.openxmlformats.org/markup-compatibility/2006">
-        <mc:Choice xmlns:a14="http://schemas.microsoft.com/office/drawing/2010/main" Requires="a14">
+      <mc:AlternateContent xmlns:mc="http://schemas.openxmlformats.org/markup-compatibility/2006" xmlns:a14="http://schemas.microsoft.com/office/drawing/2010/main">
+        <mc:Choice Requires="a14">
           <p:sp>
             <p:nvSpPr>
               <p:cNvPr id="65" name="TextBox 64">
@@ -9429,6 +9442,7 @@
               </a:bodyPr>
               <a:lstStyle/>
               <a:p>
+                <a:pPr/>
                 <a14:m>
                   <m:oMathPara xmlns:m="http://schemas.openxmlformats.org/officeDocument/2006/math">
                     <m:oMathParaPr>
@@ -9476,7 +9490,7 @@
             </p:txBody>
           </p:sp>
         </mc:Choice>
-        <mc:Fallback>
+        <mc:Fallback xmlns="">
           <p:sp>
             <p:nvSpPr>
               <p:cNvPr id="65" name="TextBox 64">
@@ -12049,8 +12063,8 @@
           </a:p>
         </p:txBody>
       </p:sp>
-      <mc:AlternateContent xmlns:mc="http://schemas.openxmlformats.org/markup-compatibility/2006">
-        <mc:Choice xmlns:a14="http://schemas.microsoft.com/office/drawing/2010/main" Requires="a14">
+      <mc:AlternateContent xmlns:mc="http://schemas.openxmlformats.org/markup-compatibility/2006" xmlns:a14="http://schemas.microsoft.com/office/drawing/2010/main">
+        <mc:Choice Requires="a14">
           <p:sp>
             <p:nvSpPr>
               <p:cNvPr id="19" name="TextBox 18">
@@ -12079,6 +12093,7 @@
               </a:bodyPr>
               <a:lstStyle/>
               <a:p>
+                <a:pPr/>
                 <a14:m>
                   <m:oMathPara xmlns:m="http://schemas.openxmlformats.org/officeDocument/2006/math">
                     <m:oMathParaPr>
@@ -12149,7 +12164,7 @@
             </p:txBody>
           </p:sp>
         </mc:Choice>
-        <mc:Fallback>
+        <mc:Fallback xmlns="">
           <p:sp>
             <p:nvSpPr>
               <p:cNvPr id="19" name="TextBox 18">
@@ -12292,8 +12307,8 @@
           </a:p>
         </p:txBody>
       </p:sp>
-      <mc:AlternateContent xmlns:mc="http://schemas.openxmlformats.org/markup-compatibility/2006">
-        <mc:Choice xmlns:a14="http://schemas.microsoft.com/office/drawing/2010/main" Requires="a14">
+      <mc:AlternateContent xmlns:mc="http://schemas.openxmlformats.org/markup-compatibility/2006" xmlns:a14="http://schemas.microsoft.com/office/drawing/2010/main">
+        <mc:Choice Requires="a14">
           <p:sp>
             <p:nvSpPr>
               <p:cNvPr id="22" name="TextBox 21">
@@ -12322,6 +12337,7 @@
               </a:bodyPr>
               <a:lstStyle/>
               <a:p>
+                <a:pPr/>
                 <a14:m>
                   <m:oMathPara xmlns:m="http://schemas.openxmlformats.org/officeDocument/2006/math">
                     <m:oMathParaPr>
@@ -12369,7 +12385,7 @@
             </p:txBody>
           </p:sp>
         </mc:Choice>
-        <mc:Fallback>
+        <mc:Fallback xmlns="">
           <p:sp>
             <p:nvSpPr>
               <p:cNvPr id="22" name="TextBox 21">
@@ -12414,8 +12430,8 @@
           </p:sp>
         </mc:Fallback>
       </mc:AlternateContent>
-      <mc:AlternateContent xmlns:mc="http://schemas.openxmlformats.org/markup-compatibility/2006">
-        <mc:Choice xmlns:a14="http://schemas.microsoft.com/office/drawing/2010/main" Requires="a14">
+      <mc:AlternateContent xmlns:mc="http://schemas.openxmlformats.org/markup-compatibility/2006" xmlns:a14="http://schemas.microsoft.com/office/drawing/2010/main">
+        <mc:Choice Requires="a14">
           <p:sp>
             <p:nvSpPr>
               <p:cNvPr id="23" name="TextBox 22">
@@ -12444,6 +12460,7 @@
               </a:bodyPr>
               <a:lstStyle/>
               <a:p>
+                <a:pPr/>
                 <a14:m>
                   <m:oMathPara xmlns:m="http://schemas.openxmlformats.org/officeDocument/2006/math">
                     <m:oMathParaPr>
@@ -12497,7 +12514,7 @@
             </p:txBody>
           </p:sp>
         </mc:Choice>
-        <mc:Fallback>
+        <mc:Fallback xmlns="">
           <p:sp>
             <p:nvSpPr>
               <p:cNvPr id="23" name="TextBox 22">
@@ -12574,10 +12591,10 @@
       </p:grpSpPr>
       <p:grpSp>
         <p:nvGrpSpPr>
-          <p:cNvPr id="9" name="Group 8">
-            <a:extLst>
-              <a:ext uri="{FF2B5EF4-FFF2-40B4-BE49-F238E27FC236}">
-                <a16:creationId xmlns:a16="http://schemas.microsoft.com/office/drawing/2014/main" id="{B16E3B13-8362-6842-9905-8787844937AB}"/>
+          <p:cNvPr id="2" name="Group 1">
+            <a:extLst>
+              <a:ext uri="{FF2B5EF4-FFF2-40B4-BE49-F238E27FC236}">
+                <a16:creationId xmlns:a16="http://schemas.microsoft.com/office/drawing/2014/main" id="{997F91D7-16DA-585F-D8ED-8918045693CA}"/>
               </a:ext>
             </a:extLst>
           </p:cNvPr>
@@ -12586,138 +12603,1177 @@
         </p:nvGrpSpPr>
         <p:grpSpPr>
           <a:xfrm>
-            <a:off x="1898073" y="558923"/>
-            <a:ext cx="5361708" cy="369332"/>
-            <a:chOff x="1898073" y="558923"/>
-            <a:chExt cx="5361708" cy="369332"/>
+            <a:off x="1316290" y="457120"/>
+            <a:ext cx="6549012" cy="4124270"/>
+            <a:chOff x="1316290" y="457120"/>
+            <a:chExt cx="6549012" cy="4124270"/>
           </a:xfrm>
         </p:grpSpPr>
-        <p:cxnSp>
-          <p:nvCxnSpPr>
-            <p:cNvPr id="3" name="Straight Connector 2">
+        <p:grpSp>
+          <p:nvGrpSpPr>
+            <p:cNvPr id="9" name="Group 8">
               <a:extLst>
                 <a:ext uri="{FF2B5EF4-FFF2-40B4-BE49-F238E27FC236}">
-                  <a16:creationId xmlns:a16="http://schemas.microsoft.com/office/drawing/2014/main" id="{5F2F72DB-FA94-884E-9238-3DEDB4759488}"/>
+                  <a16:creationId xmlns:a16="http://schemas.microsoft.com/office/drawing/2014/main" id="{B16E3B13-8362-6842-9905-8787844937AB}"/>
                 </a:ext>
               </a:extLst>
             </p:cNvPr>
-            <p:cNvCxnSpPr/>
+            <p:cNvGrpSpPr/>
             <p:nvPr/>
-          </p:nvCxnSpPr>
-          <p:spPr>
+          </p:nvGrpSpPr>
+          <p:grpSpPr>
             <a:xfrm>
-              <a:off x="1898073" y="928255"/>
-              <a:ext cx="1787236" cy="0"/>
+              <a:off x="1898073" y="558923"/>
+              <a:ext cx="5361708" cy="369332"/>
+              <a:chOff x="1898073" y="558923"/>
+              <a:chExt cx="5361708" cy="369332"/>
             </a:xfrm>
-            <a:prstGeom prst="line">
-              <a:avLst/>
-            </a:prstGeom>
-            <a:ln w="19050">
-              <a:headEnd type="oval"/>
-            </a:ln>
-          </p:spPr>
-          <p:style>
-            <a:lnRef idx="1">
-              <a:schemeClr val="accent1"/>
-            </a:lnRef>
-            <a:fillRef idx="0">
-              <a:schemeClr val="accent1"/>
-            </a:fillRef>
-            <a:effectRef idx="0">
-              <a:schemeClr val="accent1"/>
-            </a:effectRef>
-            <a:fontRef idx="minor">
-              <a:schemeClr val="tx1"/>
-            </a:fontRef>
-          </p:style>
-        </p:cxnSp>
-        <p:cxnSp>
-          <p:nvCxnSpPr>
-            <p:cNvPr id="4" name="Straight Connector 3">
+          </p:grpSpPr>
+          <p:cxnSp>
+            <p:nvCxnSpPr>
+              <p:cNvPr id="3" name="Straight Connector 2">
+                <a:extLst>
+                  <a:ext uri="{FF2B5EF4-FFF2-40B4-BE49-F238E27FC236}">
+                    <a16:creationId xmlns:a16="http://schemas.microsoft.com/office/drawing/2014/main" id="{5F2F72DB-FA94-884E-9238-3DEDB4759488}"/>
+                  </a:ext>
+                </a:extLst>
+              </p:cNvPr>
+              <p:cNvCxnSpPr/>
+              <p:nvPr/>
+            </p:nvCxnSpPr>
+            <p:spPr>
+              <a:xfrm>
+                <a:off x="1898073" y="928255"/>
+                <a:ext cx="1787236" cy="0"/>
+              </a:xfrm>
+              <a:prstGeom prst="line">
+                <a:avLst/>
+              </a:prstGeom>
+              <a:ln w="19050">
+                <a:headEnd type="oval"/>
+              </a:ln>
+            </p:spPr>
+            <p:style>
+              <a:lnRef idx="1">
+                <a:schemeClr val="accent1"/>
+              </a:lnRef>
+              <a:fillRef idx="0">
+                <a:schemeClr val="accent1"/>
+              </a:fillRef>
+              <a:effectRef idx="0">
+                <a:schemeClr val="accent1"/>
+              </a:effectRef>
+              <a:fontRef idx="minor">
+                <a:schemeClr val="tx1"/>
+              </a:fontRef>
+            </p:style>
+          </p:cxnSp>
+          <p:cxnSp>
+            <p:nvCxnSpPr>
+              <p:cNvPr id="4" name="Straight Connector 3">
+                <a:extLst>
+                  <a:ext uri="{FF2B5EF4-FFF2-40B4-BE49-F238E27FC236}">
+                    <a16:creationId xmlns:a16="http://schemas.microsoft.com/office/drawing/2014/main" id="{7BB35936-7EFD-4C45-9545-6070B7C37D49}"/>
+                  </a:ext>
+                </a:extLst>
+              </p:cNvPr>
+              <p:cNvCxnSpPr/>
+              <p:nvPr/>
+            </p:nvCxnSpPr>
+            <p:spPr>
+              <a:xfrm>
+                <a:off x="3685309" y="928255"/>
+                <a:ext cx="1787236" cy="0"/>
+              </a:xfrm>
+              <a:prstGeom prst="line">
+                <a:avLst/>
+              </a:prstGeom>
+              <a:ln w="19050">
+                <a:headEnd type="oval"/>
+              </a:ln>
+            </p:spPr>
+            <p:style>
+              <a:lnRef idx="1">
+                <a:schemeClr val="accent1"/>
+              </a:lnRef>
+              <a:fillRef idx="0">
+                <a:schemeClr val="accent1"/>
+              </a:fillRef>
+              <a:effectRef idx="0">
+                <a:schemeClr val="accent1"/>
+              </a:effectRef>
+              <a:fontRef idx="minor">
+                <a:schemeClr val="tx1"/>
+              </a:fontRef>
+            </p:style>
+          </p:cxnSp>
+          <p:cxnSp>
+            <p:nvCxnSpPr>
+              <p:cNvPr id="5" name="Straight Connector 4">
+                <a:extLst>
+                  <a:ext uri="{FF2B5EF4-FFF2-40B4-BE49-F238E27FC236}">
+                    <a16:creationId xmlns:a16="http://schemas.microsoft.com/office/drawing/2014/main" id="{1EE382AA-E67C-CA41-AC78-76F944D8E147}"/>
+                  </a:ext>
+                </a:extLst>
+              </p:cNvPr>
+              <p:cNvCxnSpPr/>
+              <p:nvPr/>
+            </p:nvCxnSpPr>
+            <p:spPr>
+              <a:xfrm>
+                <a:off x="5472545" y="928255"/>
+                <a:ext cx="1787236" cy="0"/>
+              </a:xfrm>
+              <a:prstGeom prst="line">
+                <a:avLst/>
+              </a:prstGeom>
+              <a:ln w="19050">
+                <a:headEnd type="oval"/>
+                <a:tailEnd type="oval"/>
+              </a:ln>
+            </p:spPr>
+            <p:style>
+              <a:lnRef idx="1">
+                <a:schemeClr val="accent1"/>
+              </a:lnRef>
+              <a:fillRef idx="0">
+                <a:schemeClr val="accent1"/>
+              </a:fillRef>
+              <a:effectRef idx="0">
+                <a:schemeClr val="accent1"/>
+              </a:effectRef>
+              <a:fontRef idx="minor">
+                <a:schemeClr val="tx1"/>
+              </a:fontRef>
+            </p:style>
+          </p:cxnSp>
+          <mc:AlternateContent xmlns:mc="http://schemas.openxmlformats.org/markup-compatibility/2006" xmlns:a14="http://schemas.microsoft.com/office/drawing/2010/main">
+            <mc:Choice Requires="a14">
+              <p:sp>
+                <p:nvSpPr>
+                  <p:cNvPr id="6" name="TextBox 5">
+                    <a:extLst>
+                      <a:ext uri="{FF2B5EF4-FFF2-40B4-BE49-F238E27FC236}">
+                        <a16:creationId xmlns:a16="http://schemas.microsoft.com/office/drawing/2014/main" id="{CC891480-B44D-034D-9A9C-9E16EADC7569}"/>
+                      </a:ext>
+                    </a:extLst>
+                  </p:cNvPr>
+                  <p:cNvSpPr txBox="1"/>
+                  <p:nvPr/>
+                </p:nvSpPr>
+                <p:spPr>
+                  <a:xfrm>
+                    <a:off x="3902684" y="558923"/>
+                    <a:ext cx="1352486" cy="369332"/>
+                  </a:xfrm>
+                  <a:prstGeom prst="rect">
+                    <a:avLst/>
+                  </a:prstGeom>
+                  <a:noFill/>
+                </p:spPr>
+                <p:txBody>
+                  <a:bodyPr wrap="none" rtlCol="0">
+                    <a:spAutoFit/>
+                  </a:bodyPr>
+                  <a:lstStyle/>
+                  <a:p>
+                    <a:pPr/>
+                    <a14:m>
+                      <m:oMathPara xmlns:m="http://schemas.openxmlformats.org/officeDocument/2006/math">
+                        <m:oMathParaPr>
+                          <m:jc m:val="centerGroup"/>
+                        </m:oMathParaPr>
+                        <m:oMath xmlns:m="http://schemas.openxmlformats.org/officeDocument/2006/math">
+                          <m:r>
+                            <a:rPr lang="en-GB" b="0" i="1" smtClean="0">
+                              <a:latin typeface="Cambria Math" panose="02040503050406030204" pitchFamily="18" charset="0"/>
+                            </a:rPr>
+                            <m:t>𝑥</m:t>
+                          </m:r>
+                          <m:d>
+                            <m:dPr>
+                              <m:begChr m:val="["/>
+                              <m:endChr m:val="]"/>
+                              <m:ctrlPr>
+                                <a:rPr lang="en-GB" b="0" i="1" smtClean="0">
+                                  <a:latin typeface="Cambria Math" panose="02040503050406030204" pitchFamily="18" charset="0"/>
+                                </a:rPr>
+                              </m:ctrlPr>
+                            </m:dPr>
+                            <m:e>
+                              <m:r>
+                                <a:rPr lang="en-GB" b="0" i="1" smtClean="0">
+                                  <a:latin typeface="Cambria Math" panose="02040503050406030204" pitchFamily="18" charset="0"/>
+                                </a:rPr>
+                                <m:t>0</m:t>
+                              </m:r>
+                            </m:e>
+                          </m:d>
+                          <m:r>
+                            <a:rPr lang="en-GB" b="0" i="1" smtClean="0">
+                              <a:latin typeface="Cambria Math" panose="02040503050406030204" pitchFamily="18" charset="0"/>
+                            </a:rPr>
+                            <m:t>+</m:t>
+                          </m:r>
+                          <m:r>
+                            <a:rPr lang="en-GB" b="0" i="1" smtClean="0">
+                              <a:latin typeface="Cambria Math" panose="02040503050406030204" pitchFamily="18" charset="0"/>
+                            </a:rPr>
+                            <m:t>𝑥</m:t>
+                          </m:r>
+                          <m:r>
+                            <a:rPr lang="en-GB" b="0" i="1" smtClean="0">
+                              <a:latin typeface="Cambria Math" panose="02040503050406030204" pitchFamily="18" charset="0"/>
+                            </a:rPr>
+                            <m:t>[2]</m:t>
+                          </m:r>
+                        </m:oMath>
+                      </m:oMathPara>
+                    </a14:m>
+                    <a:endParaRPr lang="en-US" dirty="0"/>
+                  </a:p>
+                </p:txBody>
+              </p:sp>
+            </mc:Choice>
+            <mc:Fallback xmlns="">
+              <p:sp>
+                <p:nvSpPr>
+                  <p:cNvPr id="6" name="TextBox 5">
+                    <a:extLst>
+                      <a:ext uri="{FF2B5EF4-FFF2-40B4-BE49-F238E27FC236}">
+                        <a16:creationId xmlns:a16="http://schemas.microsoft.com/office/drawing/2014/main" id="{CC891480-B44D-034D-9A9C-9E16EADC7569}"/>
+                      </a:ext>
+                    </a:extLst>
+                  </p:cNvPr>
+                  <p:cNvSpPr txBox="1">
+                    <a:spLocks noRot="1" noChangeAspect="1" noMove="1" noResize="1" noEditPoints="1" noAdjustHandles="1" noChangeArrowheads="1" noChangeShapeType="1" noTextEdit="1"/>
+                  </p:cNvSpPr>
+                  <p:nvPr/>
+                </p:nvSpPr>
+                <p:spPr>
+                  <a:xfrm>
+                    <a:off x="3902684" y="558923"/>
+                    <a:ext cx="1352486" cy="369332"/>
+                  </a:xfrm>
+                  <a:prstGeom prst="rect">
+                    <a:avLst/>
+                  </a:prstGeom>
+                  <a:blipFill>
+                    <a:blip r:embed="rId2"/>
+                    <a:stretch>
+                      <a:fillRect b="-13333"/>
+                    </a:stretch>
+                  </a:blipFill>
+                </p:spPr>
+                <p:txBody>
+                  <a:bodyPr/>
+                  <a:lstStyle/>
+                  <a:p>
+                    <a:r>
+                      <a:rPr lang="en-US">
+                        <a:noFill/>
+                      </a:rPr>
+                      <a:t> </a:t>
+                    </a:r>
+                  </a:p>
+                </p:txBody>
+              </p:sp>
+            </mc:Fallback>
+          </mc:AlternateContent>
+          <p:cxnSp>
+            <p:nvCxnSpPr>
+              <p:cNvPr id="8" name="Straight Arrow Connector 7">
+                <a:extLst>
+                  <a:ext uri="{FF2B5EF4-FFF2-40B4-BE49-F238E27FC236}">
+                    <a16:creationId xmlns:a16="http://schemas.microsoft.com/office/drawing/2014/main" id="{13957631-DE1C-D84A-B285-F4E3B10D34CC}"/>
+                  </a:ext>
+                </a:extLst>
+              </p:cNvPr>
+              <p:cNvCxnSpPr/>
+              <p:nvPr/>
+            </p:nvCxnSpPr>
+            <p:spPr>
+              <a:xfrm>
+                <a:off x="4073234" y="928255"/>
+                <a:ext cx="609600" cy="0"/>
+              </a:xfrm>
+              <a:prstGeom prst="straightConnector1">
+                <a:avLst/>
+              </a:prstGeom>
+              <a:ln w="19050">
+                <a:tailEnd type="triangle"/>
+              </a:ln>
+            </p:spPr>
+            <p:style>
+              <a:lnRef idx="1">
+                <a:schemeClr val="accent1"/>
+              </a:lnRef>
+              <a:fillRef idx="0">
+                <a:schemeClr val="accent1"/>
+              </a:fillRef>
+              <a:effectRef idx="0">
+                <a:schemeClr val="accent1"/>
+              </a:effectRef>
+              <a:fontRef idx="minor">
+                <a:schemeClr val="tx1"/>
+              </a:fontRef>
+            </p:style>
+          </p:cxnSp>
+        </p:grpSp>
+        <p:grpSp>
+          <p:nvGrpSpPr>
+            <p:cNvPr id="10" name="Group 9">
               <a:extLst>
                 <a:ext uri="{FF2B5EF4-FFF2-40B4-BE49-F238E27FC236}">
-                  <a16:creationId xmlns:a16="http://schemas.microsoft.com/office/drawing/2014/main" id="{7BB35936-7EFD-4C45-9545-6070B7C37D49}"/>
+                  <a16:creationId xmlns:a16="http://schemas.microsoft.com/office/drawing/2014/main" id="{CD5D0C17-549F-124F-BEC9-6DF6A88D3EBF}"/>
                 </a:ext>
               </a:extLst>
             </p:cNvPr>
-            <p:cNvCxnSpPr/>
+            <p:cNvGrpSpPr/>
             <p:nvPr/>
-          </p:nvCxnSpPr>
-          <p:spPr>
+          </p:nvGrpSpPr>
+          <p:grpSpPr>
             <a:xfrm>
-              <a:off x="3685309" y="928255"/>
-              <a:ext cx="1787236" cy="0"/>
+              <a:off x="1898073" y="1411645"/>
+              <a:ext cx="5361708" cy="458719"/>
+              <a:chOff x="1898073" y="469536"/>
+              <a:chExt cx="5361708" cy="458719"/>
             </a:xfrm>
-            <a:prstGeom prst="line">
-              <a:avLst/>
-            </a:prstGeom>
-            <a:ln w="19050">
-              <a:headEnd type="oval"/>
-            </a:ln>
-          </p:spPr>
-          <p:style>
-            <a:lnRef idx="1">
-              <a:schemeClr val="accent1"/>
-            </a:lnRef>
-            <a:fillRef idx="0">
-              <a:schemeClr val="accent1"/>
-            </a:fillRef>
-            <a:effectRef idx="0">
-              <a:schemeClr val="accent1"/>
-            </a:effectRef>
-            <a:fontRef idx="minor">
-              <a:schemeClr val="tx1"/>
-            </a:fontRef>
-          </p:style>
-        </p:cxnSp>
-        <p:cxnSp>
-          <p:nvCxnSpPr>
-            <p:cNvPr id="5" name="Straight Connector 4">
+          </p:grpSpPr>
+          <p:cxnSp>
+            <p:nvCxnSpPr>
+              <p:cNvPr id="11" name="Straight Connector 10">
+                <a:extLst>
+                  <a:ext uri="{FF2B5EF4-FFF2-40B4-BE49-F238E27FC236}">
+                    <a16:creationId xmlns:a16="http://schemas.microsoft.com/office/drawing/2014/main" id="{A67AE306-CE2E-1E48-9C92-CB5A1F63694A}"/>
+                  </a:ext>
+                </a:extLst>
+              </p:cNvPr>
+              <p:cNvCxnSpPr/>
+              <p:nvPr/>
+            </p:nvCxnSpPr>
+            <p:spPr>
+              <a:xfrm>
+                <a:off x="1898073" y="928255"/>
+                <a:ext cx="1787236" cy="0"/>
+              </a:xfrm>
+              <a:prstGeom prst="line">
+                <a:avLst/>
+              </a:prstGeom>
+              <a:ln w="19050">
+                <a:headEnd type="oval"/>
+              </a:ln>
+            </p:spPr>
+            <p:style>
+              <a:lnRef idx="1">
+                <a:schemeClr val="accent1"/>
+              </a:lnRef>
+              <a:fillRef idx="0">
+                <a:schemeClr val="accent1"/>
+              </a:fillRef>
+              <a:effectRef idx="0">
+                <a:schemeClr val="accent1"/>
+              </a:effectRef>
+              <a:fontRef idx="minor">
+                <a:schemeClr val="tx1"/>
+              </a:fontRef>
+            </p:style>
+          </p:cxnSp>
+          <p:cxnSp>
+            <p:nvCxnSpPr>
+              <p:cNvPr id="12" name="Straight Connector 11">
+                <a:extLst>
+                  <a:ext uri="{FF2B5EF4-FFF2-40B4-BE49-F238E27FC236}">
+                    <a16:creationId xmlns:a16="http://schemas.microsoft.com/office/drawing/2014/main" id="{D1884351-0A7F-3748-8CA9-7790D837A21C}"/>
+                  </a:ext>
+                </a:extLst>
+              </p:cNvPr>
+              <p:cNvCxnSpPr/>
+              <p:nvPr/>
+            </p:nvCxnSpPr>
+            <p:spPr>
+              <a:xfrm>
+                <a:off x="3685309" y="928255"/>
+                <a:ext cx="1787236" cy="0"/>
+              </a:xfrm>
+              <a:prstGeom prst="line">
+                <a:avLst/>
+              </a:prstGeom>
+              <a:ln w="19050">
+                <a:headEnd type="oval"/>
+              </a:ln>
+            </p:spPr>
+            <p:style>
+              <a:lnRef idx="1">
+                <a:schemeClr val="accent1"/>
+              </a:lnRef>
+              <a:fillRef idx="0">
+                <a:schemeClr val="accent1"/>
+              </a:fillRef>
+              <a:effectRef idx="0">
+                <a:schemeClr val="accent1"/>
+              </a:effectRef>
+              <a:fontRef idx="minor">
+                <a:schemeClr val="tx1"/>
+              </a:fontRef>
+            </p:style>
+          </p:cxnSp>
+          <p:cxnSp>
+            <p:nvCxnSpPr>
+              <p:cNvPr id="13" name="Straight Connector 12">
+                <a:extLst>
+                  <a:ext uri="{FF2B5EF4-FFF2-40B4-BE49-F238E27FC236}">
+                    <a16:creationId xmlns:a16="http://schemas.microsoft.com/office/drawing/2014/main" id="{830F1542-4324-2F4E-99AE-52393D27291D}"/>
+                  </a:ext>
+                </a:extLst>
+              </p:cNvPr>
+              <p:cNvCxnSpPr/>
+              <p:nvPr/>
+            </p:nvCxnSpPr>
+            <p:spPr>
+              <a:xfrm>
+                <a:off x="5472545" y="928255"/>
+                <a:ext cx="1787236" cy="0"/>
+              </a:xfrm>
+              <a:prstGeom prst="line">
+                <a:avLst/>
+              </a:prstGeom>
+              <a:ln w="19050">
+                <a:headEnd type="oval"/>
+                <a:tailEnd type="oval"/>
+              </a:ln>
+            </p:spPr>
+            <p:style>
+              <a:lnRef idx="1">
+                <a:schemeClr val="accent1"/>
+              </a:lnRef>
+              <a:fillRef idx="0">
+                <a:schemeClr val="accent1"/>
+              </a:fillRef>
+              <a:effectRef idx="0">
+                <a:schemeClr val="accent1"/>
+              </a:effectRef>
+              <a:fontRef idx="minor">
+                <a:schemeClr val="tx1"/>
+              </a:fontRef>
+            </p:style>
+          </p:cxnSp>
+          <mc:AlternateContent xmlns:mc="http://schemas.openxmlformats.org/markup-compatibility/2006">
+            <mc:Choice xmlns:a14="http://schemas.microsoft.com/office/drawing/2010/main" Requires="a14">
+              <p:sp>
+                <p:nvSpPr>
+                  <p:cNvPr id="14" name="TextBox 13">
+                    <a:extLst>
+                      <a:ext uri="{FF2B5EF4-FFF2-40B4-BE49-F238E27FC236}">
+                        <a16:creationId xmlns:a16="http://schemas.microsoft.com/office/drawing/2014/main" id="{135979FA-B303-7E4A-BE86-B7A91E1A10AD}"/>
+                      </a:ext>
+                    </a:extLst>
+                  </p:cNvPr>
+                  <p:cNvSpPr txBox="1"/>
+                  <p:nvPr/>
+                </p:nvSpPr>
+                <p:spPr>
+                  <a:xfrm>
+                    <a:off x="3617101" y="469536"/>
+                    <a:ext cx="1855444" cy="373628"/>
+                  </a:xfrm>
+                  <a:prstGeom prst="rect">
+                    <a:avLst/>
+                  </a:prstGeom>
+                  <a:noFill/>
+                </p:spPr>
+                <p:txBody>
+                  <a:bodyPr wrap="none" rtlCol="0">
+                    <a:spAutoFit/>
+                  </a:bodyPr>
+                  <a:lstStyle/>
+                  <a:p>
+                    <a:pPr/>
+                    <a14:m>
+                      <m:oMathPara xmlns:m="http://schemas.openxmlformats.org/officeDocument/2006/math">
+                        <m:oMathParaPr>
+                          <m:jc m:val="centerGroup"/>
+                        </m:oMathParaPr>
+                        <m:oMath xmlns:m="http://schemas.openxmlformats.org/officeDocument/2006/math">
+                          <m:d>
+                            <m:dPr>
+                              <m:begChr m:val="["/>
+                              <m:endChr m:val="]"/>
+                              <m:ctrlPr>
+                                <a:rPr lang="en-US" i="1" smtClean="0">
+                                  <a:latin typeface="Cambria Math" panose="02040503050406030204" pitchFamily="18" charset="0"/>
+                                </a:rPr>
+                              </m:ctrlPr>
+                            </m:dPr>
+                            <m:e>
+                              <m:r>
+                                <a:rPr lang="en-GB" b="0" i="1" smtClean="0">
+                                  <a:latin typeface="Cambria Math" panose="02040503050406030204" pitchFamily="18" charset="0"/>
+                                </a:rPr>
+                                <m:t>𝑥</m:t>
+                              </m:r>
+                              <m:d>
+                                <m:dPr>
+                                  <m:begChr m:val="["/>
+                                  <m:endChr m:val="]"/>
+                                  <m:ctrlPr>
+                                    <a:rPr lang="en-GB" b="0" i="1" smtClean="0">
+                                      <a:latin typeface="Cambria Math" panose="02040503050406030204" pitchFamily="18" charset="0"/>
+                                    </a:rPr>
+                                  </m:ctrlPr>
+                                </m:dPr>
+                                <m:e>
+                                  <m:r>
+                                    <a:rPr lang="en-GB" b="0" i="1" smtClean="0">
+                                      <a:latin typeface="Cambria Math" panose="02040503050406030204" pitchFamily="18" charset="0"/>
+                                    </a:rPr>
+                                    <m:t>1</m:t>
+                                  </m:r>
+                                </m:e>
+                              </m:d>
+                              <m:r>
+                                <a:rPr lang="en-GB" b="0" i="1" smtClean="0">
+                                  <a:latin typeface="Cambria Math" panose="02040503050406030204" pitchFamily="18" charset="0"/>
+                                </a:rPr>
+                                <m:t>+</m:t>
+                              </m:r>
+                              <m:r>
+                                <a:rPr lang="en-GB" b="0" i="1" smtClean="0">
+                                  <a:latin typeface="Cambria Math" panose="02040503050406030204" pitchFamily="18" charset="0"/>
+                                </a:rPr>
+                                <m:t>𝑥</m:t>
+                              </m:r>
+                              <m:r>
+                                <a:rPr lang="en-GB" b="0" i="1" smtClean="0">
+                                  <a:latin typeface="Cambria Math" panose="02040503050406030204" pitchFamily="18" charset="0"/>
+                                </a:rPr>
+                                <m:t>[3]</m:t>
+                              </m:r>
+                            </m:e>
+                          </m:d>
+                          <m:sSubSup>
+                            <m:sSubSupPr>
+                              <m:ctrlPr>
+                                <a:rPr lang="en-US" i="1" smtClean="0">
+                                  <a:latin typeface="Cambria Math" panose="02040503050406030204" pitchFamily="18" charset="0"/>
+                                </a:rPr>
+                              </m:ctrlPr>
+                            </m:sSubSupPr>
+                            <m:e>
+                              <m:r>
+                                <a:rPr lang="en-GB" b="0" i="1" smtClean="0">
+                                  <a:latin typeface="Cambria Math" panose="02040503050406030204" pitchFamily="18" charset="0"/>
+                                </a:rPr>
+                                <m:t>𝑊</m:t>
+                              </m:r>
+                            </m:e>
+                            <m:sub>
+                              <m:r>
+                                <a:rPr lang="en-GB" b="0" i="1" smtClean="0">
+                                  <a:latin typeface="Cambria Math" panose="02040503050406030204" pitchFamily="18" charset="0"/>
+                                </a:rPr>
+                                <m:t>4</m:t>
+                              </m:r>
+                            </m:sub>
+                            <m:sup>
+                              <m:r>
+                                <a:rPr lang="en-GB" b="0" i="1" smtClean="0">
+                                  <a:latin typeface="Cambria Math" panose="02040503050406030204" pitchFamily="18" charset="0"/>
+                                </a:rPr>
+                                <m:t>0</m:t>
+                              </m:r>
+                            </m:sup>
+                          </m:sSubSup>
+                        </m:oMath>
+                      </m:oMathPara>
+                    </a14:m>
+                    <a:endParaRPr lang="en-US" dirty="0"/>
+                  </a:p>
+                </p:txBody>
+              </p:sp>
+            </mc:Choice>
+            <mc:Fallback>
+              <p:sp>
+                <p:nvSpPr>
+                  <p:cNvPr id="14" name="TextBox 13">
+                    <a:extLst>
+                      <a:ext uri="{FF2B5EF4-FFF2-40B4-BE49-F238E27FC236}">
+                        <a16:creationId xmlns:a16="http://schemas.microsoft.com/office/drawing/2014/main" id="{135979FA-B303-7E4A-BE86-B7A91E1A10AD}"/>
+                      </a:ext>
+                    </a:extLst>
+                  </p:cNvPr>
+                  <p:cNvSpPr txBox="1">
+                    <a:spLocks noRot="1" noChangeAspect="1" noMove="1" noResize="1" noEditPoints="1" noAdjustHandles="1" noChangeArrowheads="1" noChangeShapeType="1" noTextEdit="1"/>
+                  </p:cNvSpPr>
+                  <p:nvPr/>
+                </p:nvSpPr>
+                <p:spPr>
+                  <a:xfrm>
+                    <a:off x="3617101" y="469536"/>
+                    <a:ext cx="1855444" cy="373628"/>
+                  </a:xfrm>
+                  <a:prstGeom prst="rect">
+                    <a:avLst/>
+                  </a:prstGeom>
+                  <a:blipFill>
+                    <a:blip r:embed="rId3"/>
+                    <a:stretch>
+                      <a:fillRect b="-13333"/>
+                    </a:stretch>
+                  </a:blipFill>
+                </p:spPr>
+                <p:txBody>
+                  <a:bodyPr/>
+                  <a:lstStyle/>
+                  <a:p>
+                    <a:r>
+                      <a:rPr lang="en-US">
+                        <a:noFill/>
+                      </a:rPr>
+                      <a:t> </a:t>
+                    </a:r>
+                  </a:p>
+                </p:txBody>
+              </p:sp>
+            </mc:Fallback>
+          </mc:AlternateContent>
+          <p:cxnSp>
+            <p:nvCxnSpPr>
+              <p:cNvPr id="15" name="Straight Arrow Connector 14">
+                <a:extLst>
+                  <a:ext uri="{FF2B5EF4-FFF2-40B4-BE49-F238E27FC236}">
+                    <a16:creationId xmlns:a16="http://schemas.microsoft.com/office/drawing/2014/main" id="{EF1A8503-37DD-4644-8215-99BE472A8370}"/>
+                  </a:ext>
+                </a:extLst>
+              </p:cNvPr>
+              <p:cNvCxnSpPr/>
+              <p:nvPr/>
+            </p:nvCxnSpPr>
+            <p:spPr>
+              <a:xfrm>
+                <a:off x="4073234" y="928255"/>
+                <a:ext cx="609600" cy="0"/>
+              </a:xfrm>
+              <a:prstGeom prst="straightConnector1">
+                <a:avLst/>
+              </a:prstGeom>
+              <a:ln w="19050">
+                <a:tailEnd type="triangle"/>
+              </a:ln>
+            </p:spPr>
+            <p:style>
+              <a:lnRef idx="1">
+                <a:schemeClr val="accent1"/>
+              </a:lnRef>
+              <a:fillRef idx="0">
+                <a:schemeClr val="accent1"/>
+              </a:fillRef>
+              <a:effectRef idx="0">
+                <a:schemeClr val="accent1"/>
+              </a:effectRef>
+              <a:fontRef idx="minor">
+                <a:schemeClr val="tx1"/>
+              </a:fontRef>
+            </p:style>
+          </p:cxnSp>
+        </p:grpSp>
+        <p:grpSp>
+          <p:nvGrpSpPr>
+            <p:cNvPr id="16" name="Group 15">
               <a:extLst>
                 <a:ext uri="{FF2B5EF4-FFF2-40B4-BE49-F238E27FC236}">
-                  <a16:creationId xmlns:a16="http://schemas.microsoft.com/office/drawing/2014/main" id="{1EE382AA-E67C-CA41-AC78-76F944D8E147}"/>
+                  <a16:creationId xmlns:a16="http://schemas.microsoft.com/office/drawing/2014/main" id="{6966E2F3-2B88-FC4F-8375-35D3036635FC}"/>
                 </a:ext>
               </a:extLst>
             </p:cNvPr>
-            <p:cNvCxnSpPr/>
+            <p:cNvGrpSpPr/>
             <p:nvPr/>
-          </p:nvCxnSpPr>
-          <p:spPr>
+          </p:nvGrpSpPr>
+          <p:grpSpPr>
             <a:xfrm>
-              <a:off x="5472545" y="928255"/>
-              <a:ext cx="1787236" cy="0"/>
+              <a:off x="1898073" y="2443141"/>
+              <a:ext cx="5361708" cy="369332"/>
+              <a:chOff x="1898073" y="558923"/>
+              <a:chExt cx="5361708" cy="369332"/>
             </a:xfrm>
-            <a:prstGeom prst="line">
-              <a:avLst/>
-            </a:prstGeom>
-            <a:ln w="19050">
-              <a:headEnd type="oval"/>
-              <a:tailEnd type="oval"/>
-            </a:ln>
-          </p:spPr>
-          <p:style>
-            <a:lnRef idx="1">
-              <a:schemeClr val="accent1"/>
-            </a:lnRef>
-            <a:fillRef idx="0">
-              <a:schemeClr val="accent1"/>
-            </a:fillRef>
-            <a:effectRef idx="0">
-              <a:schemeClr val="accent1"/>
-            </a:effectRef>
-            <a:fontRef idx="minor">
-              <a:schemeClr val="tx1"/>
-            </a:fontRef>
-          </p:style>
-        </p:cxnSp>
+          </p:grpSpPr>
+          <p:cxnSp>
+            <p:nvCxnSpPr>
+              <p:cNvPr id="17" name="Straight Connector 16">
+                <a:extLst>
+                  <a:ext uri="{FF2B5EF4-FFF2-40B4-BE49-F238E27FC236}">
+                    <a16:creationId xmlns:a16="http://schemas.microsoft.com/office/drawing/2014/main" id="{D6DEC611-8EDA-BD4C-86DE-3D8683596423}"/>
+                  </a:ext>
+                </a:extLst>
+              </p:cNvPr>
+              <p:cNvCxnSpPr/>
+              <p:nvPr/>
+            </p:nvCxnSpPr>
+            <p:spPr>
+              <a:xfrm>
+                <a:off x="1898073" y="928255"/>
+                <a:ext cx="1787236" cy="0"/>
+              </a:xfrm>
+              <a:prstGeom prst="line">
+                <a:avLst/>
+              </a:prstGeom>
+              <a:ln w="19050">
+                <a:headEnd type="oval"/>
+              </a:ln>
+            </p:spPr>
+            <p:style>
+              <a:lnRef idx="1">
+                <a:schemeClr val="accent1"/>
+              </a:lnRef>
+              <a:fillRef idx="0">
+                <a:schemeClr val="accent1"/>
+              </a:fillRef>
+              <a:effectRef idx="0">
+                <a:schemeClr val="accent1"/>
+              </a:effectRef>
+              <a:fontRef idx="minor">
+                <a:schemeClr val="tx1"/>
+              </a:fontRef>
+            </p:style>
+          </p:cxnSp>
+          <p:cxnSp>
+            <p:nvCxnSpPr>
+              <p:cNvPr id="18" name="Straight Connector 17">
+                <a:extLst>
+                  <a:ext uri="{FF2B5EF4-FFF2-40B4-BE49-F238E27FC236}">
+                    <a16:creationId xmlns:a16="http://schemas.microsoft.com/office/drawing/2014/main" id="{82A93558-78F5-8847-9055-54D3679320AB}"/>
+                  </a:ext>
+                </a:extLst>
+              </p:cNvPr>
+              <p:cNvCxnSpPr/>
+              <p:nvPr/>
+            </p:nvCxnSpPr>
+            <p:spPr>
+              <a:xfrm>
+                <a:off x="3685309" y="928255"/>
+                <a:ext cx="1787236" cy="0"/>
+              </a:xfrm>
+              <a:prstGeom prst="line">
+                <a:avLst/>
+              </a:prstGeom>
+              <a:ln w="19050">
+                <a:headEnd type="oval"/>
+              </a:ln>
+            </p:spPr>
+            <p:style>
+              <a:lnRef idx="1">
+                <a:schemeClr val="accent1"/>
+              </a:lnRef>
+              <a:fillRef idx="0">
+                <a:schemeClr val="accent1"/>
+              </a:fillRef>
+              <a:effectRef idx="0">
+                <a:schemeClr val="accent1"/>
+              </a:effectRef>
+              <a:fontRef idx="minor">
+                <a:schemeClr val="tx1"/>
+              </a:fontRef>
+            </p:style>
+          </p:cxnSp>
+          <p:cxnSp>
+            <p:nvCxnSpPr>
+              <p:cNvPr id="19" name="Straight Connector 18">
+                <a:extLst>
+                  <a:ext uri="{FF2B5EF4-FFF2-40B4-BE49-F238E27FC236}">
+                    <a16:creationId xmlns:a16="http://schemas.microsoft.com/office/drawing/2014/main" id="{E050EBF1-5494-5047-A15E-D7B78DC0DD6E}"/>
+                  </a:ext>
+                </a:extLst>
+              </p:cNvPr>
+              <p:cNvCxnSpPr/>
+              <p:nvPr/>
+            </p:nvCxnSpPr>
+            <p:spPr>
+              <a:xfrm>
+                <a:off x="5472545" y="928255"/>
+                <a:ext cx="1787236" cy="0"/>
+              </a:xfrm>
+              <a:prstGeom prst="line">
+                <a:avLst/>
+              </a:prstGeom>
+              <a:ln w="19050">
+                <a:headEnd type="oval"/>
+                <a:tailEnd type="oval"/>
+              </a:ln>
+            </p:spPr>
+            <p:style>
+              <a:lnRef idx="1">
+                <a:schemeClr val="accent1"/>
+              </a:lnRef>
+              <a:fillRef idx="0">
+                <a:schemeClr val="accent1"/>
+              </a:fillRef>
+              <a:effectRef idx="0">
+                <a:schemeClr val="accent1"/>
+              </a:effectRef>
+              <a:fontRef idx="minor">
+                <a:schemeClr val="tx1"/>
+              </a:fontRef>
+            </p:style>
+          </p:cxnSp>
+          <mc:AlternateContent xmlns:mc="http://schemas.openxmlformats.org/markup-compatibility/2006" xmlns:a14="http://schemas.microsoft.com/office/drawing/2010/main">
+            <mc:Choice Requires="a14">
+              <p:sp>
+                <p:nvSpPr>
+                  <p:cNvPr id="20" name="TextBox 19">
+                    <a:extLst>
+                      <a:ext uri="{FF2B5EF4-FFF2-40B4-BE49-F238E27FC236}">
+                        <a16:creationId xmlns:a16="http://schemas.microsoft.com/office/drawing/2014/main" id="{6308E054-0B52-874C-9C74-AEF22242E8E5}"/>
+                      </a:ext>
+                    </a:extLst>
+                  </p:cNvPr>
+                  <p:cNvSpPr txBox="1"/>
+                  <p:nvPr/>
+                </p:nvSpPr>
+                <p:spPr>
+                  <a:xfrm>
+                    <a:off x="3902684" y="558923"/>
+                    <a:ext cx="1352486" cy="369332"/>
+                  </a:xfrm>
+                  <a:prstGeom prst="rect">
+                    <a:avLst/>
+                  </a:prstGeom>
+                  <a:noFill/>
+                </p:spPr>
+                <p:txBody>
+                  <a:bodyPr wrap="none" rtlCol="0">
+                    <a:spAutoFit/>
+                  </a:bodyPr>
+                  <a:lstStyle/>
+                  <a:p>
+                    <a:pPr/>
+                    <a14:m>
+                      <m:oMathPara xmlns:m="http://schemas.openxmlformats.org/officeDocument/2006/math">
+                        <m:oMathParaPr>
+                          <m:jc m:val="centerGroup"/>
+                        </m:oMathParaPr>
+                        <m:oMath xmlns:m="http://schemas.openxmlformats.org/officeDocument/2006/math">
+                          <m:r>
+                            <a:rPr lang="en-GB" b="0" i="1" smtClean="0">
+                              <a:latin typeface="Cambria Math" panose="02040503050406030204" pitchFamily="18" charset="0"/>
+                            </a:rPr>
+                            <m:t>𝑥</m:t>
+                          </m:r>
+                          <m:d>
+                            <m:dPr>
+                              <m:begChr m:val="["/>
+                              <m:endChr m:val="]"/>
+                              <m:ctrlPr>
+                                <a:rPr lang="en-GB" b="0" i="1" smtClean="0">
+                                  <a:latin typeface="Cambria Math" panose="02040503050406030204" pitchFamily="18" charset="0"/>
+                                </a:rPr>
+                              </m:ctrlPr>
+                            </m:dPr>
+                            <m:e>
+                              <m:r>
+                                <a:rPr lang="en-GB" b="0" i="1" smtClean="0">
+                                  <a:latin typeface="Cambria Math" panose="02040503050406030204" pitchFamily="18" charset="0"/>
+                                </a:rPr>
+                                <m:t>0</m:t>
+                              </m:r>
+                            </m:e>
+                          </m:d>
+                          <m:r>
+                            <a:rPr lang="en-GB" b="0" i="1" smtClean="0">
+                              <a:latin typeface="Cambria Math" panose="02040503050406030204" pitchFamily="18" charset="0"/>
+                            </a:rPr>
+                            <m:t>−</m:t>
+                          </m:r>
+                          <m:r>
+                            <a:rPr lang="en-GB" b="0" i="1" smtClean="0">
+                              <a:latin typeface="Cambria Math" panose="02040503050406030204" pitchFamily="18" charset="0"/>
+                            </a:rPr>
+                            <m:t>𝑥</m:t>
+                          </m:r>
+                          <m:r>
+                            <a:rPr lang="en-GB" b="0" i="1" smtClean="0">
+                              <a:latin typeface="Cambria Math" panose="02040503050406030204" pitchFamily="18" charset="0"/>
+                            </a:rPr>
+                            <m:t>[2]</m:t>
+                          </m:r>
+                        </m:oMath>
+                      </m:oMathPara>
+                    </a14:m>
+                    <a:endParaRPr lang="en-US" dirty="0"/>
+                  </a:p>
+                </p:txBody>
+              </p:sp>
+            </mc:Choice>
+            <mc:Fallback xmlns="">
+              <p:sp>
+                <p:nvSpPr>
+                  <p:cNvPr id="20" name="TextBox 19">
+                    <a:extLst>
+                      <a:ext uri="{FF2B5EF4-FFF2-40B4-BE49-F238E27FC236}">
+                        <a16:creationId xmlns:a16="http://schemas.microsoft.com/office/drawing/2014/main" id="{6308E054-0B52-874C-9C74-AEF22242E8E5}"/>
+                      </a:ext>
+                    </a:extLst>
+                  </p:cNvPr>
+                  <p:cNvSpPr txBox="1">
+                    <a:spLocks noRot="1" noChangeAspect="1" noMove="1" noResize="1" noEditPoints="1" noAdjustHandles="1" noChangeArrowheads="1" noChangeShapeType="1" noTextEdit="1"/>
+                  </p:cNvSpPr>
+                  <p:nvPr/>
+                </p:nvSpPr>
+                <p:spPr>
+                  <a:xfrm>
+                    <a:off x="3902684" y="558923"/>
+                    <a:ext cx="1352486" cy="369332"/>
+                  </a:xfrm>
+                  <a:prstGeom prst="rect">
+                    <a:avLst/>
+                  </a:prstGeom>
+                  <a:blipFill>
+                    <a:blip r:embed="rId4"/>
+                    <a:stretch>
+                      <a:fillRect b="-13793"/>
+                    </a:stretch>
+                  </a:blipFill>
+                </p:spPr>
+                <p:txBody>
+                  <a:bodyPr/>
+                  <a:lstStyle/>
+                  <a:p>
+                    <a:r>
+                      <a:rPr lang="en-US">
+                        <a:noFill/>
+                      </a:rPr>
+                      <a:t> </a:t>
+                    </a:r>
+                  </a:p>
+                </p:txBody>
+              </p:sp>
+            </mc:Fallback>
+          </mc:AlternateContent>
+          <p:cxnSp>
+            <p:nvCxnSpPr>
+              <p:cNvPr id="21" name="Straight Arrow Connector 20">
+                <a:extLst>
+                  <a:ext uri="{FF2B5EF4-FFF2-40B4-BE49-F238E27FC236}">
+                    <a16:creationId xmlns:a16="http://schemas.microsoft.com/office/drawing/2014/main" id="{2682BD80-A108-4443-97EF-4A426042E883}"/>
+                  </a:ext>
+                </a:extLst>
+              </p:cNvPr>
+              <p:cNvCxnSpPr/>
+              <p:nvPr/>
+            </p:nvCxnSpPr>
+            <p:spPr>
+              <a:xfrm>
+                <a:off x="4073234" y="928255"/>
+                <a:ext cx="609600" cy="0"/>
+              </a:xfrm>
+              <a:prstGeom prst="straightConnector1">
+                <a:avLst/>
+              </a:prstGeom>
+              <a:ln w="19050">
+                <a:tailEnd type="triangle"/>
+              </a:ln>
+            </p:spPr>
+            <p:style>
+              <a:lnRef idx="1">
+                <a:schemeClr val="accent1"/>
+              </a:lnRef>
+              <a:fillRef idx="0">
+                <a:schemeClr val="accent1"/>
+              </a:fillRef>
+              <a:effectRef idx="0">
+                <a:schemeClr val="accent1"/>
+              </a:effectRef>
+              <a:fontRef idx="minor">
+                <a:schemeClr val="tx1"/>
+              </a:fontRef>
+            </p:style>
+          </p:cxnSp>
+        </p:grpSp>
+        <p:grpSp>
+          <p:nvGrpSpPr>
+            <p:cNvPr id="22" name="Group 21">
+              <a:extLst>
+                <a:ext uri="{FF2B5EF4-FFF2-40B4-BE49-F238E27FC236}">
+                  <a16:creationId xmlns:a16="http://schemas.microsoft.com/office/drawing/2014/main" id="{3FEBC8AA-1D3A-894A-B811-5BFB5DB8CEDB}"/>
+                </a:ext>
+              </a:extLst>
+            </p:cNvPr>
+            <p:cNvGrpSpPr/>
+            <p:nvPr/>
+          </p:nvGrpSpPr>
+          <p:grpSpPr>
+            <a:xfrm>
+              <a:off x="1898073" y="3754582"/>
+              <a:ext cx="5361708" cy="0"/>
+              <a:chOff x="1898073" y="928255"/>
+              <a:chExt cx="5361708" cy="0"/>
+            </a:xfrm>
+          </p:grpSpPr>
+          <p:cxnSp>
+            <p:nvCxnSpPr>
+              <p:cNvPr id="23" name="Straight Connector 22">
+                <a:extLst>
+                  <a:ext uri="{FF2B5EF4-FFF2-40B4-BE49-F238E27FC236}">
+                    <a16:creationId xmlns:a16="http://schemas.microsoft.com/office/drawing/2014/main" id="{18CAD21A-4011-6D4D-B7EF-CC3CC2204273}"/>
+                  </a:ext>
+                </a:extLst>
+              </p:cNvPr>
+              <p:cNvCxnSpPr/>
+              <p:nvPr/>
+            </p:nvCxnSpPr>
+            <p:spPr>
+              <a:xfrm>
+                <a:off x="1898073" y="928255"/>
+                <a:ext cx="1787236" cy="0"/>
+              </a:xfrm>
+              <a:prstGeom prst="line">
+                <a:avLst/>
+              </a:prstGeom>
+              <a:ln w="19050">
+                <a:headEnd type="oval"/>
+              </a:ln>
+            </p:spPr>
+            <p:style>
+              <a:lnRef idx="1">
+                <a:schemeClr val="accent1"/>
+              </a:lnRef>
+              <a:fillRef idx="0">
+                <a:schemeClr val="accent1"/>
+              </a:fillRef>
+              <a:effectRef idx="0">
+                <a:schemeClr val="accent1"/>
+              </a:effectRef>
+              <a:fontRef idx="minor">
+                <a:schemeClr val="tx1"/>
+              </a:fontRef>
+            </p:style>
+          </p:cxnSp>
+          <p:cxnSp>
+            <p:nvCxnSpPr>
+              <p:cNvPr id="24" name="Straight Connector 23">
+                <a:extLst>
+                  <a:ext uri="{FF2B5EF4-FFF2-40B4-BE49-F238E27FC236}">
+                    <a16:creationId xmlns:a16="http://schemas.microsoft.com/office/drawing/2014/main" id="{FA8FE0A9-DB89-6D49-AD52-4D3EE0B667B7}"/>
+                  </a:ext>
+                </a:extLst>
+              </p:cNvPr>
+              <p:cNvCxnSpPr/>
+              <p:nvPr/>
+            </p:nvCxnSpPr>
+            <p:spPr>
+              <a:xfrm>
+                <a:off x="3685309" y="928255"/>
+                <a:ext cx="1787236" cy="0"/>
+              </a:xfrm>
+              <a:prstGeom prst="line">
+                <a:avLst/>
+              </a:prstGeom>
+              <a:ln w="19050">
+                <a:headEnd type="oval"/>
+              </a:ln>
+            </p:spPr>
+            <p:style>
+              <a:lnRef idx="1">
+                <a:schemeClr val="accent1"/>
+              </a:lnRef>
+              <a:fillRef idx="0">
+                <a:schemeClr val="accent1"/>
+              </a:fillRef>
+              <a:effectRef idx="0">
+                <a:schemeClr val="accent1"/>
+              </a:effectRef>
+              <a:fontRef idx="minor">
+                <a:schemeClr val="tx1"/>
+              </a:fontRef>
+            </p:style>
+          </p:cxnSp>
+          <p:cxnSp>
+            <p:nvCxnSpPr>
+              <p:cNvPr id="25" name="Straight Connector 24">
+                <a:extLst>
+                  <a:ext uri="{FF2B5EF4-FFF2-40B4-BE49-F238E27FC236}">
+                    <a16:creationId xmlns:a16="http://schemas.microsoft.com/office/drawing/2014/main" id="{3156BBB9-513F-2D4E-93AB-824D00E37360}"/>
+                  </a:ext>
+                </a:extLst>
+              </p:cNvPr>
+              <p:cNvCxnSpPr/>
+              <p:nvPr/>
+            </p:nvCxnSpPr>
+            <p:spPr>
+              <a:xfrm>
+                <a:off x="5472545" y="928255"/>
+                <a:ext cx="1787236" cy="0"/>
+              </a:xfrm>
+              <a:prstGeom prst="line">
+                <a:avLst/>
+              </a:prstGeom>
+              <a:ln w="19050">
+                <a:headEnd type="oval"/>
+                <a:tailEnd type="oval"/>
+              </a:ln>
+            </p:spPr>
+            <p:style>
+              <a:lnRef idx="1">
+                <a:schemeClr val="accent1"/>
+              </a:lnRef>
+              <a:fillRef idx="0">
+                <a:schemeClr val="accent1"/>
+              </a:fillRef>
+              <a:effectRef idx="0">
+                <a:schemeClr val="accent1"/>
+              </a:effectRef>
+              <a:fontRef idx="minor">
+                <a:schemeClr val="tx1"/>
+              </a:fontRef>
+            </p:style>
+          </p:cxnSp>
+          <p:cxnSp>
+            <p:nvCxnSpPr>
+              <p:cNvPr id="27" name="Straight Arrow Connector 26">
+                <a:extLst>
+                  <a:ext uri="{FF2B5EF4-FFF2-40B4-BE49-F238E27FC236}">
+                    <a16:creationId xmlns:a16="http://schemas.microsoft.com/office/drawing/2014/main" id="{D3E1A2F7-3ED7-3B4F-9ABB-999A92D493D3}"/>
+                  </a:ext>
+                </a:extLst>
+              </p:cNvPr>
+              <p:cNvCxnSpPr/>
+              <p:nvPr/>
+            </p:nvCxnSpPr>
+            <p:spPr>
+              <a:xfrm>
+                <a:off x="4073234" y="928255"/>
+                <a:ext cx="609600" cy="0"/>
+              </a:xfrm>
+              <a:prstGeom prst="straightConnector1">
+                <a:avLst/>
+              </a:prstGeom>
+              <a:ln w="19050">
+                <a:tailEnd type="triangle"/>
+              </a:ln>
+            </p:spPr>
+            <p:style>
+              <a:lnRef idx="1">
+                <a:schemeClr val="accent1"/>
+              </a:lnRef>
+              <a:fillRef idx="0">
+                <a:schemeClr val="accent1"/>
+              </a:fillRef>
+              <a:effectRef idx="0">
+                <a:schemeClr val="accent1"/>
+              </a:effectRef>
+              <a:fontRef idx="minor">
+                <a:schemeClr val="tx1"/>
+              </a:fontRef>
+            </p:style>
+          </p:cxnSp>
+        </p:grpSp>
         <mc:AlternateContent xmlns:mc="http://schemas.openxmlformats.org/markup-compatibility/2006">
           <mc:Choice xmlns:a14="http://schemas.microsoft.com/office/drawing/2010/main" Requires="a14">
             <p:sp>
               <p:nvSpPr>
-                <p:cNvPr id="6" name="TextBox 5">
+                <p:cNvPr id="28" name="TextBox 27">
                   <a:extLst>
                     <a:ext uri="{FF2B5EF4-FFF2-40B4-BE49-F238E27FC236}">
-                      <a16:creationId xmlns:a16="http://schemas.microsoft.com/office/drawing/2014/main" id="{CC891480-B44D-034D-9A9C-9E16EADC7569}"/>
+                      <a16:creationId xmlns:a16="http://schemas.microsoft.com/office/drawing/2014/main" id="{349F4D98-5CE6-C544-9621-1C35A6D1D98A}"/>
                     </a:ext>
                   </a:extLst>
                 </p:cNvPr>
@@ -12726,317 +13782,7 @@
               </p:nvSpPr>
               <p:spPr>
                 <a:xfrm>
-                  <a:off x="3902684" y="558923"/>
-                  <a:ext cx="1352486" cy="369332"/>
-                </a:xfrm>
-                <a:prstGeom prst="rect">
-                  <a:avLst/>
-                </a:prstGeom>
-                <a:noFill/>
-              </p:spPr>
-              <p:txBody>
-                <a:bodyPr wrap="none" rtlCol="0">
-                  <a:spAutoFit/>
-                </a:bodyPr>
-                <a:lstStyle/>
-                <a:p>
-                  <a14:m>
-                    <m:oMathPara xmlns:m="http://schemas.openxmlformats.org/officeDocument/2006/math">
-                      <m:oMathParaPr>
-                        <m:jc m:val="centerGroup"/>
-                      </m:oMathParaPr>
-                      <m:oMath xmlns:m="http://schemas.openxmlformats.org/officeDocument/2006/math">
-                        <m:r>
-                          <a:rPr lang="en-GB" b="0" i="1" smtClean="0">
-                            <a:latin typeface="Cambria Math" panose="02040503050406030204" pitchFamily="18" charset="0"/>
-                          </a:rPr>
-                          <m:t>𝑥</m:t>
-                        </m:r>
-                        <m:d>
-                          <m:dPr>
-                            <m:begChr m:val="["/>
-                            <m:endChr m:val="]"/>
-                            <m:ctrlPr>
-                              <a:rPr lang="en-GB" b="0" i="1" smtClean="0">
-                                <a:latin typeface="Cambria Math" panose="02040503050406030204" pitchFamily="18" charset="0"/>
-                              </a:rPr>
-                            </m:ctrlPr>
-                          </m:dPr>
-                          <m:e>
-                            <m:r>
-                              <a:rPr lang="en-GB" b="0" i="1" smtClean="0">
-                                <a:latin typeface="Cambria Math" panose="02040503050406030204" pitchFamily="18" charset="0"/>
-                              </a:rPr>
-                              <m:t>0</m:t>
-                            </m:r>
-                          </m:e>
-                        </m:d>
-                        <m:r>
-                          <a:rPr lang="en-GB" b="0" i="1" smtClean="0">
-                            <a:latin typeface="Cambria Math" panose="02040503050406030204" pitchFamily="18" charset="0"/>
-                          </a:rPr>
-                          <m:t>+</m:t>
-                        </m:r>
-                        <m:r>
-                          <a:rPr lang="en-GB" b="0" i="1" smtClean="0">
-                            <a:latin typeface="Cambria Math" panose="02040503050406030204" pitchFamily="18" charset="0"/>
-                          </a:rPr>
-                          <m:t>𝑥</m:t>
-                        </m:r>
-                        <m:r>
-                          <a:rPr lang="en-GB" b="0" i="1" smtClean="0">
-                            <a:latin typeface="Cambria Math" panose="02040503050406030204" pitchFamily="18" charset="0"/>
-                          </a:rPr>
-                          <m:t>[2]</m:t>
-                        </m:r>
-                      </m:oMath>
-                    </m:oMathPara>
-                  </a14:m>
-                  <a:endParaRPr lang="en-US" dirty="0"/>
-                </a:p>
-              </p:txBody>
-            </p:sp>
-          </mc:Choice>
-          <mc:Fallback>
-            <p:sp>
-              <p:nvSpPr>
-                <p:cNvPr id="6" name="TextBox 5">
-                  <a:extLst>
-                    <a:ext uri="{FF2B5EF4-FFF2-40B4-BE49-F238E27FC236}">
-                      <a16:creationId xmlns:a16="http://schemas.microsoft.com/office/drawing/2014/main" id="{CC891480-B44D-034D-9A9C-9E16EADC7569}"/>
-                    </a:ext>
-                  </a:extLst>
-                </p:cNvPr>
-                <p:cNvSpPr txBox="1">
-                  <a:spLocks noRot="1" noChangeAspect="1" noMove="1" noResize="1" noEditPoints="1" noAdjustHandles="1" noChangeArrowheads="1" noChangeShapeType="1" noTextEdit="1"/>
-                </p:cNvSpPr>
-                <p:nvPr/>
-              </p:nvSpPr>
-              <p:spPr>
-                <a:xfrm>
-                  <a:off x="3902684" y="558923"/>
-                  <a:ext cx="1352486" cy="369332"/>
-                </a:xfrm>
-                <a:prstGeom prst="rect">
-                  <a:avLst/>
-                </a:prstGeom>
-                <a:blipFill>
-                  <a:blip r:embed="rId2"/>
-                  <a:stretch>
-                    <a:fillRect b="-13333"/>
-                  </a:stretch>
-                </a:blipFill>
-              </p:spPr>
-              <p:txBody>
-                <a:bodyPr/>
-                <a:lstStyle/>
-                <a:p>
-                  <a:r>
-                    <a:rPr lang="en-US">
-                      <a:noFill/>
-                    </a:rPr>
-                    <a:t> </a:t>
-                  </a:r>
-                </a:p>
-              </p:txBody>
-            </p:sp>
-          </mc:Fallback>
-        </mc:AlternateContent>
-        <p:cxnSp>
-          <p:nvCxnSpPr>
-            <p:cNvPr id="8" name="Straight Arrow Connector 7">
-              <a:extLst>
-                <a:ext uri="{FF2B5EF4-FFF2-40B4-BE49-F238E27FC236}">
-                  <a16:creationId xmlns:a16="http://schemas.microsoft.com/office/drawing/2014/main" id="{13957631-DE1C-D84A-B285-F4E3B10D34CC}"/>
-                </a:ext>
-              </a:extLst>
-            </p:cNvPr>
-            <p:cNvCxnSpPr/>
-            <p:nvPr/>
-          </p:nvCxnSpPr>
-          <p:spPr>
-            <a:xfrm>
-              <a:off x="4073234" y="928255"/>
-              <a:ext cx="609600" cy="0"/>
-            </a:xfrm>
-            <a:prstGeom prst="straightConnector1">
-              <a:avLst/>
-            </a:prstGeom>
-            <a:ln w="19050">
-              <a:tailEnd type="triangle"/>
-            </a:ln>
-          </p:spPr>
-          <p:style>
-            <a:lnRef idx="1">
-              <a:schemeClr val="accent1"/>
-            </a:lnRef>
-            <a:fillRef idx="0">
-              <a:schemeClr val="accent1"/>
-            </a:fillRef>
-            <a:effectRef idx="0">
-              <a:schemeClr val="accent1"/>
-            </a:effectRef>
-            <a:fontRef idx="minor">
-              <a:schemeClr val="tx1"/>
-            </a:fontRef>
-          </p:style>
-        </p:cxnSp>
-      </p:grpSp>
-      <p:grpSp>
-        <p:nvGrpSpPr>
-          <p:cNvPr id="10" name="Group 9">
-            <a:extLst>
-              <a:ext uri="{FF2B5EF4-FFF2-40B4-BE49-F238E27FC236}">
-                <a16:creationId xmlns:a16="http://schemas.microsoft.com/office/drawing/2014/main" id="{CD5D0C17-549F-124F-BEC9-6DF6A88D3EBF}"/>
-              </a:ext>
-            </a:extLst>
-          </p:cNvPr>
-          <p:cNvGrpSpPr/>
-          <p:nvPr/>
-        </p:nvGrpSpPr>
-        <p:grpSpPr>
-          <a:xfrm>
-            <a:off x="1898073" y="1411645"/>
-            <a:ext cx="5361708" cy="458719"/>
-            <a:chOff x="1898073" y="469536"/>
-            <a:chExt cx="5361708" cy="458719"/>
-          </a:xfrm>
-        </p:grpSpPr>
-        <p:cxnSp>
-          <p:nvCxnSpPr>
-            <p:cNvPr id="11" name="Straight Connector 10">
-              <a:extLst>
-                <a:ext uri="{FF2B5EF4-FFF2-40B4-BE49-F238E27FC236}">
-                  <a16:creationId xmlns:a16="http://schemas.microsoft.com/office/drawing/2014/main" id="{A67AE306-CE2E-1E48-9C92-CB5A1F63694A}"/>
-                </a:ext>
-              </a:extLst>
-            </p:cNvPr>
-            <p:cNvCxnSpPr/>
-            <p:nvPr/>
-          </p:nvCxnSpPr>
-          <p:spPr>
-            <a:xfrm>
-              <a:off x="1898073" y="928255"/>
-              <a:ext cx="1787236" cy="0"/>
-            </a:xfrm>
-            <a:prstGeom prst="line">
-              <a:avLst/>
-            </a:prstGeom>
-            <a:ln w="19050">
-              <a:headEnd type="oval"/>
-            </a:ln>
-          </p:spPr>
-          <p:style>
-            <a:lnRef idx="1">
-              <a:schemeClr val="accent1"/>
-            </a:lnRef>
-            <a:fillRef idx="0">
-              <a:schemeClr val="accent1"/>
-            </a:fillRef>
-            <a:effectRef idx="0">
-              <a:schemeClr val="accent1"/>
-            </a:effectRef>
-            <a:fontRef idx="minor">
-              <a:schemeClr val="tx1"/>
-            </a:fontRef>
-          </p:style>
-        </p:cxnSp>
-        <p:cxnSp>
-          <p:nvCxnSpPr>
-            <p:cNvPr id="12" name="Straight Connector 11">
-              <a:extLst>
-                <a:ext uri="{FF2B5EF4-FFF2-40B4-BE49-F238E27FC236}">
-                  <a16:creationId xmlns:a16="http://schemas.microsoft.com/office/drawing/2014/main" id="{D1884351-0A7F-3748-8CA9-7790D837A21C}"/>
-                </a:ext>
-              </a:extLst>
-            </p:cNvPr>
-            <p:cNvCxnSpPr/>
-            <p:nvPr/>
-          </p:nvCxnSpPr>
-          <p:spPr>
-            <a:xfrm>
-              <a:off x="3685309" y="928255"/>
-              <a:ext cx="1787236" cy="0"/>
-            </a:xfrm>
-            <a:prstGeom prst="line">
-              <a:avLst/>
-            </a:prstGeom>
-            <a:ln w="19050">
-              <a:headEnd type="oval"/>
-            </a:ln>
-          </p:spPr>
-          <p:style>
-            <a:lnRef idx="1">
-              <a:schemeClr val="accent1"/>
-            </a:lnRef>
-            <a:fillRef idx="0">
-              <a:schemeClr val="accent1"/>
-            </a:fillRef>
-            <a:effectRef idx="0">
-              <a:schemeClr val="accent1"/>
-            </a:effectRef>
-            <a:fontRef idx="minor">
-              <a:schemeClr val="tx1"/>
-            </a:fontRef>
-          </p:style>
-        </p:cxnSp>
-        <p:cxnSp>
-          <p:nvCxnSpPr>
-            <p:cNvPr id="13" name="Straight Connector 12">
-              <a:extLst>
-                <a:ext uri="{FF2B5EF4-FFF2-40B4-BE49-F238E27FC236}">
-                  <a16:creationId xmlns:a16="http://schemas.microsoft.com/office/drawing/2014/main" id="{830F1542-4324-2F4E-99AE-52393D27291D}"/>
-                </a:ext>
-              </a:extLst>
-            </p:cNvPr>
-            <p:cNvCxnSpPr/>
-            <p:nvPr/>
-          </p:nvCxnSpPr>
-          <p:spPr>
-            <a:xfrm>
-              <a:off x="5472545" y="928255"/>
-              <a:ext cx="1787236" cy="0"/>
-            </a:xfrm>
-            <a:prstGeom prst="line">
-              <a:avLst/>
-            </a:prstGeom>
-            <a:ln w="19050">
-              <a:headEnd type="oval"/>
-              <a:tailEnd type="oval"/>
-            </a:ln>
-          </p:spPr>
-          <p:style>
-            <a:lnRef idx="1">
-              <a:schemeClr val="accent1"/>
-            </a:lnRef>
-            <a:fillRef idx="0">
-              <a:schemeClr val="accent1"/>
-            </a:fillRef>
-            <a:effectRef idx="0">
-              <a:schemeClr val="accent1"/>
-            </a:effectRef>
-            <a:fontRef idx="minor">
-              <a:schemeClr val="tx1"/>
-            </a:fontRef>
-          </p:style>
-        </p:cxnSp>
-        <mc:AlternateContent xmlns:mc="http://schemas.openxmlformats.org/markup-compatibility/2006">
-          <mc:Choice xmlns:a14="http://schemas.microsoft.com/office/drawing/2010/main" Requires="a14">
-            <p:sp>
-              <p:nvSpPr>
-                <p:cNvPr id="14" name="TextBox 13">
-                  <a:extLst>
-                    <a:ext uri="{FF2B5EF4-FFF2-40B4-BE49-F238E27FC236}">
-                      <a16:creationId xmlns:a16="http://schemas.microsoft.com/office/drawing/2014/main" id="{135979FA-B303-7E4A-BE86-B7A91E1A10AD}"/>
-                    </a:ext>
-                  </a:extLst>
-                </p:cNvPr>
-                <p:cNvSpPr txBox="1"/>
-                <p:nvPr/>
-              </p:nvSpPr>
-              <p:spPr>
-                <a:xfrm>
-                  <a:off x="3617101" y="469536"/>
+                  <a:off x="3617101" y="3344129"/>
                   <a:ext cx="1855444" cy="373628"/>
                 </a:xfrm>
                 <a:prstGeom prst="rect">
@@ -13050,6 +13796,7 @@
                 </a:bodyPr>
                 <a:lstStyle/>
                 <a:p>
+                  <a:pPr/>
                   <a14:m>
                     <m:oMathPara xmlns:m="http://schemas.openxmlformats.org/officeDocument/2006/math">
                       <m:oMathParaPr>
@@ -13096,7 +13843,7 @@
                               <a:rPr lang="en-GB" b="0" i="1" smtClean="0">
                                 <a:latin typeface="Cambria Math" panose="02040503050406030204" pitchFamily="18" charset="0"/>
                               </a:rPr>
-                              <m:t>+</m:t>
+                              <m:t>−</m:t>
                             </m:r>
                             <m:r>
                               <a:rPr lang="en-GB" b="0" i="1" smtClean="0">
@@ -13141,7 +13888,7 @@
                               <a:rPr lang="en-GB" b="0" i="1" smtClean="0">
                                 <a:latin typeface="Cambria Math" panose="02040503050406030204" pitchFamily="18" charset="0"/>
                               </a:rPr>
-                              <m:t>0</m:t>
+                              <m:t>1</m:t>
                             </m:r>
                           </m:sup>
                         </m:sSubSup>
@@ -13156,10 +13903,10 @@
           <mc:Fallback>
             <p:sp>
               <p:nvSpPr>
-                <p:cNvPr id="14" name="TextBox 13">
+                <p:cNvPr id="28" name="TextBox 27">
                   <a:extLst>
                     <a:ext uri="{FF2B5EF4-FFF2-40B4-BE49-F238E27FC236}">
-                      <a16:creationId xmlns:a16="http://schemas.microsoft.com/office/drawing/2014/main" id="{135979FA-B303-7E4A-BE86-B7A91E1A10AD}"/>
+                      <a16:creationId xmlns:a16="http://schemas.microsoft.com/office/drawing/2014/main" id="{349F4D98-5CE6-C544-9621-1C35A6D1D98A}"/>
                     </a:ext>
                   </a:extLst>
                 </p:cNvPr>
@@ -13170,16 +13917,1508 @@
               </p:nvSpPr>
               <p:spPr>
                 <a:xfrm>
-                  <a:off x="3617101" y="469536"/>
+                  <a:off x="3617101" y="3344129"/>
                   <a:ext cx="1855444" cy="373628"/>
                 </a:xfrm>
                 <a:prstGeom prst="rect">
                   <a:avLst/>
                 </a:prstGeom>
                 <a:blipFill>
-                  <a:blip r:embed="rId3"/>
+                  <a:blip r:embed="rId5"/>
                   <a:stretch>
-                    <a:fillRect b="-9677"/>
+                    <a:fillRect b="-13333"/>
+                  </a:stretch>
+                </a:blipFill>
+              </p:spPr>
+              <p:txBody>
+                <a:bodyPr/>
+                <a:lstStyle/>
+                <a:p>
+                  <a:r>
+                    <a:rPr lang="en-US">
+                      <a:noFill/>
+                    </a:rPr>
+                    <a:t> </a:t>
+                  </a:r>
+                </a:p>
+              </p:txBody>
+            </p:sp>
+          </mc:Fallback>
+        </mc:AlternateContent>
+        <mc:AlternateContent xmlns:mc="http://schemas.openxmlformats.org/markup-compatibility/2006">
+          <mc:Choice xmlns:a14="http://schemas.microsoft.com/office/drawing/2010/main" Requires="a14">
+            <p:sp>
+              <p:nvSpPr>
+                <p:cNvPr id="29" name="TextBox 28">
+                  <a:extLst>
+                    <a:ext uri="{FF2B5EF4-FFF2-40B4-BE49-F238E27FC236}">
+                      <a16:creationId xmlns:a16="http://schemas.microsoft.com/office/drawing/2014/main" id="{41344CA2-096A-4E4C-B872-B0A5E841BB60}"/>
+                    </a:ext>
+                  </a:extLst>
+                </p:cNvPr>
+                <p:cNvSpPr txBox="1"/>
+                <p:nvPr/>
+              </p:nvSpPr>
+              <p:spPr>
+                <a:xfrm>
+                  <a:off x="1317526" y="789755"/>
+                  <a:ext cx="471860" cy="276999"/>
+                </a:xfrm>
+                <a:prstGeom prst="rect">
+                  <a:avLst/>
+                </a:prstGeom>
+                <a:noFill/>
+              </p:spPr>
+              <p:txBody>
+                <a:bodyPr wrap="none" lIns="0" tIns="0" rIns="0" bIns="0" rtlCol="0">
+                  <a:spAutoFit/>
+                </a:bodyPr>
+                <a:lstStyle/>
+                <a:p>
+                  <a:pPr/>
+                  <a14:m>
+                    <m:oMathPara xmlns:m="http://schemas.openxmlformats.org/officeDocument/2006/math">
+                      <m:oMathParaPr>
+                        <m:jc m:val="centerGroup"/>
+                      </m:oMathParaPr>
+                      <m:oMath xmlns:m="http://schemas.openxmlformats.org/officeDocument/2006/math">
+                        <m:r>
+                          <a:rPr lang="en-GB" b="0" i="1" smtClean="0">
+                            <a:latin typeface="Cambria Math" panose="02040503050406030204" pitchFamily="18" charset="0"/>
+                          </a:rPr>
+                          <m:t>𝑥</m:t>
+                        </m:r>
+                        <m:r>
+                          <a:rPr lang="en-GB" b="0" i="1" smtClean="0">
+                            <a:latin typeface="Cambria Math" panose="02040503050406030204" pitchFamily="18" charset="0"/>
+                          </a:rPr>
+                          <m:t>[0]</m:t>
+                        </m:r>
+                      </m:oMath>
+                    </m:oMathPara>
+                  </a14:m>
+                  <a:endParaRPr lang="en-US" dirty="0"/>
+                </a:p>
+              </p:txBody>
+            </p:sp>
+          </mc:Choice>
+          <mc:Fallback>
+            <p:sp>
+              <p:nvSpPr>
+                <p:cNvPr id="29" name="TextBox 28">
+                  <a:extLst>
+                    <a:ext uri="{FF2B5EF4-FFF2-40B4-BE49-F238E27FC236}">
+                      <a16:creationId xmlns:a16="http://schemas.microsoft.com/office/drawing/2014/main" id="{41344CA2-096A-4E4C-B872-B0A5E841BB60}"/>
+                    </a:ext>
+                  </a:extLst>
+                </p:cNvPr>
+                <p:cNvSpPr txBox="1">
+                  <a:spLocks noRot="1" noChangeAspect="1" noMove="1" noResize="1" noEditPoints="1" noAdjustHandles="1" noChangeArrowheads="1" noChangeShapeType="1" noTextEdit="1"/>
+                </p:cNvSpPr>
+                <p:nvPr/>
+              </p:nvSpPr>
+              <p:spPr>
+                <a:xfrm>
+                  <a:off x="1317526" y="789755"/>
+                  <a:ext cx="471860" cy="276999"/>
+                </a:xfrm>
+                <a:prstGeom prst="rect">
+                  <a:avLst/>
+                </a:prstGeom>
+                <a:blipFill>
+                  <a:blip r:embed="rId6"/>
+                  <a:stretch>
+                    <a:fillRect l="-5128" t="-4545" r="-15385" b="-40909"/>
+                  </a:stretch>
+                </a:blipFill>
+              </p:spPr>
+              <p:txBody>
+                <a:bodyPr/>
+                <a:lstStyle/>
+                <a:p>
+                  <a:r>
+                    <a:rPr lang="en-US">
+                      <a:noFill/>
+                    </a:rPr>
+                    <a:t> </a:t>
+                  </a:r>
+                </a:p>
+              </p:txBody>
+            </p:sp>
+          </mc:Fallback>
+        </mc:AlternateContent>
+        <mc:AlternateContent xmlns:mc="http://schemas.openxmlformats.org/markup-compatibility/2006">
+          <mc:Choice xmlns:a14="http://schemas.microsoft.com/office/drawing/2010/main" Requires="a14">
+            <p:sp>
+              <p:nvSpPr>
+                <p:cNvPr id="30" name="TextBox 29">
+                  <a:extLst>
+                    <a:ext uri="{FF2B5EF4-FFF2-40B4-BE49-F238E27FC236}">
+                      <a16:creationId xmlns:a16="http://schemas.microsoft.com/office/drawing/2014/main" id="{6DA3D339-4D3D-4B41-BFA4-7D8FCC06F353}"/>
+                    </a:ext>
+                  </a:extLst>
+                </p:cNvPr>
+                <p:cNvSpPr txBox="1"/>
+                <p:nvPr/>
+              </p:nvSpPr>
+              <p:spPr>
+                <a:xfrm>
+                  <a:off x="1317114" y="1731864"/>
+                  <a:ext cx="471860" cy="276999"/>
+                </a:xfrm>
+                <a:prstGeom prst="rect">
+                  <a:avLst/>
+                </a:prstGeom>
+                <a:noFill/>
+              </p:spPr>
+              <p:txBody>
+                <a:bodyPr wrap="none" lIns="0" tIns="0" rIns="0" bIns="0" rtlCol="0">
+                  <a:spAutoFit/>
+                </a:bodyPr>
+                <a:lstStyle/>
+                <a:p>
+                  <a:pPr/>
+                  <a14:m>
+                    <m:oMathPara xmlns:m="http://schemas.openxmlformats.org/officeDocument/2006/math">
+                      <m:oMathParaPr>
+                        <m:jc m:val="centerGroup"/>
+                      </m:oMathParaPr>
+                      <m:oMath xmlns:m="http://schemas.openxmlformats.org/officeDocument/2006/math">
+                        <m:r>
+                          <a:rPr lang="en-GB" b="0" i="1" smtClean="0">
+                            <a:latin typeface="Cambria Math" panose="02040503050406030204" pitchFamily="18" charset="0"/>
+                          </a:rPr>
+                          <m:t>𝑥</m:t>
+                        </m:r>
+                        <m:r>
+                          <a:rPr lang="en-GB" b="0" i="1" smtClean="0">
+                            <a:latin typeface="Cambria Math" panose="02040503050406030204" pitchFamily="18" charset="0"/>
+                          </a:rPr>
+                          <m:t>[1]</m:t>
+                        </m:r>
+                      </m:oMath>
+                    </m:oMathPara>
+                  </a14:m>
+                  <a:endParaRPr lang="en-US" dirty="0"/>
+                </a:p>
+              </p:txBody>
+            </p:sp>
+          </mc:Choice>
+          <mc:Fallback>
+            <p:sp>
+              <p:nvSpPr>
+                <p:cNvPr id="30" name="TextBox 29">
+                  <a:extLst>
+                    <a:ext uri="{FF2B5EF4-FFF2-40B4-BE49-F238E27FC236}">
+                      <a16:creationId xmlns:a16="http://schemas.microsoft.com/office/drawing/2014/main" id="{6DA3D339-4D3D-4B41-BFA4-7D8FCC06F353}"/>
+                    </a:ext>
+                  </a:extLst>
+                </p:cNvPr>
+                <p:cNvSpPr txBox="1">
+                  <a:spLocks noRot="1" noChangeAspect="1" noMove="1" noResize="1" noEditPoints="1" noAdjustHandles="1" noChangeArrowheads="1" noChangeShapeType="1" noTextEdit="1"/>
+                </p:cNvSpPr>
+                <p:nvPr/>
+              </p:nvSpPr>
+              <p:spPr>
+                <a:xfrm>
+                  <a:off x="1317114" y="1731864"/>
+                  <a:ext cx="471860" cy="276999"/>
+                </a:xfrm>
+                <a:prstGeom prst="rect">
+                  <a:avLst/>
+                </a:prstGeom>
+                <a:blipFill>
+                  <a:blip r:embed="rId7"/>
+                  <a:stretch>
+                    <a:fillRect l="-5263" t="-4348" r="-18421" b="-34783"/>
+                  </a:stretch>
+                </a:blipFill>
+              </p:spPr>
+              <p:txBody>
+                <a:bodyPr/>
+                <a:lstStyle/>
+                <a:p>
+                  <a:r>
+                    <a:rPr lang="en-US">
+                      <a:noFill/>
+                    </a:rPr>
+                    <a:t> </a:t>
+                  </a:r>
+                </a:p>
+              </p:txBody>
+            </p:sp>
+          </mc:Fallback>
+        </mc:AlternateContent>
+        <mc:AlternateContent xmlns:mc="http://schemas.openxmlformats.org/markup-compatibility/2006">
+          <mc:Choice xmlns:a14="http://schemas.microsoft.com/office/drawing/2010/main" Requires="a14">
+            <p:sp>
+              <p:nvSpPr>
+                <p:cNvPr id="31" name="TextBox 30">
+                  <a:extLst>
+                    <a:ext uri="{FF2B5EF4-FFF2-40B4-BE49-F238E27FC236}">
+                      <a16:creationId xmlns:a16="http://schemas.microsoft.com/office/drawing/2014/main" id="{6EBFFDD4-4DC0-674B-A0BB-0C81D368A17C}"/>
+                    </a:ext>
+                  </a:extLst>
+                </p:cNvPr>
+                <p:cNvSpPr txBox="1"/>
+                <p:nvPr/>
+              </p:nvSpPr>
+              <p:spPr>
+                <a:xfrm>
+                  <a:off x="1316702" y="2673973"/>
+                  <a:ext cx="471860" cy="276999"/>
+                </a:xfrm>
+                <a:prstGeom prst="rect">
+                  <a:avLst/>
+                </a:prstGeom>
+                <a:noFill/>
+              </p:spPr>
+              <p:txBody>
+                <a:bodyPr wrap="none" lIns="0" tIns="0" rIns="0" bIns="0" rtlCol="0">
+                  <a:spAutoFit/>
+                </a:bodyPr>
+                <a:lstStyle/>
+                <a:p>
+                  <a:pPr/>
+                  <a14:m>
+                    <m:oMathPara xmlns:m="http://schemas.openxmlformats.org/officeDocument/2006/math">
+                      <m:oMathParaPr>
+                        <m:jc m:val="centerGroup"/>
+                      </m:oMathParaPr>
+                      <m:oMath xmlns:m="http://schemas.openxmlformats.org/officeDocument/2006/math">
+                        <m:r>
+                          <a:rPr lang="en-GB" b="0" i="1" smtClean="0">
+                            <a:latin typeface="Cambria Math" panose="02040503050406030204" pitchFamily="18" charset="0"/>
+                          </a:rPr>
+                          <m:t>𝑥</m:t>
+                        </m:r>
+                        <m:r>
+                          <a:rPr lang="en-GB" b="0" i="1" smtClean="0">
+                            <a:latin typeface="Cambria Math" panose="02040503050406030204" pitchFamily="18" charset="0"/>
+                          </a:rPr>
+                          <m:t>[2]</m:t>
+                        </m:r>
+                      </m:oMath>
+                    </m:oMathPara>
+                  </a14:m>
+                  <a:endParaRPr lang="en-US" dirty="0"/>
+                </a:p>
+              </p:txBody>
+            </p:sp>
+          </mc:Choice>
+          <mc:Fallback>
+            <p:sp>
+              <p:nvSpPr>
+                <p:cNvPr id="31" name="TextBox 30">
+                  <a:extLst>
+                    <a:ext uri="{FF2B5EF4-FFF2-40B4-BE49-F238E27FC236}">
+                      <a16:creationId xmlns:a16="http://schemas.microsoft.com/office/drawing/2014/main" id="{6EBFFDD4-4DC0-674B-A0BB-0C81D368A17C}"/>
+                    </a:ext>
+                  </a:extLst>
+                </p:cNvPr>
+                <p:cNvSpPr txBox="1">
+                  <a:spLocks noRot="1" noChangeAspect="1" noMove="1" noResize="1" noEditPoints="1" noAdjustHandles="1" noChangeArrowheads="1" noChangeShapeType="1" noTextEdit="1"/>
+                </p:cNvSpPr>
+                <p:nvPr/>
+              </p:nvSpPr>
+              <p:spPr>
+                <a:xfrm>
+                  <a:off x="1316702" y="2673973"/>
+                  <a:ext cx="471860" cy="276999"/>
+                </a:xfrm>
+                <a:prstGeom prst="rect">
+                  <a:avLst/>
+                </a:prstGeom>
+                <a:blipFill>
+                  <a:blip r:embed="rId8"/>
+                  <a:stretch>
+                    <a:fillRect l="-5263" r="-18421" b="-34783"/>
+                  </a:stretch>
+                </a:blipFill>
+              </p:spPr>
+              <p:txBody>
+                <a:bodyPr/>
+                <a:lstStyle/>
+                <a:p>
+                  <a:r>
+                    <a:rPr lang="en-US">
+                      <a:noFill/>
+                    </a:rPr>
+                    <a:t> </a:t>
+                  </a:r>
+                </a:p>
+              </p:txBody>
+            </p:sp>
+          </mc:Fallback>
+        </mc:AlternateContent>
+        <mc:AlternateContent xmlns:mc="http://schemas.openxmlformats.org/markup-compatibility/2006">
+          <mc:Choice xmlns:a14="http://schemas.microsoft.com/office/drawing/2010/main" Requires="a14">
+            <p:sp>
+              <p:nvSpPr>
+                <p:cNvPr id="32" name="TextBox 31">
+                  <a:extLst>
+                    <a:ext uri="{FF2B5EF4-FFF2-40B4-BE49-F238E27FC236}">
+                      <a16:creationId xmlns:a16="http://schemas.microsoft.com/office/drawing/2014/main" id="{7C37D9A5-7440-CE43-B00B-0A29A9B6FD3A}"/>
+                    </a:ext>
+                  </a:extLst>
+                </p:cNvPr>
+                <p:cNvSpPr txBox="1"/>
+                <p:nvPr/>
+              </p:nvSpPr>
+              <p:spPr>
+                <a:xfrm>
+                  <a:off x="1316290" y="3616082"/>
+                  <a:ext cx="471860" cy="276999"/>
+                </a:xfrm>
+                <a:prstGeom prst="rect">
+                  <a:avLst/>
+                </a:prstGeom>
+                <a:noFill/>
+              </p:spPr>
+              <p:txBody>
+                <a:bodyPr wrap="none" lIns="0" tIns="0" rIns="0" bIns="0" rtlCol="0">
+                  <a:spAutoFit/>
+                </a:bodyPr>
+                <a:lstStyle/>
+                <a:p>
+                  <a:pPr/>
+                  <a14:m>
+                    <m:oMathPara xmlns:m="http://schemas.openxmlformats.org/officeDocument/2006/math">
+                      <m:oMathParaPr>
+                        <m:jc m:val="centerGroup"/>
+                      </m:oMathParaPr>
+                      <m:oMath xmlns:m="http://schemas.openxmlformats.org/officeDocument/2006/math">
+                        <m:r>
+                          <a:rPr lang="en-GB" b="0" i="1" smtClean="0">
+                            <a:latin typeface="Cambria Math" panose="02040503050406030204" pitchFamily="18" charset="0"/>
+                          </a:rPr>
+                          <m:t>𝑥</m:t>
+                        </m:r>
+                        <m:r>
+                          <a:rPr lang="en-GB" b="0" i="1" smtClean="0">
+                            <a:latin typeface="Cambria Math" panose="02040503050406030204" pitchFamily="18" charset="0"/>
+                          </a:rPr>
+                          <m:t>[3]</m:t>
+                        </m:r>
+                      </m:oMath>
+                    </m:oMathPara>
+                  </a14:m>
+                  <a:endParaRPr lang="en-US" dirty="0"/>
+                </a:p>
+              </p:txBody>
+            </p:sp>
+          </mc:Choice>
+          <mc:Fallback>
+            <p:sp>
+              <p:nvSpPr>
+                <p:cNvPr id="32" name="TextBox 31">
+                  <a:extLst>
+                    <a:ext uri="{FF2B5EF4-FFF2-40B4-BE49-F238E27FC236}">
+                      <a16:creationId xmlns:a16="http://schemas.microsoft.com/office/drawing/2014/main" id="{7C37D9A5-7440-CE43-B00B-0A29A9B6FD3A}"/>
+                    </a:ext>
+                  </a:extLst>
+                </p:cNvPr>
+                <p:cNvSpPr txBox="1">
+                  <a:spLocks noRot="1" noChangeAspect="1" noMove="1" noResize="1" noEditPoints="1" noAdjustHandles="1" noChangeArrowheads="1" noChangeShapeType="1" noTextEdit="1"/>
+                </p:cNvSpPr>
+                <p:nvPr/>
+              </p:nvSpPr>
+              <p:spPr>
+                <a:xfrm>
+                  <a:off x="1316290" y="3616082"/>
+                  <a:ext cx="471860" cy="276999"/>
+                </a:xfrm>
+                <a:prstGeom prst="rect">
+                  <a:avLst/>
+                </a:prstGeom>
+                <a:blipFill>
+                  <a:blip r:embed="rId9"/>
+                  <a:stretch>
+                    <a:fillRect l="-5263" r="-18421" b="-34783"/>
+                  </a:stretch>
+                </a:blipFill>
+              </p:spPr>
+              <p:txBody>
+                <a:bodyPr/>
+                <a:lstStyle/>
+                <a:p>
+                  <a:r>
+                    <a:rPr lang="en-US">
+                      <a:noFill/>
+                    </a:rPr>
+                    <a:t> </a:t>
+                  </a:r>
+                </a:p>
+              </p:txBody>
+            </p:sp>
+          </mc:Fallback>
+        </mc:AlternateContent>
+        <mc:AlternateContent xmlns:mc="http://schemas.openxmlformats.org/markup-compatibility/2006">
+          <mc:Choice xmlns:a14="http://schemas.microsoft.com/office/drawing/2010/main" Requires="a14">
+            <p:sp>
+              <p:nvSpPr>
+                <p:cNvPr id="33" name="TextBox 32">
+                  <a:extLst>
+                    <a:ext uri="{FF2B5EF4-FFF2-40B4-BE49-F238E27FC236}">
+                      <a16:creationId xmlns:a16="http://schemas.microsoft.com/office/drawing/2014/main" id="{A96A959F-30AD-6641-8C90-F19CF3EB458B}"/>
+                    </a:ext>
+                  </a:extLst>
+                </p:cNvPr>
+                <p:cNvSpPr txBox="1"/>
+                <p:nvPr/>
+              </p:nvSpPr>
+              <p:spPr>
+                <a:xfrm>
+                  <a:off x="7369141" y="789755"/>
+                  <a:ext cx="496161" cy="276999"/>
+                </a:xfrm>
+                <a:prstGeom prst="rect">
+                  <a:avLst/>
+                </a:prstGeom>
+                <a:noFill/>
+              </p:spPr>
+              <p:txBody>
+                <a:bodyPr wrap="none" lIns="0" tIns="0" rIns="0" bIns="0" rtlCol="0">
+                  <a:spAutoFit/>
+                </a:bodyPr>
+                <a:lstStyle/>
+                <a:p>
+                  <a:pPr/>
+                  <a14:m>
+                    <m:oMathPara xmlns:m="http://schemas.openxmlformats.org/officeDocument/2006/math">
+                      <m:oMathParaPr>
+                        <m:jc m:val="centerGroup"/>
+                      </m:oMathParaPr>
+                      <m:oMath xmlns:m="http://schemas.openxmlformats.org/officeDocument/2006/math">
+                        <m:r>
+                          <a:rPr lang="en-GB" b="0" i="1" smtClean="0">
+                            <a:latin typeface="Cambria Math" panose="02040503050406030204" pitchFamily="18" charset="0"/>
+                          </a:rPr>
+                          <m:t>𝑋</m:t>
+                        </m:r>
+                        <m:r>
+                          <a:rPr lang="en-GB" b="0" i="1" smtClean="0">
+                            <a:latin typeface="Cambria Math" panose="02040503050406030204" pitchFamily="18" charset="0"/>
+                          </a:rPr>
+                          <m:t>[0]</m:t>
+                        </m:r>
+                      </m:oMath>
+                    </m:oMathPara>
+                  </a14:m>
+                  <a:endParaRPr lang="en-US" dirty="0"/>
+                </a:p>
+              </p:txBody>
+            </p:sp>
+          </mc:Choice>
+          <mc:Fallback>
+            <p:sp>
+              <p:nvSpPr>
+                <p:cNvPr id="33" name="TextBox 32">
+                  <a:extLst>
+                    <a:ext uri="{FF2B5EF4-FFF2-40B4-BE49-F238E27FC236}">
+                      <a16:creationId xmlns:a16="http://schemas.microsoft.com/office/drawing/2014/main" id="{A96A959F-30AD-6641-8C90-F19CF3EB458B}"/>
+                    </a:ext>
+                  </a:extLst>
+                </p:cNvPr>
+                <p:cNvSpPr txBox="1">
+                  <a:spLocks noRot="1" noChangeAspect="1" noMove="1" noResize="1" noEditPoints="1" noAdjustHandles="1" noChangeArrowheads="1" noChangeShapeType="1" noTextEdit="1"/>
+                </p:cNvSpPr>
+                <p:nvPr/>
+              </p:nvSpPr>
+              <p:spPr>
+                <a:xfrm>
+                  <a:off x="7369141" y="789755"/>
+                  <a:ext cx="496161" cy="276999"/>
+                </a:xfrm>
+                <a:prstGeom prst="rect">
+                  <a:avLst/>
+                </a:prstGeom>
+                <a:blipFill>
+                  <a:blip r:embed="rId10"/>
+                  <a:stretch>
+                    <a:fillRect l="-10000" t="-4545" r="-15000" b="-40909"/>
+                  </a:stretch>
+                </a:blipFill>
+              </p:spPr>
+              <p:txBody>
+                <a:bodyPr/>
+                <a:lstStyle/>
+                <a:p>
+                  <a:r>
+                    <a:rPr lang="en-US">
+                      <a:noFill/>
+                    </a:rPr>
+                    <a:t> </a:t>
+                  </a:r>
+                </a:p>
+              </p:txBody>
+            </p:sp>
+          </mc:Fallback>
+        </mc:AlternateContent>
+        <mc:AlternateContent xmlns:mc="http://schemas.openxmlformats.org/markup-compatibility/2006">
+          <mc:Choice xmlns:a14="http://schemas.microsoft.com/office/drawing/2010/main" Requires="a14">
+            <p:sp>
+              <p:nvSpPr>
+                <p:cNvPr id="35" name="TextBox 34">
+                  <a:extLst>
+                    <a:ext uri="{FF2B5EF4-FFF2-40B4-BE49-F238E27FC236}">
+                      <a16:creationId xmlns:a16="http://schemas.microsoft.com/office/drawing/2014/main" id="{CFF3943F-04F8-1E47-9331-C93D556682F4}"/>
+                    </a:ext>
+                  </a:extLst>
+                </p:cNvPr>
+                <p:cNvSpPr txBox="1"/>
+                <p:nvPr/>
+              </p:nvSpPr>
+              <p:spPr>
+                <a:xfrm>
+                  <a:off x="7369141" y="1745721"/>
+                  <a:ext cx="496161" cy="276999"/>
+                </a:xfrm>
+                <a:prstGeom prst="rect">
+                  <a:avLst/>
+                </a:prstGeom>
+                <a:noFill/>
+              </p:spPr>
+              <p:txBody>
+                <a:bodyPr wrap="none" lIns="0" tIns="0" rIns="0" bIns="0" rtlCol="0">
+                  <a:spAutoFit/>
+                </a:bodyPr>
+                <a:lstStyle/>
+                <a:p>
+                  <a:pPr/>
+                  <a14:m>
+                    <m:oMathPara xmlns:m="http://schemas.openxmlformats.org/officeDocument/2006/math">
+                      <m:oMathParaPr>
+                        <m:jc m:val="centerGroup"/>
+                      </m:oMathParaPr>
+                      <m:oMath xmlns:m="http://schemas.openxmlformats.org/officeDocument/2006/math">
+                        <m:r>
+                          <a:rPr lang="en-GB" b="0" i="1" smtClean="0">
+                            <a:latin typeface="Cambria Math" panose="02040503050406030204" pitchFamily="18" charset="0"/>
+                          </a:rPr>
+                          <m:t>𝑋</m:t>
+                        </m:r>
+                        <m:r>
+                          <a:rPr lang="en-GB" b="0" i="1" smtClean="0">
+                            <a:latin typeface="Cambria Math" panose="02040503050406030204" pitchFamily="18" charset="0"/>
+                          </a:rPr>
+                          <m:t>[2]</m:t>
+                        </m:r>
+                      </m:oMath>
+                    </m:oMathPara>
+                  </a14:m>
+                  <a:endParaRPr lang="en-US" dirty="0"/>
+                </a:p>
+              </p:txBody>
+            </p:sp>
+          </mc:Choice>
+          <mc:Fallback>
+            <p:sp>
+              <p:nvSpPr>
+                <p:cNvPr id="35" name="TextBox 34">
+                  <a:extLst>
+                    <a:ext uri="{FF2B5EF4-FFF2-40B4-BE49-F238E27FC236}">
+                      <a16:creationId xmlns:a16="http://schemas.microsoft.com/office/drawing/2014/main" id="{CFF3943F-04F8-1E47-9331-C93D556682F4}"/>
+                    </a:ext>
+                  </a:extLst>
+                </p:cNvPr>
+                <p:cNvSpPr txBox="1">
+                  <a:spLocks noRot="1" noChangeAspect="1" noMove="1" noResize="1" noEditPoints="1" noAdjustHandles="1" noChangeArrowheads="1" noChangeShapeType="1" noTextEdit="1"/>
+                </p:cNvSpPr>
+                <p:nvPr/>
+              </p:nvSpPr>
+              <p:spPr>
+                <a:xfrm>
+                  <a:off x="7369141" y="1745721"/>
+                  <a:ext cx="496161" cy="276999"/>
+                </a:xfrm>
+                <a:prstGeom prst="rect">
+                  <a:avLst/>
+                </a:prstGeom>
+                <a:blipFill>
+                  <a:blip r:embed="rId11"/>
+                  <a:stretch>
+                    <a:fillRect l="-10000" t="-4348" r="-15000" b="-34783"/>
+                  </a:stretch>
+                </a:blipFill>
+              </p:spPr>
+              <p:txBody>
+                <a:bodyPr/>
+                <a:lstStyle/>
+                <a:p>
+                  <a:r>
+                    <a:rPr lang="en-US">
+                      <a:noFill/>
+                    </a:rPr>
+                    <a:t> </a:t>
+                  </a:r>
+                </a:p>
+              </p:txBody>
+            </p:sp>
+          </mc:Fallback>
+        </mc:AlternateContent>
+        <mc:AlternateContent xmlns:mc="http://schemas.openxmlformats.org/markup-compatibility/2006">
+          <mc:Choice xmlns:a14="http://schemas.microsoft.com/office/drawing/2010/main" Requires="a14">
+            <p:sp>
+              <p:nvSpPr>
+                <p:cNvPr id="36" name="TextBox 35">
+                  <a:extLst>
+                    <a:ext uri="{FF2B5EF4-FFF2-40B4-BE49-F238E27FC236}">
+                      <a16:creationId xmlns:a16="http://schemas.microsoft.com/office/drawing/2014/main" id="{F1E758C0-6FE4-5646-A9EE-19DDBF3D9C3D}"/>
+                    </a:ext>
+                  </a:extLst>
+                </p:cNvPr>
+                <p:cNvSpPr txBox="1"/>
+                <p:nvPr/>
+              </p:nvSpPr>
+              <p:spPr>
+                <a:xfrm>
+                  <a:off x="7369141" y="2701687"/>
+                  <a:ext cx="496161" cy="276999"/>
+                </a:xfrm>
+                <a:prstGeom prst="rect">
+                  <a:avLst/>
+                </a:prstGeom>
+                <a:noFill/>
+              </p:spPr>
+              <p:txBody>
+                <a:bodyPr wrap="none" lIns="0" tIns="0" rIns="0" bIns="0" rtlCol="0">
+                  <a:spAutoFit/>
+                </a:bodyPr>
+                <a:lstStyle/>
+                <a:p>
+                  <a:pPr/>
+                  <a14:m>
+                    <m:oMathPara xmlns:m="http://schemas.openxmlformats.org/officeDocument/2006/math">
+                      <m:oMathParaPr>
+                        <m:jc m:val="centerGroup"/>
+                      </m:oMathParaPr>
+                      <m:oMath xmlns:m="http://schemas.openxmlformats.org/officeDocument/2006/math">
+                        <m:r>
+                          <a:rPr lang="en-GB" b="0" i="1" smtClean="0">
+                            <a:latin typeface="Cambria Math" panose="02040503050406030204" pitchFamily="18" charset="0"/>
+                          </a:rPr>
+                          <m:t>𝑋</m:t>
+                        </m:r>
+                        <m:r>
+                          <a:rPr lang="en-GB" b="0" i="1" smtClean="0">
+                            <a:latin typeface="Cambria Math" panose="02040503050406030204" pitchFamily="18" charset="0"/>
+                          </a:rPr>
+                          <m:t>[1]</m:t>
+                        </m:r>
+                      </m:oMath>
+                    </m:oMathPara>
+                  </a14:m>
+                  <a:endParaRPr lang="en-US" dirty="0"/>
+                </a:p>
+              </p:txBody>
+            </p:sp>
+          </mc:Choice>
+          <mc:Fallback>
+            <p:sp>
+              <p:nvSpPr>
+                <p:cNvPr id="36" name="TextBox 35">
+                  <a:extLst>
+                    <a:ext uri="{FF2B5EF4-FFF2-40B4-BE49-F238E27FC236}">
+                      <a16:creationId xmlns:a16="http://schemas.microsoft.com/office/drawing/2014/main" id="{F1E758C0-6FE4-5646-A9EE-19DDBF3D9C3D}"/>
+                    </a:ext>
+                  </a:extLst>
+                </p:cNvPr>
+                <p:cNvSpPr txBox="1">
+                  <a:spLocks noRot="1" noChangeAspect="1" noMove="1" noResize="1" noEditPoints="1" noAdjustHandles="1" noChangeArrowheads="1" noChangeShapeType="1" noTextEdit="1"/>
+                </p:cNvSpPr>
+                <p:nvPr/>
+              </p:nvSpPr>
+              <p:spPr>
+                <a:xfrm>
+                  <a:off x="7369141" y="2701687"/>
+                  <a:ext cx="496161" cy="276999"/>
+                </a:xfrm>
+                <a:prstGeom prst="rect">
+                  <a:avLst/>
+                </a:prstGeom>
+                <a:blipFill>
+                  <a:blip r:embed="rId12"/>
+                  <a:stretch>
+                    <a:fillRect l="-10000" r="-15000" b="-34783"/>
+                  </a:stretch>
+                </a:blipFill>
+              </p:spPr>
+              <p:txBody>
+                <a:bodyPr/>
+                <a:lstStyle/>
+                <a:p>
+                  <a:r>
+                    <a:rPr lang="en-US">
+                      <a:noFill/>
+                    </a:rPr>
+                    <a:t> </a:t>
+                  </a:r>
+                </a:p>
+              </p:txBody>
+            </p:sp>
+          </mc:Fallback>
+        </mc:AlternateContent>
+        <mc:AlternateContent xmlns:mc="http://schemas.openxmlformats.org/markup-compatibility/2006">
+          <mc:Choice xmlns:a14="http://schemas.microsoft.com/office/drawing/2010/main" Requires="a14">
+            <p:sp>
+              <p:nvSpPr>
+                <p:cNvPr id="37" name="TextBox 36">
+                  <a:extLst>
+                    <a:ext uri="{FF2B5EF4-FFF2-40B4-BE49-F238E27FC236}">
+                      <a16:creationId xmlns:a16="http://schemas.microsoft.com/office/drawing/2014/main" id="{1E93D00B-EB98-A749-9FFA-2942756951FA}"/>
+                    </a:ext>
+                  </a:extLst>
+                </p:cNvPr>
+                <p:cNvSpPr txBox="1"/>
+                <p:nvPr/>
+              </p:nvSpPr>
+              <p:spPr>
+                <a:xfrm>
+                  <a:off x="7369141" y="3657653"/>
+                  <a:ext cx="496161" cy="276999"/>
+                </a:xfrm>
+                <a:prstGeom prst="rect">
+                  <a:avLst/>
+                </a:prstGeom>
+                <a:noFill/>
+              </p:spPr>
+              <p:txBody>
+                <a:bodyPr wrap="none" lIns="0" tIns="0" rIns="0" bIns="0" rtlCol="0">
+                  <a:spAutoFit/>
+                </a:bodyPr>
+                <a:lstStyle/>
+                <a:p>
+                  <a:pPr/>
+                  <a14:m>
+                    <m:oMathPara xmlns:m="http://schemas.openxmlformats.org/officeDocument/2006/math">
+                      <m:oMathParaPr>
+                        <m:jc m:val="centerGroup"/>
+                      </m:oMathParaPr>
+                      <m:oMath xmlns:m="http://schemas.openxmlformats.org/officeDocument/2006/math">
+                        <m:r>
+                          <a:rPr lang="en-GB" b="0" i="1" smtClean="0">
+                            <a:latin typeface="Cambria Math" panose="02040503050406030204" pitchFamily="18" charset="0"/>
+                          </a:rPr>
+                          <m:t>𝑋</m:t>
+                        </m:r>
+                        <m:r>
+                          <a:rPr lang="en-GB" b="0" i="1" smtClean="0">
+                            <a:latin typeface="Cambria Math" panose="02040503050406030204" pitchFamily="18" charset="0"/>
+                          </a:rPr>
+                          <m:t>[3]</m:t>
+                        </m:r>
+                      </m:oMath>
+                    </m:oMathPara>
+                  </a14:m>
+                  <a:endParaRPr lang="en-US" dirty="0"/>
+                </a:p>
+              </p:txBody>
+            </p:sp>
+          </mc:Choice>
+          <mc:Fallback>
+            <p:sp>
+              <p:nvSpPr>
+                <p:cNvPr id="37" name="TextBox 36">
+                  <a:extLst>
+                    <a:ext uri="{FF2B5EF4-FFF2-40B4-BE49-F238E27FC236}">
+                      <a16:creationId xmlns:a16="http://schemas.microsoft.com/office/drawing/2014/main" id="{1E93D00B-EB98-A749-9FFA-2942756951FA}"/>
+                    </a:ext>
+                  </a:extLst>
+                </p:cNvPr>
+                <p:cNvSpPr txBox="1">
+                  <a:spLocks noRot="1" noChangeAspect="1" noMove="1" noResize="1" noEditPoints="1" noAdjustHandles="1" noChangeArrowheads="1" noChangeShapeType="1" noTextEdit="1"/>
+                </p:cNvSpPr>
+                <p:nvPr/>
+              </p:nvSpPr>
+              <p:spPr>
+                <a:xfrm>
+                  <a:off x="7369141" y="3657653"/>
+                  <a:ext cx="496161" cy="276999"/>
+                </a:xfrm>
+                <a:prstGeom prst="rect">
+                  <a:avLst/>
+                </a:prstGeom>
+                <a:blipFill>
+                  <a:blip r:embed="rId13"/>
+                  <a:stretch>
+                    <a:fillRect l="-10000" t="-4545" r="-15000" b="-36364"/>
+                  </a:stretch>
+                </a:blipFill>
+              </p:spPr>
+              <p:txBody>
+                <a:bodyPr/>
+                <a:lstStyle/>
+                <a:p>
+                  <a:r>
+                    <a:rPr lang="en-US">
+                      <a:noFill/>
+                    </a:rPr>
+                    <a:t> </a:t>
+                  </a:r>
+                </a:p>
+              </p:txBody>
+            </p:sp>
+          </mc:Fallback>
+        </mc:AlternateContent>
+        <mc:AlternateContent xmlns:mc="http://schemas.openxmlformats.org/markup-compatibility/2006">
+          <mc:Choice xmlns:a14="http://schemas.microsoft.com/office/drawing/2010/main" Requires="a14">
+            <p:sp>
+              <p:nvSpPr>
+                <p:cNvPr id="38" name="TextBox 37">
+                  <a:extLst>
+                    <a:ext uri="{FF2B5EF4-FFF2-40B4-BE49-F238E27FC236}">
+                      <a16:creationId xmlns:a16="http://schemas.microsoft.com/office/drawing/2014/main" id="{C79E2187-93EB-FE4B-9230-3FF31027B6C7}"/>
+                    </a:ext>
+                  </a:extLst>
+                </p:cNvPr>
+                <p:cNvSpPr txBox="1"/>
+                <p:nvPr/>
+              </p:nvSpPr>
+              <p:spPr>
+                <a:xfrm>
+                  <a:off x="5484924" y="541448"/>
+                  <a:ext cx="582403" cy="276999"/>
+                </a:xfrm>
+                <a:prstGeom prst="rect">
+                  <a:avLst/>
+                </a:prstGeom>
+                <a:noFill/>
+              </p:spPr>
+              <p:txBody>
+                <a:bodyPr wrap="none" lIns="0" tIns="0" rIns="0" bIns="0" rtlCol="0">
+                  <a:spAutoFit/>
+                </a:bodyPr>
+                <a:lstStyle/>
+                <a:p>
+                  <a:pPr/>
+                  <a14:m>
+                    <m:oMathPara xmlns:m="http://schemas.openxmlformats.org/officeDocument/2006/math">
+                      <m:oMathParaPr>
+                        <m:jc m:val="centerGroup"/>
+                      </m:oMathParaPr>
+                      <m:oMath xmlns:m="http://schemas.openxmlformats.org/officeDocument/2006/math">
+                        <m:sSub>
+                          <m:sSubPr>
+                            <m:ctrlPr>
+                              <a:rPr lang="en-GB" b="0" i="1" smtClean="0">
+                                <a:latin typeface="Cambria Math" panose="02040503050406030204" pitchFamily="18" charset="0"/>
+                              </a:rPr>
+                            </m:ctrlPr>
+                          </m:sSubPr>
+                          <m:e>
+                            <m:r>
+                              <a:rPr lang="en-GB" b="0" i="1" smtClean="0">
+                                <a:latin typeface="Cambria Math" panose="02040503050406030204" pitchFamily="18" charset="0"/>
+                              </a:rPr>
+                              <m:t>𝑋</m:t>
+                            </m:r>
+                          </m:e>
+                          <m:sub>
+                            <m:r>
+                              <a:rPr lang="en-GB" b="0" i="1" smtClean="0">
+                                <a:latin typeface="Cambria Math" panose="02040503050406030204" pitchFamily="18" charset="0"/>
+                              </a:rPr>
+                              <m:t>1</m:t>
+                            </m:r>
+                          </m:sub>
+                        </m:sSub>
+                        <m:r>
+                          <a:rPr lang="en-GB" b="0" i="1" smtClean="0">
+                            <a:latin typeface="Cambria Math" panose="02040503050406030204" pitchFamily="18" charset="0"/>
+                          </a:rPr>
+                          <m:t>[0]</m:t>
+                        </m:r>
+                      </m:oMath>
+                    </m:oMathPara>
+                  </a14:m>
+                  <a:endParaRPr lang="en-US" dirty="0"/>
+                </a:p>
+              </p:txBody>
+            </p:sp>
+          </mc:Choice>
+          <mc:Fallback>
+            <p:sp>
+              <p:nvSpPr>
+                <p:cNvPr id="38" name="TextBox 37">
+                  <a:extLst>
+                    <a:ext uri="{FF2B5EF4-FFF2-40B4-BE49-F238E27FC236}">
+                      <a16:creationId xmlns:a16="http://schemas.microsoft.com/office/drawing/2014/main" id="{C79E2187-93EB-FE4B-9230-3FF31027B6C7}"/>
+                    </a:ext>
+                  </a:extLst>
+                </p:cNvPr>
+                <p:cNvSpPr txBox="1">
+                  <a:spLocks noRot="1" noChangeAspect="1" noMove="1" noResize="1" noEditPoints="1" noAdjustHandles="1" noChangeArrowheads="1" noChangeShapeType="1" noTextEdit="1"/>
+                </p:cNvSpPr>
+                <p:nvPr/>
+              </p:nvSpPr>
+              <p:spPr>
+                <a:xfrm>
+                  <a:off x="5484924" y="541448"/>
+                  <a:ext cx="582403" cy="276999"/>
+                </a:xfrm>
+                <a:prstGeom prst="rect">
+                  <a:avLst/>
+                </a:prstGeom>
+                <a:blipFill>
+                  <a:blip r:embed="rId14"/>
+                  <a:stretch>
+                    <a:fillRect l="-10870" r="-15217" b="-34783"/>
+                  </a:stretch>
+                </a:blipFill>
+              </p:spPr>
+              <p:txBody>
+                <a:bodyPr/>
+                <a:lstStyle/>
+                <a:p>
+                  <a:r>
+                    <a:rPr lang="en-US">
+                      <a:noFill/>
+                    </a:rPr>
+                    <a:t> </a:t>
+                  </a:r>
+                </a:p>
+              </p:txBody>
+            </p:sp>
+          </mc:Fallback>
+        </mc:AlternateContent>
+        <mc:AlternateContent xmlns:mc="http://schemas.openxmlformats.org/markup-compatibility/2006">
+          <mc:Choice xmlns:a14="http://schemas.microsoft.com/office/drawing/2010/main" Requires="a14">
+            <p:sp>
+              <p:nvSpPr>
+                <p:cNvPr id="39" name="TextBox 38">
+                  <a:extLst>
+                    <a:ext uri="{FF2B5EF4-FFF2-40B4-BE49-F238E27FC236}">
+                      <a16:creationId xmlns:a16="http://schemas.microsoft.com/office/drawing/2014/main" id="{9AE97AC1-10A8-0747-A73A-27B2418D6484}"/>
+                    </a:ext>
+                  </a:extLst>
+                </p:cNvPr>
+                <p:cNvSpPr txBox="1"/>
+                <p:nvPr/>
+              </p:nvSpPr>
+              <p:spPr>
+                <a:xfrm>
+                  <a:off x="5457214" y="1965475"/>
+                  <a:ext cx="582404" cy="276999"/>
+                </a:xfrm>
+                <a:prstGeom prst="rect">
+                  <a:avLst/>
+                </a:prstGeom>
+                <a:noFill/>
+              </p:spPr>
+              <p:txBody>
+                <a:bodyPr wrap="none" lIns="0" tIns="0" rIns="0" bIns="0" rtlCol="0">
+                  <a:spAutoFit/>
+                </a:bodyPr>
+                <a:lstStyle/>
+                <a:p>
+                  <a:pPr/>
+                  <a14:m>
+                    <m:oMathPara xmlns:m="http://schemas.openxmlformats.org/officeDocument/2006/math">
+                      <m:oMathParaPr>
+                        <m:jc m:val="centerGroup"/>
+                      </m:oMathParaPr>
+                      <m:oMath xmlns:m="http://schemas.openxmlformats.org/officeDocument/2006/math">
+                        <m:sSub>
+                          <m:sSubPr>
+                            <m:ctrlPr>
+                              <a:rPr lang="en-GB" b="0" i="1" smtClean="0">
+                                <a:latin typeface="Cambria Math" panose="02040503050406030204" pitchFamily="18" charset="0"/>
+                              </a:rPr>
+                            </m:ctrlPr>
+                          </m:sSubPr>
+                          <m:e>
+                            <m:r>
+                              <a:rPr lang="en-GB" b="0" i="1" smtClean="0">
+                                <a:latin typeface="Cambria Math" panose="02040503050406030204" pitchFamily="18" charset="0"/>
+                              </a:rPr>
+                              <m:t>𝑋</m:t>
+                            </m:r>
+                          </m:e>
+                          <m:sub>
+                            <m:r>
+                              <a:rPr lang="en-GB" b="0" i="1" smtClean="0">
+                                <a:latin typeface="Cambria Math" panose="02040503050406030204" pitchFamily="18" charset="0"/>
+                              </a:rPr>
+                              <m:t>1</m:t>
+                            </m:r>
+                          </m:sub>
+                        </m:sSub>
+                        <m:r>
+                          <a:rPr lang="en-GB" b="0" i="1" smtClean="0">
+                            <a:latin typeface="Cambria Math" panose="02040503050406030204" pitchFamily="18" charset="0"/>
+                          </a:rPr>
+                          <m:t>[1]</m:t>
+                        </m:r>
+                      </m:oMath>
+                    </m:oMathPara>
+                  </a14:m>
+                  <a:endParaRPr lang="en-US" dirty="0"/>
+                </a:p>
+              </p:txBody>
+            </p:sp>
+          </mc:Choice>
+          <mc:Fallback>
+            <p:sp>
+              <p:nvSpPr>
+                <p:cNvPr id="39" name="TextBox 38">
+                  <a:extLst>
+                    <a:ext uri="{FF2B5EF4-FFF2-40B4-BE49-F238E27FC236}">
+                      <a16:creationId xmlns:a16="http://schemas.microsoft.com/office/drawing/2014/main" id="{9AE97AC1-10A8-0747-A73A-27B2418D6484}"/>
+                    </a:ext>
+                  </a:extLst>
+                </p:cNvPr>
+                <p:cNvSpPr txBox="1">
+                  <a:spLocks noRot="1" noChangeAspect="1" noMove="1" noResize="1" noEditPoints="1" noAdjustHandles="1" noChangeArrowheads="1" noChangeShapeType="1" noTextEdit="1"/>
+                </p:cNvSpPr>
+                <p:nvPr/>
+              </p:nvSpPr>
+              <p:spPr>
+                <a:xfrm>
+                  <a:off x="5457214" y="1965475"/>
+                  <a:ext cx="582404" cy="276999"/>
+                </a:xfrm>
+                <a:prstGeom prst="rect">
+                  <a:avLst/>
+                </a:prstGeom>
+                <a:blipFill>
+                  <a:blip r:embed="rId15"/>
+                  <a:stretch>
+                    <a:fillRect l="-8511" r="-12766" b="-34783"/>
+                  </a:stretch>
+                </a:blipFill>
+              </p:spPr>
+              <p:txBody>
+                <a:bodyPr/>
+                <a:lstStyle/>
+                <a:p>
+                  <a:r>
+                    <a:rPr lang="en-US">
+                      <a:noFill/>
+                    </a:rPr>
+                    <a:t> </a:t>
+                  </a:r>
+                </a:p>
+              </p:txBody>
+            </p:sp>
+          </mc:Fallback>
+        </mc:AlternateContent>
+        <mc:AlternateContent xmlns:mc="http://schemas.openxmlformats.org/markup-compatibility/2006">
+          <mc:Choice xmlns:a14="http://schemas.microsoft.com/office/drawing/2010/main" Requires="a14">
+            <p:sp>
+              <p:nvSpPr>
+                <p:cNvPr id="40" name="TextBox 39">
+                  <a:extLst>
+                    <a:ext uri="{FF2B5EF4-FFF2-40B4-BE49-F238E27FC236}">
+                      <a16:creationId xmlns:a16="http://schemas.microsoft.com/office/drawing/2014/main" id="{B2F05612-BFAB-2345-A31B-F9054E74A048}"/>
+                    </a:ext>
+                  </a:extLst>
+                </p:cNvPr>
+                <p:cNvSpPr txBox="1"/>
+                <p:nvPr/>
+              </p:nvSpPr>
+              <p:spPr>
+                <a:xfrm>
+                  <a:off x="5484924" y="2461641"/>
+                  <a:ext cx="582404" cy="276999"/>
+                </a:xfrm>
+                <a:prstGeom prst="rect">
+                  <a:avLst/>
+                </a:prstGeom>
+                <a:noFill/>
+              </p:spPr>
+              <p:txBody>
+                <a:bodyPr wrap="none" lIns="0" tIns="0" rIns="0" bIns="0" rtlCol="0">
+                  <a:spAutoFit/>
+                </a:bodyPr>
+                <a:lstStyle/>
+                <a:p>
+                  <a:pPr/>
+                  <a14:m>
+                    <m:oMathPara xmlns:m="http://schemas.openxmlformats.org/officeDocument/2006/math">
+                      <m:oMathParaPr>
+                        <m:jc m:val="centerGroup"/>
+                      </m:oMathParaPr>
+                      <m:oMath xmlns:m="http://schemas.openxmlformats.org/officeDocument/2006/math">
+                        <m:sSub>
+                          <m:sSubPr>
+                            <m:ctrlPr>
+                              <a:rPr lang="en-GB" b="0" i="1" smtClean="0">
+                                <a:latin typeface="Cambria Math" panose="02040503050406030204" pitchFamily="18" charset="0"/>
+                              </a:rPr>
+                            </m:ctrlPr>
+                          </m:sSubPr>
+                          <m:e>
+                            <m:r>
+                              <a:rPr lang="en-GB" b="0" i="1" smtClean="0">
+                                <a:latin typeface="Cambria Math" panose="02040503050406030204" pitchFamily="18" charset="0"/>
+                              </a:rPr>
+                              <m:t>𝑋</m:t>
+                            </m:r>
+                          </m:e>
+                          <m:sub>
+                            <m:r>
+                              <a:rPr lang="en-GB" b="0" i="1" smtClean="0">
+                                <a:latin typeface="Cambria Math" panose="02040503050406030204" pitchFamily="18" charset="0"/>
+                              </a:rPr>
+                              <m:t>2</m:t>
+                            </m:r>
+                          </m:sub>
+                        </m:sSub>
+                        <m:r>
+                          <a:rPr lang="en-GB" b="0" i="1" smtClean="0">
+                            <a:latin typeface="Cambria Math" panose="02040503050406030204" pitchFamily="18" charset="0"/>
+                          </a:rPr>
+                          <m:t>[0]</m:t>
+                        </m:r>
+                      </m:oMath>
+                    </m:oMathPara>
+                  </a14:m>
+                  <a:endParaRPr lang="en-US" dirty="0"/>
+                </a:p>
+              </p:txBody>
+            </p:sp>
+          </mc:Choice>
+          <mc:Fallback>
+            <p:sp>
+              <p:nvSpPr>
+                <p:cNvPr id="40" name="TextBox 39">
+                  <a:extLst>
+                    <a:ext uri="{FF2B5EF4-FFF2-40B4-BE49-F238E27FC236}">
+                      <a16:creationId xmlns:a16="http://schemas.microsoft.com/office/drawing/2014/main" id="{B2F05612-BFAB-2345-A31B-F9054E74A048}"/>
+                    </a:ext>
+                  </a:extLst>
+                </p:cNvPr>
+                <p:cNvSpPr txBox="1">
+                  <a:spLocks noRot="1" noChangeAspect="1" noMove="1" noResize="1" noEditPoints="1" noAdjustHandles="1" noChangeArrowheads="1" noChangeShapeType="1" noTextEdit="1"/>
+                </p:cNvSpPr>
+                <p:nvPr/>
+              </p:nvSpPr>
+              <p:spPr>
+                <a:xfrm>
+                  <a:off x="5484924" y="2461641"/>
+                  <a:ext cx="582404" cy="276999"/>
+                </a:xfrm>
+                <a:prstGeom prst="rect">
+                  <a:avLst/>
+                </a:prstGeom>
+                <a:blipFill>
+                  <a:blip r:embed="rId16"/>
+                  <a:stretch>
+                    <a:fillRect l="-10870" r="-15217" b="-34783"/>
+                  </a:stretch>
+                </a:blipFill>
+              </p:spPr>
+              <p:txBody>
+                <a:bodyPr/>
+                <a:lstStyle/>
+                <a:p>
+                  <a:r>
+                    <a:rPr lang="en-US">
+                      <a:noFill/>
+                    </a:rPr>
+                    <a:t> </a:t>
+                  </a:r>
+                </a:p>
+              </p:txBody>
+            </p:sp>
+          </mc:Fallback>
+        </mc:AlternateContent>
+        <mc:AlternateContent xmlns:mc="http://schemas.openxmlformats.org/markup-compatibility/2006">
+          <mc:Choice xmlns:a14="http://schemas.microsoft.com/office/drawing/2010/main" Requires="a14">
+            <p:sp>
+              <p:nvSpPr>
+                <p:cNvPr id="41" name="TextBox 40">
+                  <a:extLst>
+                    <a:ext uri="{FF2B5EF4-FFF2-40B4-BE49-F238E27FC236}">
+                      <a16:creationId xmlns:a16="http://schemas.microsoft.com/office/drawing/2014/main" id="{32E52638-7BD9-6E49-A126-701F9ADD3964}"/>
+                    </a:ext>
+                  </a:extLst>
+                </p:cNvPr>
+                <p:cNvSpPr txBox="1"/>
+                <p:nvPr/>
+              </p:nvSpPr>
+              <p:spPr>
+                <a:xfrm>
+                  <a:off x="5484924" y="3791680"/>
+                  <a:ext cx="582404" cy="276999"/>
+                </a:xfrm>
+                <a:prstGeom prst="rect">
+                  <a:avLst/>
+                </a:prstGeom>
+                <a:noFill/>
+              </p:spPr>
+              <p:txBody>
+                <a:bodyPr wrap="none" lIns="0" tIns="0" rIns="0" bIns="0" rtlCol="0">
+                  <a:spAutoFit/>
+                </a:bodyPr>
+                <a:lstStyle/>
+                <a:p>
+                  <a:pPr/>
+                  <a14:m>
+                    <m:oMathPara xmlns:m="http://schemas.openxmlformats.org/officeDocument/2006/math">
+                      <m:oMathParaPr>
+                        <m:jc m:val="centerGroup"/>
+                      </m:oMathParaPr>
+                      <m:oMath xmlns:m="http://schemas.openxmlformats.org/officeDocument/2006/math">
+                        <m:sSub>
+                          <m:sSubPr>
+                            <m:ctrlPr>
+                              <a:rPr lang="en-GB" b="0" i="1" smtClean="0">
+                                <a:latin typeface="Cambria Math" panose="02040503050406030204" pitchFamily="18" charset="0"/>
+                              </a:rPr>
+                            </m:ctrlPr>
+                          </m:sSubPr>
+                          <m:e>
+                            <m:r>
+                              <a:rPr lang="en-GB" b="0" i="1" smtClean="0">
+                                <a:latin typeface="Cambria Math" panose="02040503050406030204" pitchFamily="18" charset="0"/>
+                              </a:rPr>
+                              <m:t>𝑋</m:t>
+                            </m:r>
+                          </m:e>
+                          <m:sub>
+                            <m:r>
+                              <a:rPr lang="en-GB" b="0" i="1" smtClean="0">
+                                <a:latin typeface="Cambria Math" panose="02040503050406030204" pitchFamily="18" charset="0"/>
+                              </a:rPr>
+                              <m:t>2</m:t>
+                            </m:r>
+                          </m:sub>
+                        </m:sSub>
+                        <m:r>
+                          <a:rPr lang="en-GB" b="0" i="1" smtClean="0">
+                            <a:latin typeface="Cambria Math" panose="02040503050406030204" pitchFamily="18" charset="0"/>
+                          </a:rPr>
+                          <m:t>[1]</m:t>
+                        </m:r>
+                      </m:oMath>
+                    </m:oMathPara>
+                  </a14:m>
+                  <a:endParaRPr lang="en-US" dirty="0"/>
+                </a:p>
+              </p:txBody>
+            </p:sp>
+          </mc:Choice>
+          <mc:Fallback>
+            <p:sp>
+              <p:nvSpPr>
+                <p:cNvPr id="41" name="TextBox 40">
+                  <a:extLst>
+                    <a:ext uri="{FF2B5EF4-FFF2-40B4-BE49-F238E27FC236}">
+                      <a16:creationId xmlns:a16="http://schemas.microsoft.com/office/drawing/2014/main" id="{32E52638-7BD9-6E49-A126-701F9ADD3964}"/>
+                    </a:ext>
+                  </a:extLst>
+                </p:cNvPr>
+                <p:cNvSpPr txBox="1">
+                  <a:spLocks noRot="1" noChangeAspect="1" noMove="1" noResize="1" noEditPoints="1" noAdjustHandles="1" noChangeArrowheads="1" noChangeShapeType="1" noTextEdit="1"/>
+                </p:cNvSpPr>
+                <p:nvPr/>
+              </p:nvSpPr>
+              <p:spPr>
+                <a:xfrm>
+                  <a:off x="5484924" y="3791680"/>
+                  <a:ext cx="582404" cy="276999"/>
+                </a:xfrm>
+                <a:prstGeom prst="rect">
+                  <a:avLst/>
+                </a:prstGeom>
+                <a:blipFill>
+                  <a:blip r:embed="rId17"/>
+                  <a:stretch>
+                    <a:fillRect l="-10870" r="-15217" b="-34783"/>
+                  </a:stretch>
+                </a:blipFill>
+              </p:spPr>
+              <p:txBody>
+                <a:bodyPr/>
+                <a:lstStyle/>
+                <a:p>
+                  <a:r>
+                    <a:rPr lang="en-US">
+                      <a:noFill/>
+                    </a:rPr>
+                    <a:t> </a:t>
+                  </a:r>
+                </a:p>
+              </p:txBody>
+            </p:sp>
+          </mc:Fallback>
+        </mc:AlternateContent>
+        <mc:AlternateContent xmlns:mc="http://schemas.openxmlformats.org/markup-compatibility/2006">
+          <mc:Choice xmlns:a14="http://schemas.microsoft.com/office/drawing/2010/main" Requires="a14">
+            <p:sp>
+              <p:nvSpPr>
+                <p:cNvPr id="42" name="TextBox 41">
+                  <a:extLst>
+                    <a:ext uri="{FF2B5EF4-FFF2-40B4-BE49-F238E27FC236}">
+                      <a16:creationId xmlns:a16="http://schemas.microsoft.com/office/drawing/2014/main" id="{C0AE1015-3300-8F49-BC0E-BE214E65962C}"/>
+                    </a:ext>
+                  </a:extLst>
+                </p:cNvPr>
+                <p:cNvSpPr txBox="1"/>
+                <p:nvPr/>
+              </p:nvSpPr>
+              <p:spPr>
+                <a:xfrm>
+                  <a:off x="3042337" y="3429000"/>
+                  <a:ext cx="354264" cy="276999"/>
+                </a:xfrm>
+                <a:prstGeom prst="rect">
+                  <a:avLst/>
+                </a:prstGeom>
+                <a:noFill/>
+              </p:spPr>
+              <p:txBody>
+                <a:bodyPr wrap="none" lIns="0" tIns="0" rIns="0" bIns="0" rtlCol="0">
+                  <a:spAutoFit/>
+                </a:bodyPr>
+                <a:lstStyle/>
+                <a:p>
+                  <a:pPr/>
+                  <a14:m>
+                    <m:oMathPara xmlns:m="http://schemas.openxmlformats.org/officeDocument/2006/math">
+                      <m:oMathParaPr>
+                        <m:jc m:val="centerGroup"/>
+                      </m:oMathParaPr>
+                      <m:oMath xmlns:m="http://schemas.openxmlformats.org/officeDocument/2006/math">
+                        <m:r>
+                          <a:rPr lang="en-GB" b="0" i="1" smtClean="0">
+                            <a:latin typeface="Cambria Math" panose="02040503050406030204" pitchFamily="18" charset="0"/>
+                          </a:rPr>
+                          <m:t>−1</m:t>
+                        </m:r>
+                      </m:oMath>
+                    </m:oMathPara>
+                  </a14:m>
+                  <a:endParaRPr lang="en-US" dirty="0"/>
+                </a:p>
+              </p:txBody>
+            </p:sp>
+          </mc:Choice>
+          <mc:Fallback>
+            <p:sp>
+              <p:nvSpPr>
+                <p:cNvPr id="42" name="TextBox 41">
+                  <a:extLst>
+                    <a:ext uri="{FF2B5EF4-FFF2-40B4-BE49-F238E27FC236}">
+                      <a16:creationId xmlns:a16="http://schemas.microsoft.com/office/drawing/2014/main" id="{C0AE1015-3300-8F49-BC0E-BE214E65962C}"/>
+                    </a:ext>
+                  </a:extLst>
+                </p:cNvPr>
+                <p:cNvSpPr txBox="1">
+                  <a:spLocks noRot="1" noChangeAspect="1" noMove="1" noResize="1" noEditPoints="1" noAdjustHandles="1" noChangeArrowheads="1" noChangeShapeType="1" noTextEdit="1"/>
+                </p:cNvSpPr>
+                <p:nvPr/>
+              </p:nvSpPr>
+              <p:spPr>
+                <a:xfrm>
+                  <a:off x="3042337" y="3429000"/>
+                  <a:ext cx="354264" cy="276999"/>
+                </a:xfrm>
+                <a:prstGeom prst="rect">
+                  <a:avLst/>
+                </a:prstGeom>
+                <a:blipFill>
+                  <a:blip r:embed="rId18"/>
+                  <a:stretch>
+                    <a:fillRect l="-3448" r="-13793" b="-9091"/>
+                  </a:stretch>
+                </a:blipFill>
+              </p:spPr>
+              <p:txBody>
+                <a:bodyPr/>
+                <a:lstStyle/>
+                <a:p>
+                  <a:r>
+                    <a:rPr lang="en-US">
+                      <a:noFill/>
+                    </a:rPr>
+                    <a:t> </a:t>
+                  </a:r>
+                </a:p>
+              </p:txBody>
+            </p:sp>
+          </mc:Fallback>
+        </mc:AlternateContent>
+        <mc:AlternateContent xmlns:mc="http://schemas.openxmlformats.org/markup-compatibility/2006">
+          <mc:Choice xmlns:a14="http://schemas.microsoft.com/office/drawing/2010/main" Requires="a14">
+            <p:sp>
+              <p:nvSpPr>
+                <p:cNvPr id="43" name="TextBox 42">
+                  <a:extLst>
+                    <a:ext uri="{FF2B5EF4-FFF2-40B4-BE49-F238E27FC236}">
+                      <a16:creationId xmlns:a16="http://schemas.microsoft.com/office/drawing/2014/main" id="{85B4F103-3879-9449-9DE9-6BB30CD3680F}"/>
+                    </a:ext>
+                  </a:extLst>
+                </p:cNvPr>
+                <p:cNvSpPr txBox="1"/>
+                <p:nvPr/>
+              </p:nvSpPr>
+              <p:spPr>
+                <a:xfrm>
+                  <a:off x="3072285" y="2533507"/>
+                  <a:ext cx="354264" cy="276999"/>
+                </a:xfrm>
+                <a:prstGeom prst="rect">
+                  <a:avLst/>
+                </a:prstGeom>
+                <a:noFill/>
+              </p:spPr>
+              <p:txBody>
+                <a:bodyPr wrap="none" lIns="0" tIns="0" rIns="0" bIns="0" rtlCol="0">
+                  <a:spAutoFit/>
+                </a:bodyPr>
+                <a:lstStyle/>
+                <a:p>
+                  <a:pPr/>
+                  <a14:m>
+                    <m:oMathPara xmlns:m="http://schemas.openxmlformats.org/officeDocument/2006/math">
+                      <m:oMathParaPr>
+                        <m:jc m:val="centerGroup"/>
+                      </m:oMathParaPr>
+                      <m:oMath xmlns:m="http://schemas.openxmlformats.org/officeDocument/2006/math">
+                        <m:r>
+                          <a:rPr lang="en-GB" b="0" i="1" smtClean="0">
+                            <a:latin typeface="Cambria Math" panose="02040503050406030204" pitchFamily="18" charset="0"/>
+                          </a:rPr>
+                          <m:t>−1</m:t>
+                        </m:r>
+                      </m:oMath>
+                    </m:oMathPara>
+                  </a14:m>
+                  <a:endParaRPr lang="en-US" dirty="0"/>
+                </a:p>
+              </p:txBody>
+            </p:sp>
+          </mc:Choice>
+          <mc:Fallback>
+            <p:sp>
+              <p:nvSpPr>
+                <p:cNvPr id="43" name="TextBox 42">
+                  <a:extLst>
+                    <a:ext uri="{FF2B5EF4-FFF2-40B4-BE49-F238E27FC236}">
+                      <a16:creationId xmlns:a16="http://schemas.microsoft.com/office/drawing/2014/main" id="{85B4F103-3879-9449-9DE9-6BB30CD3680F}"/>
+                    </a:ext>
+                  </a:extLst>
+                </p:cNvPr>
+                <p:cNvSpPr txBox="1">
+                  <a:spLocks noRot="1" noChangeAspect="1" noMove="1" noResize="1" noEditPoints="1" noAdjustHandles="1" noChangeArrowheads="1" noChangeShapeType="1" noTextEdit="1"/>
+                </p:cNvSpPr>
+                <p:nvPr/>
+              </p:nvSpPr>
+              <p:spPr>
+                <a:xfrm>
+                  <a:off x="3072285" y="2533507"/>
+                  <a:ext cx="354264" cy="276999"/>
+                </a:xfrm>
+                <a:prstGeom prst="rect">
+                  <a:avLst/>
+                </a:prstGeom>
+                <a:blipFill>
+                  <a:blip r:embed="rId19"/>
+                  <a:stretch>
+                    <a:fillRect l="-3448" r="-13793" b="-4348"/>
                   </a:stretch>
                 </a:blipFill>
               </p:spPr>
@@ -13200,10 +15439,10 @@
         </mc:AlternateContent>
         <p:cxnSp>
           <p:nvCxnSpPr>
-            <p:cNvPr id="15" name="Straight Arrow Connector 14">
+            <p:cNvPr id="45" name="Straight Connector 44">
               <a:extLst>
                 <a:ext uri="{FF2B5EF4-FFF2-40B4-BE49-F238E27FC236}">
-                  <a16:creationId xmlns:a16="http://schemas.microsoft.com/office/drawing/2014/main" id="{EF1A8503-37DD-4644-8215-99BE472A8370}"/>
+                  <a16:creationId xmlns:a16="http://schemas.microsoft.com/office/drawing/2014/main" id="{0557391B-AF46-DF4D-B6BD-9926AA9F16D4}"/>
                 </a:ext>
               </a:extLst>
             </p:cNvPr>
@@ -13212,8 +15451,156 @@
           </p:nvCxnSpPr>
           <p:spPr>
             <a:xfrm>
-              <a:off x="4073234" y="928255"/>
-              <a:ext cx="609600" cy="0"/>
+              <a:off x="1898073" y="928254"/>
+              <a:ext cx="1787236" cy="1882252"/>
+            </a:xfrm>
+            <a:prstGeom prst="line">
+              <a:avLst/>
+            </a:prstGeom>
+            <a:ln w="19050"/>
+          </p:spPr>
+          <p:style>
+            <a:lnRef idx="1">
+              <a:schemeClr val="accent1"/>
+            </a:lnRef>
+            <a:fillRef idx="0">
+              <a:schemeClr val="accent1"/>
+            </a:fillRef>
+            <a:effectRef idx="0">
+              <a:schemeClr val="accent1"/>
+            </a:effectRef>
+            <a:fontRef idx="minor">
+              <a:schemeClr val="tx1"/>
+            </a:fontRef>
+          </p:style>
+        </p:cxnSp>
+        <p:cxnSp>
+          <p:nvCxnSpPr>
+            <p:cNvPr id="46" name="Straight Connector 45">
+              <a:extLst>
+                <a:ext uri="{FF2B5EF4-FFF2-40B4-BE49-F238E27FC236}">
+                  <a16:creationId xmlns:a16="http://schemas.microsoft.com/office/drawing/2014/main" id="{E0B4D4E0-CFCB-294C-8964-C1AA6705AB76}"/>
+                </a:ext>
+              </a:extLst>
+            </p:cNvPr>
+            <p:cNvCxnSpPr/>
+            <p:nvPr/>
+          </p:nvCxnSpPr>
+          <p:spPr>
+            <a:xfrm>
+              <a:off x="1885694" y="1851502"/>
+              <a:ext cx="1787236" cy="1882252"/>
+            </a:xfrm>
+            <a:prstGeom prst="line">
+              <a:avLst/>
+            </a:prstGeom>
+            <a:ln w="19050"/>
+          </p:spPr>
+          <p:style>
+            <a:lnRef idx="1">
+              <a:schemeClr val="accent1"/>
+            </a:lnRef>
+            <a:fillRef idx="0">
+              <a:schemeClr val="accent1"/>
+            </a:fillRef>
+            <a:effectRef idx="0">
+              <a:schemeClr val="accent1"/>
+            </a:effectRef>
+            <a:fontRef idx="minor">
+              <a:schemeClr val="tx1"/>
+            </a:fontRef>
+          </p:style>
+        </p:cxnSp>
+        <p:cxnSp>
+          <p:nvCxnSpPr>
+            <p:cNvPr id="48" name="Straight Connector 47">
+              <a:extLst>
+                <a:ext uri="{FF2B5EF4-FFF2-40B4-BE49-F238E27FC236}">
+                  <a16:creationId xmlns:a16="http://schemas.microsoft.com/office/drawing/2014/main" id="{EAB0917D-88B6-6C48-B1C7-76B1A603F220}"/>
+                </a:ext>
+              </a:extLst>
+            </p:cNvPr>
+            <p:cNvCxnSpPr/>
+            <p:nvPr/>
+          </p:nvCxnSpPr>
+          <p:spPr>
+            <a:xfrm flipV="1">
+              <a:off x="1898073" y="928254"/>
+              <a:ext cx="1787236" cy="1864374"/>
+            </a:xfrm>
+            <a:prstGeom prst="line">
+              <a:avLst/>
+            </a:prstGeom>
+            <a:ln w="19050"/>
+          </p:spPr>
+          <p:style>
+            <a:lnRef idx="1">
+              <a:schemeClr val="accent1"/>
+            </a:lnRef>
+            <a:fillRef idx="0">
+              <a:schemeClr val="accent1"/>
+            </a:fillRef>
+            <a:effectRef idx="0">
+              <a:schemeClr val="accent1"/>
+            </a:effectRef>
+            <a:fontRef idx="minor">
+              <a:schemeClr val="tx1"/>
+            </a:fontRef>
+          </p:style>
+        </p:cxnSp>
+        <p:cxnSp>
+          <p:nvCxnSpPr>
+            <p:cNvPr id="49" name="Straight Connector 48">
+              <a:extLst>
+                <a:ext uri="{FF2B5EF4-FFF2-40B4-BE49-F238E27FC236}">
+                  <a16:creationId xmlns:a16="http://schemas.microsoft.com/office/drawing/2014/main" id="{2D3DE5B3-51E9-B841-B72B-C0ECD7F4B525}"/>
+                </a:ext>
+              </a:extLst>
+            </p:cNvPr>
+            <p:cNvCxnSpPr/>
+            <p:nvPr/>
+          </p:nvCxnSpPr>
+          <p:spPr>
+            <a:xfrm flipV="1">
+              <a:off x="1898073" y="1883280"/>
+              <a:ext cx="1787236" cy="1864374"/>
+            </a:xfrm>
+            <a:prstGeom prst="line">
+              <a:avLst/>
+            </a:prstGeom>
+            <a:ln w="19050"/>
+          </p:spPr>
+          <p:style>
+            <a:lnRef idx="1">
+              <a:schemeClr val="accent1"/>
+            </a:lnRef>
+            <a:fillRef idx="0">
+              <a:schemeClr val="accent1"/>
+            </a:fillRef>
+            <a:effectRef idx="0">
+              <a:schemeClr val="accent1"/>
+            </a:effectRef>
+            <a:fontRef idx="minor">
+              <a:schemeClr val="tx1"/>
+            </a:fontRef>
+          </p:style>
+        </p:cxnSp>
+        <p:cxnSp>
+          <p:nvCxnSpPr>
+            <p:cNvPr id="51" name="Straight Arrow Connector 50">
+              <a:extLst>
+                <a:ext uri="{FF2B5EF4-FFF2-40B4-BE49-F238E27FC236}">
+                  <a16:creationId xmlns:a16="http://schemas.microsoft.com/office/drawing/2014/main" id="{259982F8-BE8B-D94C-AADE-C0FCC56E3CD2}"/>
+                </a:ext>
+              </a:extLst>
+            </p:cNvPr>
+            <p:cNvCxnSpPr/>
+            <p:nvPr/>
+          </p:nvCxnSpPr>
+          <p:spPr>
+            <a:xfrm>
+              <a:off x="2355275" y="1411645"/>
+              <a:ext cx="318655" cy="334076"/>
             </a:xfrm>
             <a:prstGeom prst="straightConnector1">
               <a:avLst/>
@@ -13237,33 +15624,12 @@
             </a:fontRef>
           </p:style>
         </p:cxnSp>
-      </p:grpSp>
-      <p:grpSp>
-        <p:nvGrpSpPr>
-          <p:cNvPr id="16" name="Group 15">
-            <a:extLst>
-              <a:ext uri="{FF2B5EF4-FFF2-40B4-BE49-F238E27FC236}">
-                <a16:creationId xmlns:a16="http://schemas.microsoft.com/office/drawing/2014/main" id="{6966E2F3-2B88-FC4F-8375-35D3036635FC}"/>
-              </a:ext>
-            </a:extLst>
-          </p:cNvPr>
-          <p:cNvGrpSpPr/>
-          <p:nvPr/>
-        </p:nvGrpSpPr>
-        <p:grpSpPr>
-          <a:xfrm>
-            <a:off x="1898073" y="2443141"/>
-            <a:ext cx="5361708" cy="369332"/>
-            <a:chOff x="1898073" y="558923"/>
-            <a:chExt cx="5361708" cy="369332"/>
-          </a:xfrm>
-        </p:grpSpPr>
         <p:cxnSp>
           <p:nvCxnSpPr>
-            <p:cNvPr id="17" name="Straight Connector 16">
+            <p:cNvPr id="52" name="Straight Arrow Connector 51">
               <a:extLst>
                 <a:ext uri="{FF2B5EF4-FFF2-40B4-BE49-F238E27FC236}">
-                  <a16:creationId xmlns:a16="http://schemas.microsoft.com/office/drawing/2014/main" id="{D6DEC611-8EDA-BD4C-86DE-3D8683596423}"/>
+                  <a16:creationId xmlns:a16="http://schemas.microsoft.com/office/drawing/2014/main" id="{68E6B8AE-47F7-B549-8F43-4913953A49B9}"/>
                 </a:ext>
               </a:extLst>
             </p:cNvPr>
@@ -13272,258 +15638,8 @@
           </p:nvCxnSpPr>
           <p:spPr>
             <a:xfrm>
-              <a:off x="1898073" y="928255"/>
-              <a:ext cx="1787236" cy="0"/>
-            </a:xfrm>
-            <a:prstGeom prst="line">
-              <a:avLst/>
-            </a:prstGeom>
-            <a:ln w="19050">
-              <a:headEnd type="oval"/>
-            </a:ln>
-          </p:spPr>
-          <p:style>
-            <a:lnRef idx="1">
-              <a:schemeClr val="accent1"/>
-            </a:lnRef>
-            <a:fillRef idx="0">
-              <a:schemeClr val="accent1"/>
-            </a:fillRef>
-            <a:effectRef idx="0">
-              <a:schemeClr val="accent1"/>
-            </a:effectRef>
-            <a:fontRef idx="minor">
-              <a:schemeClr val="tx1"/>
-            </a:fontRef>
-          </p:style>
-        </p:cxnSp>
-        <p:cxnSp>
-          <p:nvCxnSpPr>
-            <p:cNvPr id="18" name="Straight Connector 17">
-              <a:extLst>
-                <a:ext uri="{FF2B5EF4-FFF2-40B4-BE49-F238E27FC236}">
-                  <a16:creationId xmlns:a16="http://schemas.microsoft.com/office/drawing/2014/main" id="{82A93558-78F5-8847-9055-54D3679320AB}"/>
-                </a:ext>
-              </a:extLst>
-            </p:cNvPr>
-            <p:cNvCxnSpPr/>
-            <p:nvPr/>
-          </p:nvCxnSpPr>
-          <p:spPr>
-            <a:xfrm>
-              <a:off x="3685309" y="928255"/>
-              <a:ext cx="1787236" cy="0"/>
-            </a:xfrm>
-            <a:prstGeom prst="line">
-              <a:avLst/>
-            </a:prstGeom>
-            <a:ln w="19050">
-              <a:headEnd type="oval"/>
-            </a:ln>
-          </p:spPr>
-          <p:style>
-            <a:lnRef idx="1">
-              <a:schemeClr val="accent1"/>
-            </a:lnRef>
-            <a:fillRef idx="0">
-              <a:schemeClr val="accent1"/>
-            </a:fillRef>
-            <a:effectRef idx="0">
-              <a:schemeClr val="accent1"/>
-            </a:effectRef>
-            <a:fontRef idx="minor">
-              <a:schemeClr val="tx1"/>
-            </a:fontRef>
-          </p:style>
-        </p:cxnSp>
-        <p:cxnSp>
-          <p:nvCxnSpPr>
-            <p:cNvPr id="19" name="Straight Connector 18">
-              <a:extLst>
-                <a:ext uri="{FF2B5EF4-FFF2-40B4-BE49-F238E27FC236}">
-                  <a16:creationId xmlns:a16="http://schemas.microsoft.com/office/drawing/2014/main" id="{E050EBF1-5494-5047-A15E-D7B78DC0DD6E}"/>
-                </a:ext>
-              </a:extLst>
-            </p:cNvPr>
-            <p:cNvCxnSpPr/>
-            <p:nvPr/>
-          </p:nvCxnSpPr>
-          <p:spPr>
-            <a:xfrm>
-              <a:off x="5472545" y="928255"/>
-              <a:ext cx="1787236" cy="0"/>
-            </a:xfrm>
-            <a:prstGeom prst="line">
-              <a:avLst/>
-            </a:prstGeom>
-            <a:ln w="19050">
-              <a:headEnd type="oval"/>
-              <a:tailEnd type="oval"/>
-            </a:ln>
-          </p:spPr>
-          <p:style>
-            <a:lnRef idx="1">
-              <a:schemeClr val="accent1"/>
-            </a:lnRef>
-            <a:fillRef idx="0">
-              <a:schemeClr val="accent1"/>
-            </a:fillRef>
-            <a:effectRef idx="0">
-              <a:schemeClr val="accent1"/>
-            </a:effectRef>
-            <a:fontRef idx="minor">
-              <a:schemeClr val="tx1"/>
-            </a:fontRef>
-          </p:style>
-        </p:cxnSp>
-        <mc:AlternateContent xmlns:mc="http://schemas.openxmlformats.org/markup-compatibility/2006">
-          <mc:Choice xmlns:a14="http://schemas.microsoft.com/office/drawing/2010/main" Requires="a14">
-            <p:sp>
-              <p:nvSpPr>
-                <p:cNvPr id="20" name="TextBox 19">
-                  <a:extLst>
-                    <a:ext uri="{FF2B5EF4-FFF2-40B4-BE49-F238E27FC236}">
-                      <a16:creationId xmlns:a16="http://schemas.microsoft.com/office/drawing/2014/main" id="{6308E054-0B52-874C-9C74-AEF22242E8E5}"/>
-                    </a:ext>
-                  </a:extLst>
-                </p:cNvPr>
-                <p:cNvSpPr txBox="1"/>
-                <p:nvPr/>
-              </p:nvSpPr>
-              <p:spPr>
-                <a:xfrm>
-                  <a:off x="3902684" y="558923"/>
-                  <a:ext cx="1352486" cy="369332"/>
-                </a:xfrm>
-                <a:prstGeom prst="rect">
-                  <a:avLst/>
-                </a:prstGeom>
-                <a:noFill/>
-              </p:spPr>
-              <p:txBody>
-                <a:bodyPr wrap="none" rtlCol="0">
-                  <a:spAutoFit/>
-                </a:bodyPr>
-                <a:lstStyle/>
-                <a:p>
-                  <a14:m>
-                    <m:oMathPara xmlns:m="http://schemas.openxmlformats.org/officeDocument/2006/math">
-                      <m:oMathParaPr>
-                        <m:jc m:val="centerGroup"/>
-                      </m:oMathParaPr>
-                      <m:oMath xmlns:m="http://schemas.openxmlformats.org/officeDocument/2006/math">
-                        <m:r>
-                          <a:rPr lang="en-GB" b="0" i="1" smtClean="0">
-                            <a:latin typeface="Cambria Math" panose="02040503050406030204" pitchFamily="18" charset="0"/>
-                          </a:rPr>
-                          <m:t>𝑥</m:t>
-                        </m:r>
-                        <m:d>
-                          <m:dPr>
-                            <m:begChr m:val="["/>
-                            <m:endChr m:val="]"/>
-                            <m:ctrlPr>
-                              <a:rPr lang="en-GB" b="0" i="1" smtClean="0">
-                                <a:latin typeface="Cambria Math" panose="02040503050406030204" pitchFamily="18" charset="0"/>
-                              </a:rPr>
-                            </m:ctrlPr>
-                          </m:dPr>
-                          <m:e>
-                            <m:r>
-                              <a:rPr lang="en-GB" b="0" i="1" smtClean="0">
-                                <a:latin typeface="Cambria Math" panose="02040503050406030204" pitchFamily="18" charset="0"/>
-                              </a:rPr>
-                              <m:t>0</m:t>
-                            </m:r>
-                          </m:e>
-                        </m:d>
-                        <m:r>
-                          <a:rPr lang="en-GB" b="0" i="1" smtClean="0">
-                            <a:latin typeface="Cambria Math" panose="02040503050406030204" pitchFamily="18" charset="0"/>
-                          </a:rPr>
-                          <m:t>−</m:t>
-                        </m:r>
-                        <m:r>
-                          <a:rPr lang="en-GB" b="0" i="1" smtClean="0">
-                            <a:latin typeface="Cambria Math" panose="02040503050406030204" pitchFamily="18" charset="0"/>
-                          </a:rPr>
-                          <m:t>𝑥</m:t>
-                        </m:r>
-                        <m:r>
-                          <a:rPr lang="en-GB" b="0" i="1" smtClean="0">
-                            <a:latin typeface="Cambria Math" panose="02040503050406030204" pitchFamily="18" charset="0"/>
-                          </a:rPr>
-                          <m:t>[2]</m:t>
-                        </m:r>
-                      </m:oMath>
-                    </m:oMathPara>
-                  </a14:m>
-                  <a:endParaRPr lang="en-US" dirty="0"/>
-                </a:p>
-              </p:txBody>
-            </p:sp>
-          </mc:Choice>
-          <mc:Fallback>
-            <p:sp>
-              <p:nvSpPr>
-                <p:cNvPr id="20" name="TextBox 19">
-                  <a:extLst>
-                    <a:ext uri="{FF2B5EF4-FFF2-40B4-BE49-F238E27FC236}">
-                      <a16:creationId xmlns:a16="http://schemas.microsoft.com/office/drawing/2014/main" id="{6308E054-0B52-874C-9C74-AEF22242E8E5}"/>
-                    </a:ext>
-                  </a:extLst>
-                </p:cNvPr>
-                <p:cNvSpPr txBox="1">
-                  <a:spLocks noRot="1" noChangeAspect="1" noMove="1" noResize="1" noEditPoints="1" noAdjustHandles="1" noChangeArrowheads="1" noChangeShapeType="1" noTextEdit="1"/>
-                </p:cNvSpPr>
-                <p:nvPr/>
-              </p:nvSpPr>
-              <p:spPr>
-                <a:xfrm>
-                  <a:off x="3902684" y="558923"/>
-                  <a:ext cx="1352486" cy="369332"/>
-                </a:xfrm>
-                <a:prstGeom prst="rect">
-                  <a:avLst/>
-                </a:prstGeom>
-                <a:blipFill>
-                  <a:blip r:embed="rId4"/>
-                  <a:stretch>
-                    <a:fillRect b="-13793"/>
-                  </a:stretch>
-                </a:blipFill>
-              </p:spPr>
-              <p:txBody>
-                <a:bodyPr/>
-                <a:lstStyle/>
-                <a:p>
-                  <a:r>
-                    <a:rPr lang="en-US">
-                      <a:noFill/>
-                    </a:rPr>
-                    <a:t> </a:t>
-                  </a:r>
-                </a:p>
-              </p:txBody>
-            </p:sp>
-          </mc:Fallback>
-        </mc:AlternateContent>
-        <p:cxnSp>
-          <p:nvCxnSpPr>
-            <p:cNvPr id="21" name="Straight Arrow Connector 20">
-              <a:extLst>
-                <a:ext uri="{FF2B5EF4-FFF2-40B4-BE49-F238E27FC236}">
-                  <a16:creationId xmlns:a16="http://schemas.microsoft.com/office/drawing/2014/main" id="{2682BD80-A108-4443-97EF-4A426042E883}"/>
-                </a:ext>
-              </a:extLst>
-            </p:cNvPr>
-            <p:cNvCxnSpPr/>
-            <p:nvPr/>
-          </p:nvCxnSpPr>
-          <p:spPr>
-            <a:xfrm>
-              <a:off x="4073234" y="928255"/>
-              <a:ext cx="609600" cy="0"/>
+              <a:off x="2369130" y="2366469"/>
+              <a:ext cx="318655" cy="334076"/>
             </a:xfrm>
             <a:prstGeom prst="straightConnector1">
               <a:avLst/>
@@ -13547,161 +15663,24 @@
             </a:fontRef>
           </p:style>
         </p:cxnSp>
-      </p:grpSp>
-      <p:grpSp>
-        <p:nvGrpSpPr>
-          <p:cNvPr id="22" name="Group 21">
-            <a:extLst>
-              <a:ext uri="{FF2B5EF4-FFF2-40B4-BE49-F238E27FC236}">
-                <a16:creationId xmlns:a16="http://schemas.microsoft.com/office/drawing/2014/main" id="{3FEBC8AA-1D3A-894A-B811-5BFB5DB8CEDB}"/>
-              </a:ext>
-            </a:extLst>
-          </p:cNvPr>
-          <p:cNvGrpSpPr/>
-          <p:nvPr/>
-        </p:nvGrpSpPr>
-        <p:grpSpPr>
-          <a:xfrm>
-            <a:off x="1898073" y="3754582"/>
-            <a:ext cx="5361708" cy="0"/>
-            <a:chOff x="1898073" y="928255"/>
-            <a:chExt cx="5361708" cy="0"/>
-          </a:xfrm>
-        </p:grpSpPr>
         <p:cxnSp>
           <p:nvCxnSpPr>
-            <p:cNvPr id="23" name="Straight Connector 22">
+            <p:cNvPr id="54" name="Straight Arrow Connector 53">
               <a:extLst>
                 <a:ext uri="{FF2B5EF4-FFF2-40B4-BE49-F238E27FC236}">
-                  <a16:creationId xmlns:a16="http://schemas.microsoft.com/office/drawing/2014/main" id="{18CAD21A-4011-6D4D-B7EF-CC3CC2204273}"/>
+                  <a16:creationId xmlns:a16="http://schemas.microsoft.com/office/drawing/2014/main" id="{11083B6E-0772-0244-9C49-1B7A8E7064B8}"/>
                 </a:ext>
               </a:extLst>
             </p:cNvPr>
-            <p:cNvCxnSpPr/>
+            <p:cNvCxnSpPr>
+              <a:cxnSpLocks/>
+            </p:cNvCxnSpPr>
             <p:nvPr/>
           </p:nvCxnSpPr>
           <p:spPr>
-            <a:xfrm>
-              <a:off x="1898073" y="928255"/>
-              <a:ext cx="1787236" cy="0"/>
-            </a:xfrm>
-            <a:prstGeom prst="line">
-              <a:avLst/>
-            </a:prstGeom>
-            <a:ln w="19050">
-              <a:headEnd type="oval"/>
-            </a:ln>
-          </p:spPr>
-          <p:style>
-            <a:lnRef idx="1">
-              <a:schemeClr val="accent1"/>
-            </a:lnRef>
-            <a:fillRef idx="0">
-              <a:schemeClr val="accent1"/>
-            </a:fillRef>
-            <a:effectRef idx="0">
-              <a:schemeClr val="accent1"/>
-            </a:effectRef>
-            <a:fontRef idx="minor">
-              <a:schemeClr val="tx1"/>
-            </a:fontRef>
-          </p:style>
-        </p:cxnSp>
-        <p:cxnSp>
-          <p:nvCxnSpPr>
-            <p:cNvPr id="24" name="Straight Connector 23">
-              <a:extLst>
-                <a:ext uri="{FF2B5EF4-FFF2-40B4-BE49-F238E27FC236}">
-                  <a16:creationId xmlns:a16="http://schemas.microsoft.com/office/drawing/2014/main" id="{FA8FE0A9-DB89-6D49-AD52-4D3EE0B667B7}"/>
-                </a:ext>
-              </a:extLst>
-            </p:cNvPr>
-            <p:cNvCxnSpPr/>
-            <p:nvPr/>
-          </p:nvCxnSpPr>
-          <p:spPr>
-            <a:xfrm>
-              <a:off x="3685309" y="928255"/>
-              <a:ext cx="1787236" cy="0"/>
-            </a:xfrm>
-            <a:prstGeom prst="line">
-              <a:avLst/>
-            </a:prstGeom>
-            <a:ln w="19050">
-              <a:headEnd type="oval"/>
-            </a:ln>
-          </p:spPr>
-          <p:style>
-            <a:lnRef idx="1">
-              <a:schemeClr val="accent1"/>
-            </a:lnRef>
-            <a:fillRef idx="0">
-              <a:schemeClr val="accent1"/>
-            </a:fillRef>
-            <a:effectRef idx="0">
-              <a:schemeClr val="accent1"/>
-            </a:effectRef>
-            <a:fontRef idx="minor">
-              <a:schemeClr val="tx1"/>
-            </a:fontRef>
-          </p:style>
-        </p:cxnSp>
-        <p:cxnSp>
-          <p:nvCxnSpPr>
-            <p:cNvPr id="25" name="Straight Connector 24">
-              <a:extLst>
-                <a:ext uri="{FF2B5EF4-FFF2-40B4-BE49-F238E27FC236}">
-                  <a16:creationId xmlns:a16="http://schemas.microsoft.com/office/drawing/2014/main" id="{3156BBB9-513F-2D4E-93AB-824D00E37360}"/>
-                </a:ext>
-              </a:extLst>
-            </p:cNvPr>
-            <p:cNvCxnSpPr/>
-            <p:nvPr/>
-          </p:nvCxnSpPr>
-          <p:spPr>
-            <a:xfrm>
-              <a:off x="5472545" y="928255"/>
-              <a:ext cx="1787236" cy="0"/>
-            </a:xfrm>
-            <a:prstGeom prst="line">
-              <a:avLst/>
-            </a:prstGeom>
-            <a:ln w="19050">
-              <a:headEnd type="oval"/>
-              <a:tailEnd type="oval"/>
-            </a:ln>
-          </p:spPr>
-          <p:style>
-            <a:lnRef idx="1">
-              <a:schemeClr val="accent1"/>
-            </a:lnRef>
-            <a:fillRef idx="0">
-              <a:schemeClr val="accent1"/>
-            </a:fillRef>
-            <a:effectRef idx="0">
-              <a:schemeClr val="accent1"/>
-            </a:effectRef>
-            <a:fontRef idx="minor">
-              <a:schemeClr val="tx1"/>
-            </a:fontRef>
-          </p:style>
-        </p:cxnSp>
-        <p:cxnSp>
-          <p:nvCxnSpPr>
-            <p:cNvPr id="27" name="Straight Arrow Connector 26">
-              <a:extLst>
-                <a:ext uri="{FF2B5EF4-FFF2-40B4-BE49-F238E27FC236}">
-                  <a16:creationId xmlns:a16="http://schemas.microsoft.com/office/drawing/2014/main" id="{D3E1A2F7-3ED7-3B4F-9ABB-999A92D493D3}"/>
-                </a:ext>
-              </a:extLst>
-            </p:cNvPr>
-            <p:cNvCxnSpPr/>
-            <p:nvPr/>
-          </p:nvCxnSpPr>
-          <p:spPr>
-            <a:xfrm>
-              <a:off x="4073234" y="928255"/>
-              <a:ext cx="609600" cy="0"/>
+            <a:xfrm flipV="1">
+              <a:off x="3072285" y="1232931"/>
+              <a:ext cx="324316" cy="345753"/>
             </a:xfrm>
             <a:prstGeom prst="straightConnector1">
               <a:avLst/>
@@ -13725,2809 +15704,888 @@
             </a:fontRef>
           </p:style>
         </p:cxnSp>
+        <p:cxnSp>
+          <p:nvCxnSpPr>
+            <p:cNvPr id="56" name="Straight Arrow Connector 55">
+              <a:extLst>
+                <a:ext uri="{FF2B5EF4-FFF2-40B4-BE49-F238E27FC236}">
+                  <a16:creationId xmlns:a16="http://schemas.microsoft.com/office/drawing/2014/main" id="{51FFD7B4-9626-6C4A-806F-6395A7A1634A}"/>
+                </a:ext>
+              </a:extLst>
+            </p:cNvPr>
+            <p:cNvCxnSpPr>
+              <a:cxnSpLocks/>
+            </p:cNvCxnSpPr>
+            <p:nvPr/>
+          </p:nvCxnSpPr>
+          <p:spPr>
+            <a:xfrm flipV="1">
+              <a:off x="3158842" y="2087896"/>
+              <a:ext cx="324316" cy="345753"/>
+            </a:xfrm>
+            <a:prstGeom prst="straightConnector1">
+              <a:avLst/>
+            </a:prstGeom>
+            <a:ln w="19050">
+              <a:tailEnd type="triangle"/>
+            </a:ln>
+          </p:spPr>
+          <p:style>
+            <a:lnRef idx="1">
+              <a:schemeClr val="accent1"/>
+            </a:lnRef>
+            <a:fillRef idx="0">
+              <a:schemeClr val="accent1"/>
+            </a:fillRef>
+            <a:effectRef idx="0">
+              <a:schemeClr val="accent1"/>
+            </a:effectRef>
+            <a:fontRef idx="minor">
+              <a:schemeClr val="tx1"/>
+            </a:fontRef>
+          </p:style>
+        </p:cxnSp>
+        <p:sp>
+          <p:nvSpPr>
+            <p:cNvPr id="57" name="TextBox 56">
+              <a:extLst>
+                <a:ext uri="{FF2B5EF4-FFF2-40B4-BE49-F238E27FC236}">
+                  <a16:creationId xmlns:a16="http://schemas.microsoft.com/office/drawing/2014/main" id="{C111A076-CC2F-704E-B6B4-A6E8BED6CCF6}"/>
+                </a:ext>
+              </a:extLst>
+            </p:cNvPr>
+            <p:cNvSpPr txBox="1"/>
+            <p:nvPr/>
+          </p:nvSpPr>
+          <p:spPr>
+            <a:xfrm>
+              <a:off x="1632976" y="4212058"/>
+              <a:ext cx="2317429" cy="369332"/>
+            </a:xfrm>
+            <a:prstGeom prst="rect">
+              <a:avLst/>
+            </a:prstGeom>
+            <a:noFill/>
+          </p:spPr>
+          <p:txBody>
+            <a:bodyPr wrap="none" rtlCol="0">
+              <a:spAutoFit/>
+            </a:bodyPr>
+            <a:lstStyle/>
+            <a:p>
+              <a:r>
+                <a:rPr lang="en-US" dirty="0"/>
+                <a:t>4-point decomposition</a:t>
+              </a:r>
+            </a:p>
+          </p:txBody>
+        </p:sp>
+        <mc:AlternateContent xmlns:mc="http://schemas.openxmlformats.org/markup-compatibility/2006">
+          <mc:Choice xmlns:a14="http://schemas.microsoft.com/office/drawing/2010/main" Requires="a14">
+            <p:sp>
+              <p:nvSpPr>
+                <p:cNvPr id="58" name="TextBox 57">
+                  <a:extLst>
+                    <a:ext uri="{FF2B5EF4-FFF2-40B4-BE49-F238E27FC236}">
+                      <a16:creationId xmlns:a16="http://schemas.microsoft.com/office/drawing/2014/main" id="{2D29C947-C4C3-2241-BEF9-03EF28AF645D}"/>
+                    </a:ext>
+                  </a:extLst>
+                </p:cNvPr>
+                <p:cNvSpPr txBox="1"/>
+                <p:nvPr/>
+              </p:nvSpPr>
+              <p:spPr>
+                <a:xfrm>
+                  <a:off x="6591336" y="3808124"/>
+                  <a:ext cx="354264" cy="276999"/>
+                </a:xfrm>
+                <a:prstGeom prst="rect">
+                  <a:avLst/>
+                </a:prstGeom>
+                <a:noFill/>
+              </p:spPr>
+              <p:txBody>
+                <a:bodyPr wrap="none" lIns="0" tIns="0" rIns="0" bIns="0" rtlCol="0">
+                  <a:spAutoFit/>
+                </a:bodyPr>
+                <a:lstStyle/>
+                <a:p>
+                  <a:pPr/>
+                  <a14:m>
+                    <m:oMathPara xmlns:m="http://schemas.openxmlformats.org/officeDocument/2006/math">
+                      <m:oMathParaPr>
+                        <m:jc m:val="centerGroup"/>
+                      </m:oMathParaPr>
+                      <m:oMath xmlns:m="http://schemas.openxmlformats.org/officeDocument/2006/math">
+                        <m:r>
+                          <a:rPr lang="en-GB" b="0" i="1" smtClean="0">
+                            <a:latin typeface="Cambria Math" panose="02040503050406030204" pitchFamily="18" charset="0"/>
+                          </a:rPr>
+                          <m:t>−1</m:t>
+                        </m:r>
+                      </m:oMath>
+                    </m:oMathPara>
+                  </a14:m>
+                  <a:endParaRPr lang="en-US" dirty="0"/>
+                </a:p>
+              </p:txBody>
+            </p:sp>
+          </mc:Choice>
+          <mc:Fallback>
+            <p:sp>
+              <p:nvSpPr>
+                <p:cNvPr id="58" name="TextBox 57">
+                  <a:extLst>
+                    <a:ext uri="{FF2B5EF4-FFF2-40B4-BE49-F238E27FC236}">
+                      <a16:creationId xmlns:a16="http://schemas.microsoft.com/office/drawing/2014/main" id="{2D29C947-C4C3-2241-BEF9-03EF28AF645D}"/>
+                    </a:ext>
+                  </a:extLst>
+                </p:cNvPr>
+                <p:cNvSpPr txBox="1">
+                  <a:spLocks noRot="1" noChangeAspect="1" noMove="1" noResize="1" noEditPoints="1" noAdjustHandles="1" noChangeArrowheads="1" noChangeShapeType="1" noTextEdit="1"/>
+                </p:cNvSpPr>
+                <p:nvPr/>
+              </p:nvSpPr>
+              <p:spPr>
+                <a:xfrm>
+                  <a:off x="6591336" y="3808124"/>
+                  <a:ext cx="354264" cy="276999"/>
+                </a:xfrm>
+                <a:prstGeom prst="rect">
+                  <a:avLst/>
+                </a:prstGeom>
+                <a:blipFill>
+                  <a:blip r:embed="rId20"/>
+                  <a:stretch>
+                    <a:fillRect l="-3448" r="-17241" b="-9091"/>
+                  </a:stretch>
+                </a:blipFill>
+              </p:spPr>
+              <p:txBody>
+                <a:bodyPr/>
+                <a:lstStyle/>
+                <a:p>
+                  <a:r>
+                    <a:rPr lang="en-US">
+                      <a:noFill/>
+                    </a:rPr>
+                    <a:t> </a:t>
+                  </a:r>
+                </a:p>
+              </p:txBody>
+            </p:sp>
+          </mc:Fallback>
+        </mc:AlternateContent>
+        <mc:AlternateContent xmlns:mc="http://schemas.openxmlformats.org/markup-compatibility/2006">
+          <mc:Choice xmlns:a14="http://schemas.microsoft.com/office/drawing/2010/main" Requires="a14">
+            <p:sp>
+              <p:nvSpPr>
+                <p:cNvPr id="59" name="TextBox 58">
+                  <a:extLst>
+                    <a:ext uri="{FF2B5EF4-FFF2-40B4-BE49-F238E27FC236}">
+                      <a16:creationId xmlns:a16="http://schemas.microsoft.com/office/drawing/2014/main" id="{C00DE068-4F3E-F04A-8B81-1BB39D7CD139}"/>
+                    </a:ext>
+                  </a:extLst>
+                </p:cNvPr>
+                <p:cNvSpPr txBox="1"/>
+                <p:nvPr/>
+              </p:nvSpPr>
+              <p:spPr>
+                <a:xfrm>
+                  <a:off x="6454811" y="1895421"/>
+                  <a:ext cx="354264" cy="276999"/>
+                </a:xfrm>
+                <a:prstGeom prst="rect">
+                  <a:avLst/>
+                </a:prstGeom>
+                <a:noFill/>
+              </p:spPr>
+              <p:txBody>
+                <a:bodyPr wrap="none" lIns="0" tIns="0" rIns="0" bIns="0" rtlCol="0">
+                  <a:spAutoFit/>
+                </a:bodyPr>
+                <a:lstStyle/>
+                <a:p>
+                  <a:pPr/>
+                  <a14:m>
+                    <m:oMathPara xmlns:m="http://schemas.openxmlformats.org/officeDocument/2006/math">
+                      <m:oMathParaPr>
+                        <m:jc m:val="centerGroup"/>
+                      </m:oMathParaPr>
+                      <m:oMath xmlns:m="http://schemas.openxmlformats.org/officeDocument/2006/math">
+                        <m:r>
+                          <a:rPr lang="en-GB" b="0" i="1" smtClean="0">
+                            <a:latin typeface="Cambria Math" panose="02040503050406030204" pitchFamily="18" charset="0"/>
+                          </a:rPr>
+                          <m:t>−1</m:t>
+                        </m:r>
+                      </m:oMath>
+                    </m:oMathPara>
+                  </a14:m>
+                  <a:endParaRPr lang="en-US" dirty="0"/>
+                </a:p>
+              </p:txBody>
+            </p:sp>
+          </mc:Choice>
+          <mc:Fallback>
+            <p:sp>
+              <p:nvSpPr>
+                <p:cNvPr id="59" name="TextBox 58">
+                  <a:extLst>
+                    <a:ext uri="{FF2B5EF4-FFF2-40B4-BE49-F238E27FC236}">
+                      <a16:creationId xmlns:a16="http://schemas.microsoft.com/office/drawing/2014/main" id="{C00DE068-4F3E-F04A-8B81-1BB39D7CD139}"/>
+                    </a:ext>
+                  </a:extLst>
+                </p:cNvPr>
+                <p:cNvSpPr txBox="1">
+                  <a:spLocks noRot="1" noChangeAspect="1" noMove="1" noResize="1" noEditPoints="1" noAdjustHandles="1" noChangeArrowheads="1" noChangeShapeType="1" noTextEdit="1"/>
+                </p:cNvSpPr>
+                <p:nvPr/>
+              </p:nvSpPr>
+              <p:spPr>
+                <a:xfrm>
+                  <a:off x="6454811" y="1895421"/>
+                  <a:ext cx="354264" cy="276999"/>
+                </a:xfrm>
+                <a:prstGeom prst="rect">
+                  <a:avLst/>
+                </a:prstGeom>
+                <a:blipFill>
+                  <a:blip r:embed="rId21"/>
+                  <a:stretch>
+                    <a:fillRect l="-3448" r="-10345" b="-9091"/>
+                  </a:stretch>
+                </a:blipFill>
+              </p:spPr>
+              <p:txBody>
+                <a:bodyPr/>
+                <a:lstStyle/>
+                <a:p>
+                  <a:r>
+                    <a:rPr lang="en-US">
+                      <a:noFill/>
+                    </a:rPr>
+                    <a:t> </a:t>
+                  </a:r>
+                </a:p>
+              </p:txBody>
+            </p:sp>
+          </mc:Fallback>
+        </mc:AlternateContent>
+        <p:cxnSp>
+          <p:nvCxnSpPr>
+            <p:cNvPr id="61" name="Straight Connector 60">
+              <a:extLst>
+                <a:ext uri="{FF2B5EF4-FFF2-40B4-BE49-F238E27FC236}">
+                  <a16:creationId xmlns:a16="http://schemas.microsoft.com/office/drawing/2014/main" id="{C6D590FE-0664-164C-B00B-898EA5E14638}"/>
+                </a:ext>
+              </a:extLst>
+            </p:cNvPr>
+            <p:cNvCxnSpPr>
+              <a:cxnSpLocks/>
+            </p:cNvCxnSpPr>
+            <p:nvPr/>
+          </p:nvCxnSpPr>
+          <p:spPr>
+            <a:xfrm flipV="1">
+              <a:off x="5472545" y="927764"/>
+              <a:ext cx="1787236" cy="941617"/>
+            </a:xfrm>
+            <a:prstGeom prst="line">
+              <a:avLst/>
+            </a:prstGeom>
+            <a:ln w="19050"/>
+          </p:spPr>
+          <p:style>
+            <a:lnRef idx="1">
+              <a:schemeClr val="accent1"/>
+            </a:lnRef>
+            <a:fillRef idx="0">
+              <a:schemeClr val="accent1"/>
+            </a:fillRef>
+            <a:effectRef idx="0">
+              <a:schemeClr val="accent1"/>
+            </a:effectRef>
+            <a:fontRef idx="minor">
+              <a:schemeClr val="tx1"/>
+            </a:fontRef>
+          </p:style>
+        </p:cxnSp>
+        <p:cxnSp>
+          <p:nvCxnSpPr>
+            <p:cNvPr id="64" name="Straight Connector 63">
+              <a:extLst>
+                <a:ext uri="{FF2B5EF4-FFF2-40B4-BE49-F238E27FC236}">
+                  <a16:creationId xmlns:a16="http://schemas.microsoft.com/office/drawing/2014/main" id="{BAB276C3-0B30-8344-B43E-1FE47F6EC3B6}"/>
+                </a:ext>
+              </a:extLst>
+            </p:cNvPr>
+            <p:cNvCxnSpPr>
+              <a:cxnSpLocks/>
+            </p:cNvCxnSpPr>
+            <p:nvPr/>
+          </p:nvCxnSpPr>
+          <p:spPr>
+            <a:xfrm>
+              <a:off x="5471982" y="2817671"/>
+              <a:ext cx="1787799" cy="929983"/>
+            </a:xfrm>
+            <a:prstGeom prst="line">
+              <a:avLst/>
+            </a:prstGeom>
+            <a:ln w="19050"/>
+          </p:spPr>
+          <p:style>
+            <a:lnRef idx="1">
+              <a:schemeClr val="accent1"/>
+            </a:lnRef>
+            <a:fillRef idx="0">
+              <a:schemeClr val="accent1"/>
+            </a:fillRef>
+            <a:effectRef idx="0">
+              <a:schemeClr val="accent1"/>
+            </a:effectRef>
+            <a:fontRef idx="minor">
+              <a:schemeClr val="tx1"/>
+            </a:fontRef>
+          </p:style>
+        </p:cxnSp>
+        <p:cxnSp>
+          <p:nvCxnSpPr>
+            <p:cNvPr id="69" name="Straight Connector 68">
+              <a:extLst>
+                <a:ext uri="{FF2B5EF4-FFF2-40B4-BE49-F238E27FC236}">
+                  <a16:creationId xmlns:a16="http://schemas.microsoft.com/office/drawing/2014/main" id="{8B6449A4-B63E-4648-824A-B05F5E95B0FD}"/>
+                </a:ext>
+              </a:extLst>
+            </p:cNvPr>
+            <p:cNvCxnSpPr>
+              <a:cxnSpLocks/>
+            </p:cNvCxnSpPr>
+            <p:nvPr/>
+          </p:nvCxnSpPr>
+          <p:spPr>
+            <a:xfrm flipV="1">
+              <a:off x="5471982" y="2817672"/>
+              <a:ext cx="1787799" cy="935179"/>
+            </a:xfrm>
+            <a:prstGeom prst="line">
+              <a:avLst/>
+            </a:prstGeom>
+            <a:ln w="19050"/>
+          </p:spPr>
+          <p:style>
+            <a:lnRef idx="1">
+              <a:schemeClr val="accent1"/>
+            </a:lnRef>
+            <a:fillRef idx="0">
+              <a:schemeClr val="accent1"/>
+            </a:fillRef>
+            <a:effectRef idx="0">
+              <a:schemeClr val="accent1"/>
+            </a:effectRef>
+            <a:fontRef idx="minor">
+              <a:schemeClr val="tx1"/>
+            </a:fontRef>
+          </p:style>
+        </p:cxnSp>
+        <p:cxnSp>
+          <p:nvCxnSpPr>
+            <p:cNvPr id="72" name="Straight Arrow Connector 71">
+              <a:extLst>
+                <a:ext uri="{FF2B5EF4-FFF2-40B4-BE49-F238E27FC236}">
+                  <a16:creationId xmlns:a16="http://schemas.microsoft.com/office/drawing/2014/main" id="{00DDD785-A09A-614A-8A7C-4AD4AA3151CE}"/>
+                </a:ext>
+              </a:extLst>
+            </p:cNvPr>
+            <p:cNvCxnSpPr>
+              <a:cxnSpLocks/>
+            </p:cNvCxnSpPr>
+            <p:nvPr/>
+          </p:nvCxnSpPr>
+          <p:spPr>
+            <a:xfrm>
+              <a:off x="5946775" y="3067050"/>
+              <a:ext cx="209550" cy="101600"/>
+            </a:xfrm>
+            <a:prstGeom prst="straightConnector1">
+              <a:avLst/>
+            </a:prstGeom>
+            <a:ln w="19050">
+              <a:tailEnd type="triangle"/>
+            </a:ln>
+          </p:spPr>
+          <p:style>
+            <a:lnRef idx="1">
+              <a:schemeClr val="accent1"/>
+            </a:lnRef>
+            <a:fillRef idx="0">
+              <a:schemeClr val="accent1"/>
+            </a:fillRef>
+            <a:effectRef idx="0">
+              <a:schemeClr val="accent1"/>
+            </a:effectRef>
+            <a:fontRef idx="minor">
+              <a:schemeClr val="tx1"/>
+            </a:fontRef>
+          </p:style>
+        </p:cxnSp>
+        <p:cxnSp>
+          <p:nvCxnSpPr>
+            <p:cNvPr id="74" name="Straight Arrow Connector 73">
+              <a:extLst>
+                <a:ext uri="{FF2B5EF4-FFF2-40B4-BE49-F238E27FC236}">
+                  <a16:creationId xmlns:a16="http://schemas.microsoft.com/office/drawing/2014/main" id="{F6191779-18E0-144C-A55F-1AFD1E60620D}"/>
+                </a:ext>
+              </a:extLst>
+            </p:cNvPr>
+            <p:cNvCxnSpPr>
+              <a:cxnSpLocks/>
+            </p:cNvCxnSpPr>
+            <p:nvPr/>
+          </p:nvCxnSpPr>
+          <p:spPr>
+            <a:xfrm flipV="1">
+              <a:off x="6124575" y="3168650"/>
+              <a:ext cx="466761" cy="238702"/>
+            </a:xfrm>
+            <a:prstGeom prst="straightConnector1">
+              <a:avLst/>
+            </a:prstGeom>
+            <a:ln w="19050">
+              <a:tailEnd type="triangle"/>
+            </a:ln>
+          </p:spPr>
+          <p:style>
+            <a:lnRef idx="1">
+              <a:schemeClr val="accent1"/>
+            </a:lnRef>
+            <a:fillRef idx="0">
+              <a:schemeClr val="accent1"/>
+            </a:fillRef>
+            <a:effectRef idx="0">
+              <a:schemeClr val="accent1"/>
+            </a:effectRef>
+            <a:fontRef idx="minor">
+              <a:schemeClr val="tx1"/>
+            </a:fontRef>
+          </p:style>
+        </p:cxnSp>
+        <p:cxnSp>
+          <p:nvCxnSpPr>
+            <p:cNvPr id="77" name="Straight Arrow Connector 76">
+              <a:extLst>
+                <a:ext uri="{FF2B5EF4-FFF2-40B4-BE49-F238E27FC236}">
+                  <a16:creationId xmlns:a16="http://schemas.microsoft.com/office/drawing/2014/main" id="{24CD8431-7C81-BA44-92FC-51F10BFEF0EF}"/>
+                </a:ext>
+              </a:extLst>
+            </p:cNvPr>
+            <p:cNvCxnSpPr>
+              <a:cxnSpLocks/>
+            </p:cNvCxnSpPr>
+            <p:nvPr/>
+          </p:nvCxnSpPr>
+          <p:spPr>
+            <a:xfrm>
+              <a:off x="6207380" y="2810021"/>
+              <a:ext cx="217375" cy="0"/>
+            </a:xfrm>
+            <a:prstGeom prst="straightConnector1">
+              <a:avLst/>
+            </a:prstGeom>
+            <a:ln w="19050">
+              <a:tailEnd type="triangle"/>
+            </a:ln>
+          </p:spPr>
+          <p:style>
+            <a:lnRef idx="1">
+              <a:schemeClr val="accent1"/>
+            </a:lnRef>
+            <a:fillRef idx="0">
+              <a:schemeClr val="accent1"/>
+            </a:fillRef>
+            <a:effectRef idx="0">
+              <a:schemeClr val="accent1"/>
+            </a:effectRef>
+            <a:fontRef idx="minor">
+              <a:schemeClr val="tx1"/>
+            </a:fontRef>
+          </p:style>
+        </p:cxnSp>
+        <p:cxnSp>
+          <p:nvCxnSpPr>
+            <p:cNvPr id="79" name="Straight Arrow Connector 78">
+              <a:extLst>
+                <a:ext uri="{FF2B5EF4-FFF2-40B4-BE49-F238E27FC236}">
+                  <a16:creationId xmlns:a16="http://schemas.microsoft.com/office/drawing/2014/main" id="{4BEE7773-FEBC-6140-9C20-9C782BAD6C84}"/>
+                </a:ext>
+              </a:extLst>
+            </p:cNvPr>
+            <p:cNvCxnSpPr>
+              <a:cxnSpLocks/>
+            </p:cNvCxnSpPr>
+            <p:nvPr/>
+          </p:nvCxnSpPr>
+          <p:spPr>
+            <a:xfrm>
+              <a:off x="6257193" y="3754581"/>
+              <a:ext cx="217375" cy="0"/>
+            </a:xfrm>
+            <a:prstGeom prst="straightConnector1">
+              <a:avLst/>
+            </a:prstGeom>
+            <a:ln w="19050">
+              <a:tailEnd type="triangle"/>
+            </a:ln>
+          </p:spPr>
+          <p:style>
+            <a:lnRef idx="1">
+              <a:schemeClr val="accent1"/>
+            </a:lnRef>
+            <a:fillRef idx="0">
+              <a:schemeClr val="accent1"/>
+            </a:fillRef>
+            <a:effectRef idx="0">
+              <a:schemeClr val="accent1"/>
+            </a:effectRef>
+            <a:fontRef idx="minor">
+              <a:schemeClr val="tx1"/>
+            </a:fontRef>
+          </p:style>
+        </p:cxnSp>
+        <p:cxnSp>
+          <p:nvCxnSpPr>
+            <p:cNvPr id="81" name="Straight Connector 80">
+              <a:extLst>
+                <a:ext uri="{FF2B5EF4-FFF2-40B4-BE49-F238E27FC236}">
+                  <a16:creationId xmlns:a16="http://schemas.microsoft.com/office/drawing/2014/main" id="{244AEB5E-78E4-0C4F-8DBF-C8D366AA5CDE}"/>
+                </a:ext>
+              </a:extLst>
+            </p:cNvPr>
+            <p:cNvCxnSpPr/>
+            <p:nvPr/>
+          </p:nvCxnSpPr>
+          <p:spPr>
+            <a:xfrm>
+              <a:off x="5471982" y="927764"/>
+              <a:ext cx="1787799" cy="941616"/>
+            </a:xfrm>
+            <a:prstGeom prst="line">
+              <a:avLst/>
+            </a:prstGeom>
+            <a:ln w="19050"/>
+          </p:spPr>
+          <p:style>
+            <a:lnRef idx="1">
+              <a:schemeClr val="accent1"/>
+            </a:lnRef>
+            <a:fillRef idx="0">
+              <a:schemeClr val="accent1"/>
+            </a:fillRef>
+            <a:effectRef idx="0">
+              <a:schemeClr val="accent1"/>
+            </a:effectRef>
+            <a:fontRef idx="minor">
+              <a:schemeClr val="tx1"/>
+            </a:fontRef>
+          </p:style>
+        </p:cxnSp>
+        <p:cxnSp>
+          <p:nvCxnSpPr>
+            <p:cNvPr id="83" name="Straight Arrow Connector 82">
+              <a:extLst>
+                <a:ext uri="{FF2B5EF4-FFF2-40B4-BE49-F238E27FC236}">
+                  <a16:creationId xmlns:a16="http://schemas.microsoft.com/office/drawing/2014/main" id="{C9A2FA43-73EE-8440-ABCA-8BDA66445009}"/>
+                </a:ext>
+              </a:extLst>
+            </p:cNvPr>
+            <p:cNvCxnSpPr/>
+            <p:nvPr/>
+          </p:nvCxnSpPr>
+          <p:spPr>
+            <a:xfrm>
+              <a:off x="6124575" y="927764"/>
+              <a:ext cx="349993" cy="0"/>
+            </a:xfrm>
+            <a:prstGeom prst="straightConnector1">
+              <a:avLst/>
+            </a:prstGeom>
+            <a:ln w="19050">
+              <a:tailEnd type="triangle"/>
+            </a:ln>
+          </p:spPr>
+          <p:style>
+            <a:lnRef idx="1">
+              <a:schemeClr val="accent1"/>
+            </a:lnRef>
+            <a:fillRef idx="0">
+              <a:schemeClr val="accent1"/>
+            </a:fillRef>
+            <a:effectRef idx="0">
+              <a:schemeClr val="accent1"/>
+            </a:effectRef>
+            <a:fontRef idx="minor">
+              <a:schemeClr val="tx1"/>
+            </a:fontRef>
+          </p:style>
+        </p:cxnSp>
+        <p:cxnSp>
+          <p:nvCxnSpPr>
+            <p:cNvPr id="84" name="Straight Arrow Connector 83">
+              <a:extLst>
+                <a:ext uri="{FF2B5EF4-FFF2-40B4-BE49-F238E27FC236}">
+                  <a16:creationId xmlns:a16="http://schemas.microsoft.com/office/drawing/2014/main" id="{7733B181-36BE-1A48-A612-B08052D6BD13}"/>
+                </a:ext>
+              </a:extLst>
+            </p:cNvPr>
+            <p:cNvCxnSpPr/>
+            <p:nvPr/>
+          </p:nvCxnSpPr>
+          <p:spPr>
+            <a:xfrm>
+              <a:off x="6156325" y="1870630"/>
+              <a:ext cx="349993" cy="0"/>
+            </a:xfrm>
+            <a:prstGeom prst="straightConnector1">
+              <a:avLst/>
+            </a:prstGeom>
+            <a:ln w="19050">
+              <a:tailEnd type="triangle"/>
+            </a:ln>
+          </p:spPr>
+          <p:style>
+            <a:lnRef idx="1">
+              <a:schemeClr val="accent1"/>
+            </a:lnRef>
+            <a:fillRef idx="0">
+              <a:schemeClr val="accent1"/>
+            </a:fillRef>
+            <a:effectRef idx="0">
+              <a:schemeClr val="accent1"/>
+            </a:effectRef>
+            <a:fontRef idx="minor">
+              <a:schemeClr val="tx1"/>
+            </a:fontRef>
+          </p:style>
+        </p:cxnSp>
+        <p:cxnSp>
+          <p:nvCxnSpPr>
+            <p:cNvPr id="85" name="Straight Arrow Connector 84">
+              <a:extLst>
+                <a:ext uri="{FF2B5EF4-FFF2-40B4-BE49-F238E27FC236}">
+                  <a16:creationId xmlns:a16="http://schemas.microsoft.com/office/drawing/2014/main" id="{6FF305ED-6128-B748-B0ED-89E00A7146FD}"/>
+                </a:ext>
+              </a:extLst>
+            </p:cNvPr>
+            <p:cNvCxnSpPr>
+              <a:cxnSpLocks/>
+            </p:cNvCxnSpPr>
+            <p:nvPr/>
+          </p:nvCxnSpPr>
+          <p:spPr>
+            <a:xfrm flipV="1">
+              <a:off x="6190883" y="1279525"/>
+              <a:ext cx="400453" cy="206930"/>
+            </a:xfrm>
+            <a:prstGeom prst="straightConnector1">
+              <a:avLst/>
+            </a:prstGeom>
+            <a:ln w="19050">
+              <a:tailEnd type="triangle"/>
+            </a:ln>
+          </p:spPr>
+          <p:style>
+            <a:lnRef idx="1">
+              <a:schemeClr val="accent1"/>
+            </a:lnRef>
+            <a:fillRef idx="0">
+              <a:schemeClr val="accent1"/>
+            </a:fillRef>
+            <a:effectRef idx="0">
+              <a:schemeClr val="accent1"/>
+            </a:effectRef>
+            <a:fontRef idx="minor">
+              <a:schemeClr val="tx1"/>
+            </a:fontRef>
+          </p:style>
+        </p:cxnSp>
+        <p:cxnSp>
+          <p:nvCxnSpPr>
+            <p:cNvPr id="87" name="Straight Arrow Connector 86">
+              <a:extLst>
+                <a:ext uri="{FF2B5EF4-FFF2-40B4-BE49-F238E27FC236}">
+                  <a16:creationId xmlns:a16="http://schemas.microsoft.com/office/drawing/2014/main" id="{FC303459-3506-D342-BB57-113A0A32F3BE}"/>
+                </a:ext>
+              </a:extLst>
+            </p:cNvPr>
+            <p:cNvCxnSpPr>
+              <a:cxnSpLocks/>
+            </p:cNvCxnSpPr>
+            <p:nvPr/>
+          </p:nvCxnSpPr>
+          <p:spPr>
+            <a:xfrm>
+              <a:off x="6260368" y="1346074"/>
+              <a:ext cx="575407" cy="300822"/>
+            </a:xfrm>
+            <a:prstGeom prst="straightConnector1">
+              <a:avLst/>
+            </a:prstGeom>
+            <a:ln w="19050">
+              <a:tailEnd type="triangle"/>
+            </a:ln>
+          </p:spPr>
+          <p:style>
+            <a:lnRef idx="1">
+              <a:schemeClr val="accent1"/>
+            </a:lnRef>
+            <a:fillRef idx="0">
+              <a:schemeClr val="accent1"/>
+            </a:fillRef>
+            <a:effectRef idx="0">
+              <a:schemeClr val="accent1"/>
+            </a:effectRef>
+            <a:fontRef idx="minor">
+              <a:schemeClr val="tx1"/>
+            </a:fontRef>
+          </p:style>
+        </p:cxnSp>
+        <p:sp>
+          <p:nvSpPr>
+            <p:cNvPr id="90" name="TextBox 89">
+              <a:extLst>
+                <a:ext uri="{FF2B5EF4-FFF2-40B4-BE49-F238E27FC236}">
+                  <a16:creationId xmlns:a16="http://schemas.microsoft.com/office/drawing/2014/main" id="{14D843C0-B9AF-6F47-A4FC-C4E70E8191C2}"/>
+                </a:ext>
+              </a:extLst>
+            </p:cNvPr>
+            <p:cNvSpPr txBox="1"/>
+            <p:nvPr/>
+          </p:nvSpPr>
+          <p:spPr>
+            <a:xfrm>
+              <a:off x="5849253" y="4212058"/>
+              <a:ext cx="1279004" cy="369332"/>
+            </a:xfrm>
+            <a:prstGeom prst="rect">
+              <a:avLst/>
+            </a:prstGeom>
+            <a:noFill/>
+          </p:spPr>
+          <p:txBody>
+            <a:bodyPr wrap="none" rtlCol="0">
+              <a:spAutoFit/>
+            </a:bodyPr>
+            <a:lstStyle/>
+            <a:p>
+              <a:r>
+                <a:rPr lang="en-US" dirty="0"/>
+                <a:t>2-point DFT</a:t>
+              </a:r>
+            </a:p>
+          </p:txBody>
+        </p:sp>
+        <p:sp>
+          <p:nvSpPr>
+            <p:cNvPr id="91" name="Rectangle 90">
+              <a:extLst>
+                <a:ext uri="{FF2B5EF4-FFF2-40B4-BE49-F238E27FC236}">
+                  <a16:creationId xmlns:a16="http://schemas.microsoft.com/office/drawing/2014/main" id="{4A0CF844-C290-2C43-917E-75837F042343}"/>
+                </a:ext>
+              </a:extLst>
+            </p:cNvPr>
+            <p:cNvSpPr/>
+            <p:nvPr/>
+          </p:nvSpPr>
+          <p:spPr>
+            <a:xfrm>
+              <a:off x="1788150" y="558923"/>
+              <a:ext cx="2021850" cy="3526200"/>
+            </a:xfrm>
+            <a:prstGeom prst="rect">
+              <a:avLst/>
+            </a:prstGeom>
+            <a:noFill/>
+            <a:ln>
+              <a:prstDash val="dash"/>
+            </a:ln>
+          </p:spPr>
+          <p:style>
+            <a:lnRef idx="2">
+              <a:schemeClr val="accent1">
+                <a:shade val="50000"/>
+              </a:schemeClr>
+            </a:lnRef>
+            <a:fillRef idx="1">
+              <a:schemeClr val="accent1"/>
+            </a:fillRef>
+            <a:effectRef idx="0">
+              <a:schemeClr val="accent1"/>
+            </a:effectRef>
+            <a:fontRef idx="minor">
+              <a:schemeClr val="lt1"/>
+            </a:fontRef>
+          </p:style>
+          <p:txBody>
+            <a:bodyPr rtlCol="0" anchor="ctr"/>
+            <a:lstStyle/>
+            <a:p>
+              <a:pPr algn="ctr"/>
+              <a:endParaRPr lang="en-US"/>
+            </a:p>
+          </p:txBody>
+        </p:sp>
+        <p:sp>
+          <p:nvSpPr>
+            <p:cNvPr id="92" name="Rectangle 91">
+              <a:extLst>
+                <a:ext uri="{FF2B5EF4-FFF2-40B4-BE49-F238E27FC236}">
+                  <a16:creationId xmlns:a16="http://schemas.microsoft.com/office/drawing/2014/main" id="{E36FEB2B-BCB9-314E-9265-9E604B6A316A}"/>
+                </a:ext>
+              </a:extLst>
+            </p:cNvPr>
+            <p:cNvSpPr/>
+            <p:nvPr/>
+          </p:nvSpPr>
+          <p:spPr>
+            <a:xfrm>
+              <a:off x="5356322" y="457120"/>
+              <a:ext cx="2021850" cy="3754935"/>
+            </a:xfrm>
+            <a:prstGeom prst="rect">
+              <a:avLst/>
+            </a:prstGeom>
+            <a:noFill/>
+            <a:ln>
+              <a:prstDash val="dash"/>
+            </a:ln>
+          </p:spPr>
+          <p:style>
+            <a:lnRef idx="2">
+              <a:schemeClr val="accent1">
+                <a:shade val="50000"/>
+              </a:schemeClr>
+            </a:lnRef>
+            <a:fillRef idx="1">
+              <a:schemeClr val="accent1"/>
+            </a:fillRef>
+            <a:effectRef idx="0">
+              <a:schemeClr val="accent1"/>
+            </a:effectRef>
+            <a:fontRef idx="minor">
+              <a:schemeClr val="lt1"/>
+            </a:fontRef>
+          </p:style>
+          <p:txBody>
+            <a:bodyPr rtlCol="0" anchor="ctr"/>
+            <a:lstStyle/>
+            <a:p>
+              <a:pPr algn="ctr"/>
+              <a:endParaRPr lang="en-US"/>
+            </a:p>
+          </p:txBody>
+        </p:sp>
       </p:grpSp>
-      <mc:AlternateContent xmlns:mc="http://schemas.openxmlformats.org/markup-compatibility/2006">
-        <mc:Choice xmlns:a14="http://schemas.microsoft.com/office/drawing/2010/main" Requires="a14">
-          <p:sp>
-            <p:nvSpPr>
-              <p:cNvPr id="28" name="TextBox 27">
-                <a:extLst>
-                  <a:ext uri="{FF2B5EF4-FFF2-40B4-BE49-F238E27FC236}">
-                    <a16:creationId xmlns:a16="http://schemas.microsoft.com/office/drawing/2014/main" id="{349F4D98-5CE6-C544-9621-1C35A6D1D98A}"/>
-                  </a:ext>
-                </a:extLst>
-              </p:cNvPr>
-              <p:cNvSpPr txBox="1"/>
-              <p:nvPr/>
-            </p:nvSpPr>
-            <p:spPr>
-              <a:xfrm>
-                <a:off x="3617101" y="3344129"/>
-                <a:ext cx="1855444" cy="373628"/>
-              </a:xfrm>
-              <a:prstGeom prst="rect">
-                <a:avLst/>
-              </a:prstGeom>
-              <a:noFill/>
-            </p:spPr>
-            <p:txBody>
-              <a:bodyPr wrap="none" rtlCol="0">
-                <a:spAutoFit/>
-              </a:bodyPr>
-              <a:lstStyle/>
-              <a:p>
-                <a14:m>
-                  <m:oMathPara xmlns:m="http://schemas.openxmlformats.org/officeDocument/2006/math">
-                    <m:oMathParaPr>
-                      <m:jc m:val="centerGroup"/>
-                    </m:oMathParaPr>
-                    <m:oMath xmlns:m="http://schemas.openxmlformats.org/officeDocument/2006/math">
-                      <m:d>
-                        <m:dPr>
-                          <m:begChr m:val="["/>
-                          <m:endChr m:val="]"/>
-                          <m:ctrlPr>
-                            <a:rPr lang="en-US" i="1" smtClean="0">
-                              <a:latin typeface="Cambria Math" panose="02040503050406030204" pitchFamily="18" charset="0"/>
-                            </a:rPr>
-                          </m:ctrlPr>
-                        </m:dPr>
-                        <m:e>
-                          <m:r>
-                            <a:rPr lang="en-GB" b="0" i="1" smtClean="0">
-                              <a:latin typeface="Cambria Math" panose="02040503050406030204" pitchFamily="18" charset="0"/>
-                            </a:rPr>
-                            <m:t>𝑥</m:t>
-                          </m:r>
-                          <m:d>
-                            <m:dPr>
-                              <m:begChr m:val="["/>
-                              <m:endChr m:val="]"/>
-                              <m:ctrlPr>
-                                <a:rPr lang="en-GB" b="0" i="1" smtClean="0">
-                                  <a:latin typeface="Cambria Math" panose="02040503050406030204" pitchFamily="18" charset="0"/>
-                                </a:rPr>
-                              </m:ctrlPr>
-                            </m:dPr>
-                            <m:e>
-                              <m:r>
-                                <a:rPr lang="en-GB" b="0" i="1" smtClean="0">
-                                  <a:latin typeface="Cambria Math" panose="02040503050406030204" pitchFamily="18" charset="0"/>
-                                </a:rPr>
-                                <m:t>1</m:t>
-                              </m:r>
-                            </m:e>
-                          </m:d>
-                          <m:r>
-                            <a:rPr lang="en-GB" b="0" i="1" smtClean="0">
-                              <a:latin typeface="Cambria Math" panose="02040503050406030204" pitchFamily="18" charset="0"/>
-                            </a:rPr>
-                            <m:t>−</m:t>
-                          </m:r>
-                          <m:r>
-                            <a:rPr lang="en-GB" b="0" i="1" smtClean="0">
-                              <a:latin typeface="Cambria Math" panose="02040503050406030204" pitchFamily="18" charset="0"/>
-                            </a:rPr>
-                            <m:t>𝑥</m:t>
-                          </m:r>
-                          <m:r>
-                            <a:rPr lang="en-GB" b="0" i="1" smtClean="0">
-                              <a:latin typeface="Cambria Math" panose="02040503050406030204" pitchFamily="18" charset="0"/>
-                            </a:rPr>
-                            <m:t>[3]</m:t>
-                          </m:r>
-                        </m:e>
-                      </m:d>
-                      <m:sSubSup>
-                        <m:sSubSupPr>
-                          <m:ctrlPr>
-                            <a:rPr lang="en-US" i="1" smtClean="0">
-                              <a:latin typeface="Cambria Math" panose="02040503050406030204" pitchFamily="18" charset="0"/>
-                            </a:rPr>
-                          </m:ctrlPr>
-                        </m:sSubSupPr>
-                        <m:e>
-                          <m:r>
-                            <a:rPr lang="en-GB" b="0" i="1" smtClean="0">
-                              <a:latin typeface="Cambria Math" panose="02040503050406030204" pitchFamily="18" charset="0"/>
-                            </a:rPr>
-                            <m:t>𝑊</m:t>
-                          </m:r>
-                        </m:e>
-                        <m:sub>
-                          <m:r>
-                            <a:rPr lang="en-GB" b="0" i="1" smtClean="0">
-                              <a:latin typeface="Cambria Math" panose="02040503050406030204" pitchFamily="18" charset="0"/>
-                            </a:rPr>
-                            <m:t>4</m:t>
-                          </m:r>
-                        </m:sub>
-                        <m:sup>
-                          <m:r>
-                            <a:rPr lang="en-GB" b="0" i="1" smtClean="0">
-                              <a:latin typeface="Cambria Math" panose="02040503050406030204" pitchFamily="18" charset="0"/>
-                            </a:rPr>
-                            <m:t>1</m:t>
-                          </m:r>
-                        </m:sup>
-                      </m:sSubSup>
-                    </m:oMath>
-                  </m:oMathPara>
-                </a14:m>
-                <a:endParaRPr lang="en-US" dirty="0"/>
-              </a:p>
-            </p:txBody>
-          </p:sp>
-        </mc:Choice>
-        <mc:Fallback>
-          <p:sp>
-            <p:nvSpPr>
-              <p:cNvPr id="28" name="TextBox 27">
-                <a:extLst>
-                  <a:ext uri="{FF2B5EF4-FFF2-40B4-BE49-F238E27FC236}">
-                    <a16:creationId xmlns:a16="http://schemas.microsoft.com/office/drawing/2014/main" id="{349F4D98-5CE6-C544-9621-1C35A6D1D98A}"/>
-                  </a:ext>
-                </a:extLst>
-              </p:cNvPr>
-              <p:cNvSpPr txBox="1">
-                <a:spLocks noRot="1" noChangeAspect="1" noMove="1" noResize="1" noEditPoints="1" noAdjustHandles="1" noChangeArrowheads="1" noChangeShapeType="1" noTextEdit="1"/>
-              </p:cNvSpPr>
-              <p:nvPr/>
-            </p:nvSpPr>
-            <p:spPr>
-              <a:xfrm>
-                <a:off x="3617101" y="3344129"/>
-                <a:ext cx="1855444" cy="373628"/>
-              </a:xfrm>
-              <a:prstGeom prst="rect">
-                <a:avLst/>
-              </a:prstGeom>
-              <a:blipFill>
-                <a:blip r:embed="rId5"/>
-                <a:stretch>
-                  <a:fillRect b="-9677"/>
-                </a:stretch>
-              </a:blipFill>
-            </p:spPr>
-            <p:txBody>
-              <a:bodyPr/>
-              <a:lstStyle/>
-              <a:p>
-                <a:r>
-                  <a:rPr lang="en-US">
-                    <a:noFill/>
-                  </a:rPr>
-                  <a:t> </a:t>
-                </a:r>
-              </a:p>
-            </p:txBody>
-          </p:sp>
-        </mc:Fallback>
-      </mc:AlternateContent>
-      <mc:AlternateContent xmlns:mc="http://schemas.openxmlformats.org/markup-compatibility/2006">
-        <mc:Choice xmlns:a14="http://schemas.microsoft.com/office/drawing/2010/main" Requires="a14">
-          <p:sp>
-            <p:nvSpPr>
-              <p:cNvPr id="29" name="TextBox 28">
-                <a:extLst>
-                  <a:ext uri="{FF2B5EF4-FFF2-40B4-BE49-F238E27FC236}">
-                    <a16:creationId xmlns:a16="http://schemas.microsoft.com/office/drawing/2014/main" id="{41344CA2-096A-4E4C-B872-B0A5E841BB60}"/>
-                  </a:ext>
-                </a:extLst>
-              </p:cNvPr>
-              <p:cNvSpPr txBox="1"/>
-              <p:nvPr/>
-            </p:nvSpPr>
-            <p:spPr>
-              <a:xfrm>
-                <a:off x="1317526" y="789755"/>
-                <a:ext cx="471860" cy="276999"/>
-              </a:xfrm>
-              <a:prstGeom prst="rect">
-                <a:avLst/>
-              </a:prstGeom>
-              <a:noFill/>
-            </p:spPr>
-            <p:txBody>
-              <a:bodyPr wrap="none" lIns="0" tIns="0" rIns="0" bIns="0" rtlCol="0">
-                <a:spAutoFit/>
-              </a:bodyPr>
-              <a:lstStyle/>
-              <a:p>
-                <a14:m>
-                  <m:oMathPara xmlns:m="http://schemas.openxmlformats.org/officeDocument/2006/math">
-                    <m:oMathParaPr>
-                      <m:jc m:val="centerGroup"/>
-                    </m:oMathParaPr>
-                    <m:oMath xmlns:m="http://schemas.openxmlformats.org/officeDocument/2006/math">
-                      <m:r>
-                        <a:rPr lang="en-GB" b="0" i="1" smtClean="0">
-                          <a:latin typeface="Cambria Math" panose="02040503050406030204" pitchFamily="18" charset="0"/>
-                        </a:rPr>
-                        <m:t>𝑥</m:t>
-                      </m:r>
-                      <m:r>
-                        <a:rPr lang="en-GB" b="0" i="1" smtClean="0">
-                          <a:latin typeface="Cambria Math" panose="02040503050406030204" pitchFamily="18" charset="0"/>
-                        </a:rPr>
-                        <m:t>[0]</m:t>
-                      </m:r>
-                    </m:oMath>
-                  </m:oMathPara>
-                </a14:m>
-                <a:endParaRPr lang="en-US" dirty="0"/>
-              </a:p>
-            </p:txBody>
-          </p:sp>
-        </mc:Choice>
-        <mc:Fallback>
-          <p:sp>
-            <p:nvSpPr>
-              <p:cNvPr id="29" name="TextBox 28">
-                <a:extLst>
-                  <a:ext uri="{FF2B5EF4-FFF2-40B4-BE49-F238E27FC236}">
-                    <a16:creationId xmlns:a16="http://schemas.microsoft.com/office/drawing/2014/main" id="{41344CA2-096A-4E4C-B872-B0A5E841BB60}"/>
-                  </a:ext>
-                </a:extLst>
-              </p:cNvPr>
-              <p:cNvSpPr txBox="1">
-                <a:spLocks noRot="1" noChangeAspect="1" noMove="1" noResize="1" noEditPoints="1" noAdjustHandles="1" noChangeArrowheads="1" noChangeShapeType="1" noTextEdit="1"/>
-              </p:cNvSpPr>
-              <p:nvPr/>
-            </p:nvSpPr>
-            <p:spPr>
-              <a:xfrm>
-                <a:off x="1317526" y="789755"/>
-                <a:ext cx="471860" cy="276999"/>
-              </a:xfrm>
-              <a:prstGeom prst="rect">
-                <a:avLst/>
-              </a:prstGeom>
-              <a:blipFill>
-                <a:blip r:embed="rId6"/>
-                <a:stretch>
-                  <a:fillRect l="-5263" r="-15789" b="-34783"/>
-                </a:stretch>
-              </a:blipFill>
-            </p:spPr>
-            <p:txBody>
-              <a:bodyPr/>
-              <a:lstStyle/>
-              <a:p>
-                <a:r>
-                  <a:rPr lang="en-US">
-                    <a:noFill/>
-                  </a:rPr>
-                  <a:t> </a:t>
-                </a:r>
-              </a:p>
-            </p:txBody>
-          </p:sp>
-        </mc:Fallback>
-      </mc:AlternateContent>
-      <mc:AlternateContent xmlns:mc="http://schemas.openxmlformats.org/markup-compatibility/2006">
-        <mc:Choice xmlns:a14="http://schemas.microsoft.com/office/drawing/2010/main" Requires="a14">
-          <p:sp>
-            <p:nvSpPr>
-              <p:cNvPr id="30" name="TextBox 29">
-                <a:extLst>
-                  <a:ext uri="{FF2B5EF4-FFF2-40B4-BE49-F238E27FC236}">
-                    <a16:creationId xmlns:a16="http://schemas.microsoft.com/office/drawing/2014/main" id="{6DA3D339-4D3D-4B41-BFA4-7D8FCC06F353}"/>
-                  </a:ext>
-                </a:extLst>
-              </p:cNvPr>
-              <p:cNvSpPr txBox="1"/>
-              <p:nvPr/>
-            </p:nvSpPr>
-            <p:spPr>
-              <a:xfrm>
-                <a:off x="1317114" y="1731864"/>
-                <a:ext cx="471860" cy="276999"/>
-              </a:xfrm>
-              <a:prstGeom prst="rect">
-                <a:avLst/>
-              </a:prstGeom>
-              <a:noFill/>
-            </p:spPr>
-            <p:txBody>
-              <a:bodyPr wrap="none" lIns="0" tIns="0" rIns="0" bIns="0" rtlCol="0">
-                <a:spAutoFit/>
-              </a:bodyPr>
-              <a:lstStyle/>
-              <a:p>
-                <a14:m>
-                  <m:oMathPara xmlns:m="http://schemas.openxmlformats.org/officeDocument/2006/math">
-                    <m:oMathParaPr>
-                      <m:jc m:val="centerGroup"/>
-                    </m:oMathParaPr>
-                    <m:oMath xmlns:m="http://schemas.openxmlformats.org/officeDocument/2006/math">
-                      <m:r>
-                        <a:rPr lang="en-GB" b="0" i="1" smtClean="0">
-                          <a:latin typeface="Cambria Math" panose="02040503050406030204" pitchFamily="18" charset="0"/>
-                        </a:rPr>
-                        <m:t>𝑥</m:t>
-                      </m:r>
-                      <m:r>
-                        <a:rPr lang="en-GB" b="0" i="1" smtClean="0">
-                          <a:latin typeface="Cambria Math" panose="02040503050406030204" pitchFamily="18" charset="0"/>
-                        </a:rPr>
-                        <m:t>[1]</m:t>
-                      </m:r>
-                    </m:oMath>
-                  </m:oMathPara>
-                </a14:m>
-                <a:endParaRPr lang="en-US" dirty="0"/>
-              </a:p>
-            </p:txBody>
-          </p:sp>
-        </mc:Choice>
-        <mc:Fallback>
-          <p:sp>
-            <p:nvSpPr>
-              <p:cNvPr id="30" name="TextBox 29">
-                <a:extLst>
-                  <a:ext uri="{FF2B5EF4-FFF2-40B4-BE49-F238E27FC236}">
-                    <a16:creationId xmlns:a16="http://schemas.microsoft.com/office/drawing/2014/main" id="{6DA3D339-4D3D-4B41-BFA4-7D8FCC06F353}"/>
-                  </a:ext>
-                </a:extLst>
-              </p:cNvPr>
-              <p:cNvSpPr txBox="1">
-                <a:spLocks noRot="1" noChangeAspect="1" noMove="1" noResize="1" noEditPoints="1" noAdjustHandles="1" noChangeArrowheads="1" noChangeShapeType="1" noTextEdit="1"/>
-              </p:cNvSpPr>
-              <p:nvPr/>
-            </p:nvSpPr>
-            <p:spPr>
-              <a:xfrm>
-                <a:off x="1317114" y="1731864"/>
-                <a:ext cx="471860" cy="276999"/>
-              </a:xfrm>
-              <a:prstGeom prst="rect">
-                <a:avLst/>
-              </a:prstGeom>
-              <a:blipFill>
-                <a:blip r:embed="rId7"/>
-                <a:stretch>
-                  <a:fillRect l="-5263" r="-15789" b="-34783"/>
-                </a:stretch>
-              </a:blipFill>
-            </p:spPr>
-            <p:txBody>
-              <a:bodyPr/>
-              <a:lstStyle/>
-              <a:p>
-                <a:r>
-                  <a:rPr lang="en-US">
-                    <a:noFill/>
-                  </a:rPr>
-                  <a:t> </a:t>
-                </a:r>
-              </a:p>
-            </p:txBody>
-          </p:sp>
-        </mc:Fallback>
-      </mc:AlternateContent>
-      <mc:AlternateContent xmlns:mc="http://schemas.openxmlformats.org/markup-compatibility/2006">
-        <mc:Choice xmlns:a14="http://schemas.microsoft.com/office/drawing/2010/main" Requires="a14">
-          <p:sp>
-            <p:nvSpPr>
-              <p:cNvPr id="31" name="TextBox 30">
-                <a:extLst>
-                  <a:ext uri="{FF2B5EF4-FFF2-40B4-BE49-F238E27FC236}">
-                    <a16:creationId xmlns:a16="http://schemas.microsoft.com/office/drawing/2014/main" id="{6EBFFDD4-4DC0-674B-A0BB-0C81D368A17C}"/>
-                  </a:ext>
-                </a:extLst>
-              </p:cNvPr>
-              <p:cNvSpPr txBox="1"/>
-              <p:nvPr/>
-            </p:nvSpPr>
-            <p:spPr>
-              <a:xfrm>
-                <a:off x="1316702" y="2673973"/>
-                <a:ext cx="471860" cy="276999"/>
-              </a:xfrm>
-              <a:prstGeom prst="rect">
-                <a:avLst/>
-              </a:prstGeom>
-              <a:noFill/>
-            </p:spPr>
-            <p:txBody>
-              <a:bodyPr wrap="none" lIns="0" tIns="0" rIns="0" bIns="0" rtlCol="0">
-                <a:spAutoFit/>
-              </a:bodyPr>
-              <a:lstStyle/>
-              <a:p>
-                <a14:m>
-                  <m:oMathPara xmlns:m="http://schemas.openxmlformats.org/officeDocument/2006/math">
-                    <m:oMathParaPr>
-                      <m:jc m:val="centerGroup"/>
-                    </m:oMathParaPr>
-                    <m:oMath xmlns:m="http://schemas.openxmlformats.org/officeDocument/2006/math">
-                      <m:r>
-                        <a:rPr lang="en-GB" b="0" i="1" smtClean="0">
-                          <a:latin typeface="Cambria Math" panose="02040503050406030204" pitchFamily="18" charset="0"/>
-                        </a:rPr>
-                        <m:t>𝑥</m:t>
-                      </m:r>
-                      <m:r>
-                        <a:rPr lang="en-GB" b="0" i="1" smtClean="0">
-                          <a:latin typeface="Cambria Math" panose="02040503050406030204" pitchFamily="18" charset="0"/>
-                        </a:rPr>
-                        <m:t>[2]</m:t>
-                      </m:r>
-                    </m:oMath>
-                  </m:oMathPara>
-                </a14:m>
-                <a:endParaRPr lang="en-US" dirty="0"/>
-              </a:p>
-            </p:txBody>
-          </p:sp>
-        </mc:Choice>
-        <mc:Fallback>
-          <p:sp>
-            <p:nvSpPr>
-              <p:cNvPr id="31" name="TextBox 30">
-                <a:extLst>
-                  <a:ext uri="{FF2B5EF4-FFF2-40B4-BE49-F238E27FC236}">
-                    <a16:creationId xmlns:a16="http://schemas.microsoft.com/office/drawing/2014/main" id="{6EBFFDD4-4DC0-674B-A0BB-0C81D368A17C}"/>
-                  </a:ext>
-                </a:extLst>
-              </p:cNvPr>
-              <p:cNvSpPr txBox="1">
-                <a:spLocks noRot="1" noChangeAspect="1" noMove="1" noResize="1" noEditPoints="1" noAdjustHandles="1" noChangeArrowheads="1" noChangeShapeType="1" noTextEdit="1"/>
-              </p:cNvSpPr>
-              <p:nvPr/>
-            </p:nvSpPr>
-            <p:spPr>
-              <a:xfrm>
-                <a:off x="1316702" y="2673973"/>
-                <a:ext cx="471860" cy="276999"/>
-              </a:xfrm>
-              <a:prstGeom prst="rect">
-                <a:avLst/>
-              </a:prstGeom>
-              <a:blipFill>
-                <a:blip r:embed="rId8"/>
-                <a:stretch>
-                  <a:fillRect l="-5263" r="-15789" b="-36364"/>
-                </a:stretch>
-              </a:blipFill>
-            </p:spPr>
-            <p:txBody>
-              <a:bodyPr/>
-              <a:lstStyle/>
-              <a:p>
-                <a:r>
-                  <a:rPr lang="en-US">
-                    <a:noFill/>
-                  </a:rPr>
-                  <a:t> </a:t>
-                </a:r>
-              </a:p>
-            </p:txBody>
-          </p:sp>
-        </mc:Fallback>
-      </mc:AlternateContent>
-      <mc:AlternateContent xmlns:mc="http://schemas.openxmlformats.org/markup-compatibility/2006">
-        <mc:Choice xmlns:a14="http://schemas.microsoft.com/office/drawing/2010/main" Requires="a14">
-          <p:sp>
-            <p:nvSpPr>
-              <p:cNvPr id="32" name="TextBox 31">
-                <a:extLst>
-                  <a:ext uri="{FF2B5EF4-FFF2-40B4-BE49-F238E27FC236}">
-                    <a16:creationId xmlns:a16="http://schemas.microsoft.com/office/drawing/2014/main" id="{7C37D9A5-7440-CE43-B00B-0A29A9B6FD3A}"/>
-                  </a:ext>
-                </a:extLst>
-              </p:cNvPr>
-              <p:cNvSpPr txBox="1"/>
-              <p:nvPr/>
-            </p:nvSpPr>
-            <p:spPr>
-              <a:xfrm>
-                <a:off x="1316290" y="3616082"/>
-                <a:ext cx="471860" cy="276999"/>
-              </a:xfrm>
-              <a:prstGeom prst="rect">
-                <a:avLst/>
-              </a:prstGeom>
-              <a:noFill/>
-            </p:spPr>
-            <p:txBody>
-              <a:bodyPr wrap="none" lIns="0" tIns="0" rIns="0" bIns="0" rtlCol="0">
-                <a:spAutoFit/>
-              </a:bodyPr>
-              <a:lstStyle/>
-              <a:p>
-                <a14:m>
-                  <m:oMathPara xmlns:m="http://schemas.openxmlformats.org/officeDocument/2006/math">
-                    <m:oMathParaPr>
-                      <m:jc m:val="centerGroup"/>
-                    </m:oMathParaPr>
-                    <m:oMath xmlns:m="http://schemas.openxmlformats.org/officeDocument/2006/math">
-                      <m:r>
-                        <a:rPr lang="en-GB" b="0" i="1" smtClean="0">
-                          <a:latin typeface="Cambria Math" panose="02040503050406030204" pitchFamily="18" charset="0"/>
-                        </a:rPr>
-                        <m:t>𝑥</m:t>
-                      </m:r>
-                      <m:r>
-                        <a:rPr lang="en-GB" b="0" i="1" smtClean="0">
-                          <a:latin typeface="Cambria Math" panose="02040503050406030204" pitchFamily="18" charset="0"/>
-                        </a:rPr>
-                        <m:t>[3]</m:t>
-                      </m:r>
-                    </m:oMath>
-                  </m:oMathPara>
-                </a14:m>
-                <a:endParaRPr lang="en-US" dirty="0"/>
-              </a:p>
-            </p:txBody>
-          </p:sp>
-        </mc:Choice>
-        <mc:Fallback>
-          <p:sp>
-            <p:nvSpPr>
-              <p:cNvPr id="32" name="TextBox 31">
-                <a:extLst>
-                  <a:ext uri="{FF2B5EF4-FFF2-40B4-BE49-F238E27FC236}">
-                    <a16:creationId xmlns:a16="http://schemas.microsoft.com/office/drawing/2014/main" id="{7C37D9A5-7440-CE43-B00B-0A29A9B6FD3A}"/>
-                  </a:ext>
-                </a:extLst>
-              </p:cNvPr>
-              <p:cNvSpPr txBox="1">
-                <a:spLocks noRot="1" noChangeAspect="1" noMove="1" noResize="1" noEditPoints="1" noAdjustHandles="1" noChangeArrowheads="1" noChangeShapeType="1" noTextEdit="1"/>
-              </p:cNvSpPr>
-              <p:nvPr/>
-            </p:nvSpPr>
-            <p:spPr>
-              <a:xfrm>
-                <a:off x="1316290" y="3616082"/>
-                <a:ext cx="471860" cy="276999"/>
-              </a:xfrm>
-              <a:prstGeom prst="rect">
-                <a:avLst/>
-              </a:prstGeom>
-              <a:blipFill>
-                <a:blip r:embed="rId9"/>
-                <a:stretch>
-                  <a:fillRect l="-5263" r="-15789" b="-30435"/>
-                </a:stretch>
-              </a:blipFill>
-            </p:spPr>
-            <p:txBody>
-              <a:bodyPr/>
-              <a:lstStyle/>
-              <a:p>
-                <a:r>
-                  <a:rPr lang="en-US">
-                    <a:noFill/>
-                  </a:rPr>
-                  <a:t> </a:t>
-                </a:r>
-              </a:p>
-            </p:txBody>
-          </p:sp>
-        </mc:Fallback>
-      </mc:AlternateContent>
-      <mc:AlternateContent xmlns:mc="http://schemas.openxmlformats.org/markup-compatibility/2006">
-        <mc:Choice xmlns:a14="http://schemas.microsoft.com/office/drawing/2010/main" Requires="a14">
-          <p:sp>
-            <p:nvSpPr>
-              <p:cNvPr id="33" name="TextBox 32">
-                <a:extLst>
-                  <a:ext uri="{FF2B5EF4-FFF2-40B4-BE49-F238E27FC236}">
-                    <a16:creationId xmlns:a16="http://schemas.microsoft.com/office/drawing/2014/main" id="{A96A959F-30AD-6641-8C90-F19CF3EB458B}"/>
-                  </a:ext>
-                </a:extLst>
-              </p:cNvPr>
-              <p:cNvSpPr txBox="1"/>
-              <p:nvPr/>
-            </p:nvSpPr>
-            <p:spPr>
-              <a:xfrm>
-                <a:off x="7369141" y="789755"/>
-                <a:ext cx="496161" cy="276999"/>
-              </a:xfrm>
-              <a:prstGeom prst="rect">
-                <a:avLst/>
-              </a:prstGeom>
-              <a:noFill/>
-            </p:spPr>
-            <p:txBody>
-              <a:bodyPr wrap="none" lIns="0" tIns="0" rIns="0" bIns="0" rtlCol="0">
-                <a:spAutoFit/>
-              </a:bodyPr>
-              <a:lstStyle/>
-              <a:p>
-                <a14:m>
-                  <m:oMathPara xmlns:m="http://schemas.openxmlformats.org/officeDocument/2006/math">
-                    <m:oMathParaPr>
-                      <m:jc m:val="centerGroup"/>
-                    </m:oMathParaPr>
-                    <m:oMath xmlns:m="http://schemas.openxmlformats.org/officeDocument/2006/math">
-                      <m:r>
-                        <a:rPr lang="en-GB" b="0" i="1" smtClean="0">
-                          <a:latin typeface="Cambria Math" panose="02040503050406030204" pitchFamily="18" charset="0"/>
-                        </a:rPr>
-                        <m:t>𝑋</m:t>
-                      </m:r>
-                      <m:r>
-                        <a:rPr lang="en-GB" b="0" i="1" smtClean="0">
-                          <a:latin typeface="Cambria Math" panose="02040503050406030204" pitchFamily="18" charset="0"/>
-                        </a:rPr>
-                        <m:t>[0]</m:t>
-                      </m:r>
-                    </m:oMath>
-                  </m:oMathPara>
-                </a14:m>
-                <a:endParaRPr lang="en-US" dirty="0"/>
-              </a:p>
-            </p:txBody>
-          </p:sp>
-        </mc:Choice>
-        <mc:Fallback>
-          <p:sp>
-            <p:nvSpPr>
-              <p:cNvPr id="33" name="TextBox 32">
-                <a:extLst>
-                  <a:ext uri="{FF2B5EF4-FFF2-40B4-BE49-F238E27FC236}">
-                    <a16:creationId xmlns:a16="http://schemas.microsoft.com/office/drawing/2014/main" id="{A96A959F-30AD-6641-8C90-F19CF3EB458B}"/>
-                  </a:ext>
-                </a:extLst>
-              </p:cNvPr>
-              <p:cNvSpPr txBox="1">
-                <a:spLocks noRot="1" noChangeAspect="1" noMove="1" noResize="1" noEditPoints="1" noAdjustHandles="1" noChangeArrowheads="1" noChangeShapeType="1" noTextEdit="1"/>
-              </p:cNvSpPr>
-              <p:nvPr/>
-            </p:nvSpPr>
-            <p:spPr>
-              <a:xfrm>
-                <a:off x="7369141" y="789755"/>
-                <a:ext cx="496161" cy="276999"/>
-              </a:xfrm>
-              <a:prstGeom prst="rect">
-                <a:avLst/>
-              </a:prstGeom>
-              <a:blipFill>
-                <a:blip r:embed="rId10"/>
-                <a:stretch>
-                  <a:fillRect l="-7500" r="-15000" b="-34783"/>
-                </a:stretch>
-              </a:blipFill>
-            </p:spPr>
-            <p:txBody>
-              <a:bodyPr/>
-              <a:lstStyle/>
-              <a:p>
-                <a:r>
-                  <a:rPr lang="en-US">
-                    <a:noFill/>
-                  </a:rPr>
-                  <a:t> </a:t>
-                </a:r>
-              </a:p>
-            </p:txBody>
-          </p:sp>
-        </mc:Fallback>
-      </mc:AlternateContent>
-      <mc:AlternateContent xmlns:mc="http://schemas.openxmlformats.org/markup-compatibility/2006">
-        <mc:Choice xmlns:a14="http://schemas.microsoft.com/office/drawing/2010/main" Requires="a14">
-          <p:sp>
-            <p:nvSpPr>
-              <p:cNvPr id="35" name="TextBox 34">
-                <a:extLst>
-                  <a:ext uri="{FF2B5EF4-FFF2-40B4-BE49-F238E27FC236}">
-                    <a16:creationId xmlns:a16="http://schemas.microsoft.com/office/drawing/2014/main" id="{CFF3943F-04F8-1E47-9331-C93D556682F4}"/>
-                  </a:ext>
-                </a:extLst>
-              </p:cNvPr>
-              <p:cNvSpPr txBox="1"/>
-              <p:nvPr/>
-            </p:nvSpPr>
-            <p:spPr>
-              <a:xfrm>
-                <a:off x="7369141" y="1745721"/>
-                <a:ext cx="496161" cy="276999"/>
-              </a:xfrm>
-              <a:prstGeom prst="rect">
-                <a:avLst/>
-              </a:prstGeom>
-              <a:noFill/>
-            </p:spPr>
-            <p:txBody>
-              <a:bodyPr wrap="none" lIns="0" tIns="0" rIns="0" bIns="0" rtlCol="0">
-                <a:spAutoFit/>
-              </a:bodyPr>
-              <a:lstStyle/>
-              <a:p>
-                <a14:m>
-                  <m:oMathPara xmlns:m="http://schemas.openxmlformats.org/officeDocument/2006/math">
-                    <m:oMathParaPr>
-                      <m:jc m:val="centerGroup"/>
-                    </m:oMathParaPr>
-                    <m:oMath xmlns:m="http://schemas.openxmlformats.org/officeDocument/2006/math">
-                      <m:r>
-                        <a:rPr lang="en-GB" b="0" i="1" smtClean="0">
-                          <a:latin typeface="Cambria Math" panose="02040503050406030204" pitchFamily="18" charset="0"/>
-                        </a:rPr>
-                        <m:t>𝑋</m:t>
-                      </m:r>
-                      <m:r>
-                        <a:rPr lang="en-GB" b="0" i="1" smtClean="0">
-                          <a:latin typeface="Cambria Math" panose="02040503050406030204" pitchFamily="18" charset="0"/>
-                        </a:rPr>
-                        <m:t>[2]</m:t>
-                      </m:r>
-                    </m:oMath>
-                  </m:oMathPara>
-                </a14:m>
-                <a:endParaRPr lang="en-US" dirty="0"/>
-              </a:p>
-            </p:txBody>
-          </p:sp>
-        </mc:Choice>
-        <mc:Fallback>
-          <p:sp>
-            <p:nvSpPr>
-              <p:cNvPr id="35" name="TextBox 34">
-                <a:extLst>
-                  <a:ext uri="{FF2B5EF4-FFF2-40B4-BE49-F238E27FC236}">
-                    <a16:creationId xmlns:a16="http://schemas.microsoft.com/office/drawing/2014/main" id="{CFF3943F-04F8-1E47-9331-C93D556682F4}"/>
-                  </a:ext>
-                </a:extLst>
-              </p:cNvPr>
-              <p:cNvSpPr txBox="1">
-                <a:spLocks noRot="1" noChangeAspect="1" noMove="1" noResize="1" noEditPoints="1" noAdjustHandles="1" noChangeArrowheads="1" noChangeShapeType="1" noTextEdit="1"/>
-              </p:cNvSpPr>
-              <p:nvPr/>
-            </p:nvSpPr>
-            <p:spPr>
-              <a:xfrm>
-                <a:off x="7369141" y="1745721"/>
-                <a:ext cx="496161" cy="276999"/>
-              </a:xfrm>
-              <a:prstGeom prst="rect">
-                <a:avLst/>
-              </a:prstGeom>
-              <a:blipFill>
-                <a:blip r:embed="rId11"/>
-                <a:stretch>
-                  <a:fillRect l="-7500" r="-15000" b="-34783"/>
-                </a:stretch>
-              </a:blipFill>
-            </p:spPr>
-            <p:txBody>
-              <a:bodyPr/>
-              <a:lstStyle/>
-              <a:p>
-                <a:r>
-                  <a:rPr lang="en-US">
-                    <a:noFill/>
-                  </a:rPr>
-                  <a:t> </a:t>
-                </a:r>
-              </a:p>
-            </p:txBody>
-          </p:sp>
-        </mc:Fallback>
-      </mc:AlternateContent>
-      <mc:AlternateContent xmlns:mc="http://schemas.openxmlformats.org/markup-compatibility/2006">
-        <mc:Choice xmlns:a14="http://schemas.microsoft.com/office/drawing/2010/main" Requires="a14">
-          <p:sp>
-            <p:nvSpPr>
-              <p:cNvPr id="36" name="TextBox 35">
-                <a:extLst>
-                  <a:ext uri="{FF2B5EF4-FFF2-40B4-BE49-F238E27FC236}">
-                    <a16:creationId xmlns:a16="http://schemas.microsoft.com/office/drawing/2014/main" id="{F1E758C0-6FE4-5646-A9EE-19DDBF3D9C3D}"/>
-                  </a:ext>
-                </a:extLst>
-              </p:cNvPr>
-              <p:cNvSpPr txBox="1"/>
-              <p:nvPr/>
-            </p:nvSpPr>
-            <p:spPr>
-              <a:xfrm>
-                <a:off x="7369141" y="2701687"/>
-                <a:ext cx="496161" cy="276999"/>
-              </a:xfrm>
-              <a:prstGeom prst="rect">
-                <a:avLst/>
-              </a:prstGeom>
-              <a:noFill/>
-            </p:spPr>
-            <p:txBody>
-              <a:bodyPr wrap="none" lIns="0" tIns="0" rIns="0" bIns="0" rtlCol="0">
-                <a:spAutoFit/>
-              </a:bodyPr>
-              <a:lstStyle/>
-              <a:p>
-                <a14:m>
-                  <m:oMathPara xmlns:m="http://schemas.openxmlformats.org/officeDocument/2006/math">
-                    <m:oMathParaPr>
-                      <m:jc m:val="centerGroup"/>
-                    </m:oMathParaPr>
-                    <m:oMath xmlns:m="http://schemas.openxmlformats.org/officeDocument/2006/math">
-                      <m:r>
-                        <a:rPr lang="en-GB" b="0" i="1" smtClean="0">
-                          <a:latin typeface="Cambria Math" panose="02040503050406030204" pitchFamily="18" charset="0"/>
-                        </a:rPr>
-                        <m:t>𝑋</m:t>
-                      </m:r>
-                      <m:r>
-                        <a:rPr lang="en-GB" b="0" i="1" smtClean="0">
-                          <a:latin typeface="Cambria Math" panose="02040503050406030204" pitchFamily="18" charset="0"/>
-                        </a:rPr>
-                        <m:t>[1]</m:t>
-                      </m:r>
-                    </m:oMath>
-                  </m:oMathPara>
-                </a14:m>
-                <a:endParaRPr lang="en-US" dirty="0"/>
-              </a:p>
-            </p:txBody>
-          </p:sp>
-        </mc:Choice>
-        <mc:Fallback>
-          <p:sp>
-            <p:nvSpPr>
-              <p:cNvPr id="36" name="TextBox 35">
-                <a:extLst>
-                  <a:ext uri="{FF2B5EF4-FFF2-40B4-BE49-F238E27FC236}">
-                    <a16:creationId xmlns:a16="http://schemas.microsoft.com/office/drawing/2014/main" id="{F1E758C0-6FE4-5646-A9EE-19DDBF3D9C3D}"/>
-                  </a:ext>
-                </a:extLst>
-              </p:cNvPr>
-              <p:cNvSpPr txBox="1">
-                <a:spLocks noRot="1" noChangeAspect="1" noMove="1" noResize="1" noEditPoints="1" noAdjustHandles="1" noChangeArrowheads="1" noChangeShapeType="1" noTextEdit="1"/>
-              </p:cNvSpPr>
-              <p:nvPr/>
-            </p:nvSpPr>
-            <p:spPr>
-              <a:xfrm>
-                <a:off x="7369141" y="2701687"/>
-                <a:ext cx="496161" cy="276999"/>
-              </a:xfrm>
-              <a:prstGeom prst="rect">
-                <a:avLst/>
-              </a:prstGeom>
-              <a:blipFill>
-                <a:blip r:embed="rId12"/>
-                <a:stretch>
-                  <a:fillRect l="-7500" r="-15000" b="-30435"/>
-                </a:stretch>
-              </a:blipFill>
-            </p:spPr>
-            <p:txBody>
-              <a:bodyPr/>
-              <a:lstStyle/>
-              <a:p>
-                <a:r>
-                  <a:rPr lang="en-US">
-                    <a:noFill/>
-                  </a:rPr>
-                  <a:t> </a:t>
-                </a:r>
-              </a:p>
-            </p:txBody>
-          </p:sp>
-        </mc:Fallback>
-      </mc:AlternateContent>
-      <mc:AlternateContent xmlns:mc="http://schemas.openxmlformats.org/markup-compatibility/2006">
-        <mc:Choice xmlns:a14="http://schemas.microsoft.com/office/drawing/2010/main" Requires="a14">
-          <p:sp>
-            <p:nvSpPr>
-              <p:cNvPr id="37" name="TextBox 36">
-                <a:extLst>
-                  <a:ext uri="{FF2B5EF4-FFF2-40B4-BE49-F238E27FC236}">
-                    <a16:creationId xmlns:a16="http://schemas.microsoft.com/office/drawing/2014/main" id="{1E93D00B-EB98-A749-9FFA-2942756951FA}"/>
-                  </a:ext>
-                </a:extLst>
-              </p:cNvPr>
-              <p:cNvSpPr txBox="1"/>
-              <p:nvPr/>
-            </p:nvSpPr>
-            <p:spPr>
-              <a:xfrm>
-                <a:off x="7369141" y="3657653"/>
-                <a:ext cx="496161" cy="276999"/>
-              </a:xfrm>
-              <a:prstGeom prst="rect">
-                <a:avLst/>
-              </a:prstGeom>
-              <a:noFill/>
-            </p:spPr>
-            <p:txBody>
-              <a:bodyPr wrap="none" lIns="0" tIns="0" rIns="0" bIns="0" rtlCol="0">
-                <a:spAutoFit/>
-              </a:bodyPr>
-              <a:lstStyle/>
-              <a:p>
-                <a14:m>
-                  <m:oMathPara xmlns:m="http://schemas.openxmlformats.org/officeDocument/2006/math">
-                    <m:oMathParaPr>
-                      <m:jc m:val="centerGroup"/>
-                    </m:oMathParaPr>
-                    <m:oMath xmlns:m="http://schemas.openxmlformats.org/officeDocument/2006/math">
-                      <m:r>
-                        <a:rPr lang="en-GB" b="0" i="1" smtClean="0">
-                          <a:latin typeface="Cambria Math" panose="02040503050406030204" pitchFamily="18" charset="0"/>
-                        </a:rPr>
-                        <m:t>𝑋</m:t>
-                      </m:r>
-                      <m:r>
-                        <a:rPr lang="en-GB" b="0" i="1" smtClean="0">
-                          <a:latin typeface="Cambria Math" panose="02040503050406030204" pitchFamily="18" charset="0"/>
-                        </a:rPr>
-                        <m:t>[3]</m:t>
-                      </m:r>
-                    </m:oMath>
-                  </m:oMathPara>
-                </a14:m>
-                <a:endParaRPr lang="en-US" dirty="0"/>
-              </a:p>
-            </p:txBody>
-          </p:sp>
-        </mc:Choice>
-        <mc:Fallback>
-          <p:sp>
-            <p:nvSpPr>
-              <p:cNvPr id="37" name="TextBox 36">
-                <a:extLst>
-                  <a:ext uri="{FF2B5EF4-FFF2-40B4-BE49-F238E27FC236}">
-                    <a16:creationId xmlns:a16="http://schemas.microsoft.com/office/drawing/2014/main" id="{1E93D00B-EB98-A749-9FFA-2942756951FA}"/>
-                  </a:ext>
-                </a:extLst>
-              </p:cNvPr>
-              <p:cNvSpPr txBox="1">
-                <a:spLocks noRot="1" noChangeAspect="1" noMove="1" noResize="1" noEditPoints="1" noAdjustHandles="1" noChangeArrowheads="1" noChangeShapeType="1" noTextEdit="1"/>
-              </p:cNvSpPr>
-              <p:nvPr/>
-            </p:nvSpPr>
-            <p:spPr>
-              <a:xfrm>
-                <a:off x="7369141" y="3657653"/>
-                <a:ext cx="496161" cy="276999"/>
-              </a:xfrm>
-              <a:prstGeom prst="rect">
-                <a:avLst/>
-              </a:prstGeom>
-              <a:blipFill>
-                <a:blip r:embed="rId13"/>
-                <a:stretch>
-                  <a:fillRect l="-7500" t="-4545" r="-15000" b="-31818"/>
-                </a:stretch>
-              </a:blipFill>
-            </p:spPr>
-            <p:txBody>
-              <a:bodyPr/>
-              <a:lstStyle/>
-              <a:p>
-                <a:r>
-                  <a:rPr lang="en-US">
-                    <a:noFill/>
-                  </a:rPr>
-                  <a:t> </a:t>
-                </a:r>
-              </a:p>
-            </p:txBody>
-          </p:sp>
-        </mc:Fallback>
-      </mc:AlternateContent>
-      <mc:AlternateContent xmlns:mc="http://schemas.openxmlformats.org/markup-compatibility/2006">
-        <mc:Choice xmlns:a14="http://schemas.microsoft.com/office/drawing/2010/main" Requires="a14">
-          <p:sp>
-            <p:nvSpPr>
-              <p:cNvPr id="38" name="TextBox 37">
-                <a:extLst>
-                  <a:ext uri="{FF2B5EF4-FFF2-40B4-BE49-F238E27FC236}">
-                    <a16:creationId xmlns:a16="http://schemas.microsoft.com/office/drawing/2014/main" id="{C79E2187-93EB-FE4B-9230-3FF31027B6C7}"/>
-                  </a:ext>
-                </a:extLst>
-              </p:cNvPr>
-              <p:cNvSpPr txBox="1"/>
-              <p:nvPr/>
-            </p:nvSpPr>
-            <p:spPr>
-              <a:xfrm>
-                <a:off x="5484924" y="541448"/>
-                <a:ext cx="582403" cy="276999"/>
-              </a:xfrm>
-              <a:prstGeom prst="rect">
-                <a:avLst/>
-              </a:prstGeom>
-              <a:noFill/>
-            </p:spPr>
-            <p:txBody>
-              <a:bodyPr wrap="none" lIns="0" tIns="0" rIns="0" bIns="0" rtlCol="0">
-                <a:spAutoFit/>
-              </a:bodyPr>
-              <a:lstStyle/>
-              <a:p>
-                <a14:m>
-                  <m:oMathPara xmlns:m="http://schemas.openxmlformats.org/officeDocument/2006/math">
-                    <m:oMathParaPr>
-                      <m:jc m:val="centerGroup"/>
-                    </m:oMathParaPr>
-                    <m:oMath xmlns:m="http://schemas.openxmlformats.org/officeDocument/2006/math">
-                      <m:sSub>
-                        <m:sSubPr>
-                          <m:ctrlPr>
-                            <a:rPr lang="en-GB" b="0" i="1" smtClean="0">
-                              <a:latin typeface="Cambria Math" panose="02040503050406030204" pitchFamily="18" charset="0"/>
-                            </a:rPr>
-                          </m:ctrlPr>
-                        </m:sSubPr>
-                        <m:e>
-                          <m:r>
-                            <a:rPr lang="en-GB" b="0" i="1" smtClean="0">
-                              <a:latin typeface="Cambria Math" panose="02040503050406030204" pitchFamily="18" charset="0"/>
-                            </a:rPr>
-                            <m:t>𝑋</m:t>
-                          </m:r>
-                        </m:e>
-                        <m:sub>
-                          <m:r>
-                            <a:rPr lang="en-GB" b="0" i="1" smtClean="0">
-                              <a:latin typeface="Cambria Math" panose="02040503050406030204" pitchFamily="18" charset="0"/>
-                            </a:rPr>
-                            <m:t>1</m:t>
-                          </m:r>
-                        </m:sub>
-                      </m:sSub>
-                      <m:r>
-                        <a:rPr lang="en-GB" b="0" i="1" smtClean="0">
-                          <a:latin typeface="Cambria Math" panose="02040503050406030204" pitchFamily="18" charset="0"/>
-                        </a:rPr>
-                        <m:t>[0]</m:t>
-                      </m:r>
-                    </m:oMath>
-                  </m:oMathPara>
-                </a14:m>
-                <a:endParaRPr lang="en-US" dirty="0"/>
-              </a:p>
-            </p:txBody>
-          </p:sp>
-        </mc:Choice>
-        <mc:Fallback>
-          <p:sp>
-            <p:nvSpPr>
-              <p:cNvPr id="38" name="TextBox 37">
-                <a:extLst>
-                  <a:ext uri="{FF2B5EF4-FFF2-40B4-BE49-F238E27FC236}">
-                    <a16:creationId xmlns:a16="http://schemas.microsoft.com/office/drawing/2014/main" id="{C79E2187-93EB-FE4B-9230-3FF31027B6C7}"/>
-                  </a:ext>
-                </a:extLst>
-              </p:cNvPr>
-              <p:cNvSpPr txBox="1">
-                <a:spLocks noRot="1" noChangeAspect="1" noMove="1" noResize="1" noEditPoints="1" noAdjustHandles="1" noChangeArrowheads="1" noChangeShapeType="1" noTextEdit="1"/>
-              </p:cNvSpPr>
-              <p:nvPr/>
-            </p:nvSpPr>
-            <p:spPr>
-              <a:xfrm>
-                <a:off x="5484924" y="541448"/>
-                <a:ext cx="582403" cy="276999"/>
-              </a:xfrm>
-              <a:prstGeom prst="rect">
-                <a:avLst/>
-              </a:prstGeom>
-              <a:blipFill>
-                <a:blip r:embed="rId14"/>
-                <a:stretch>
-                  <a:fillRect l="-10870" r="-13043" b="-36364"/>
-                </a:stretch>
-              </a:blipFill>
-            </p:spPr>
-            <p:txBody>
-              <a:bodyPr/>
-              <a:lstStyle/>
-              <a:p>
-                <a:r>
-                  <a:rPr lang="en-US">
-                    <a:noFill/>
-                  </a:rPr>
-                  <a:t> </a:t>
-                </a:r>
-              </a:p>
-            </p:txBody>
-          </p:sp>
-        </mc:Fallback>
-      </mc:AlternateContent>
-      <mc:AlternateContent xmlns:mc="http://schemas.openxmlformats.org/markup-compatibility/2006">
-        <mc:Choice xmlns:a14="http://schemas.microsoft.com/office/drawing/2010/main" Requires="a14">
-          <p:sp>
-            <p:nvSpPr>
-              <p:cNvPr id="39" name="TextBox 38">
-                <a:extLst>
-                  <a:ext uri="{FF2B5EF4-FFF2-40B4-BE49-F238E27FC236}">
-                    <a16:creationId xmlns:a16="http://schemas.microsoft.com/office/drawing/2014/main" id="{9AE97AC1-10A8-0747-A73A-27B2418D6484}"/>
-                  </a:ext>
-                </a:extLst>
-              </p:cNvPr>
-              <p:cNvSpPr txBox="1"/>
-              <p:nvPr/>
-            </p:nvSpPr>
-            <p:spPr>
-              <a:xfrm>
-                <a:off x="5457214" y="1965475"/>
-                <a:ext cx="582404" cy="276999"/>
-              </a:xfrm>
-              <a:prstGeom prst="rect">
-                <a:avLst/>
-              </a:prstGeom>
-              <a:noFill/>
-            </p:spPr>
-            <p:txBody>
-              <a:bodyPr wrap="none" lIns="0" tIns="0" rIns="0" bIns="0" rtlCol="0">
-                <a:spAutoFit/>
-              </a:bodyPr>
-              <a:lstStyle/>
-              <a:p>
-                <a14:m>
-                  <m:oMathPara xmlns:m="http://schemas.openxmlformats.org/officeDocument/2006/math">
-                    <m:oMathParaPr>
-                      <m:jc m:val="centerGroup"/>
-                    </m:oMathParaPr>
-                    <m:oMath xmlns:m="http://schemas.openxmlformats.org/officeDocument/2006/math">
-                      <m:sSub>
-                        <m:sSubPr>
-                          <m:ctrlPr>
-                            <a:rPr lang="en-GB" b="0" i="1" smtClean="0">
-                              <a:latin typeface="Cambria Math" panose="02040503050406030204" pitchFamily="18" charset="0"/>
-                            </a:rPr>
-                          </m:ctrlPr>
-                        </m:sSubPr>
-                        <m:e>
-                          <m:r>
-                            <a:rPr lang="en-GB" b="0" i="1" smtClean="0">
-                              <a:latin typeface="Cambria Math" panose="02040503050406030204" pitchFamily="18" charset="0"/>
-                            </a:rPr>
-                            <m:t>𝑋</m:t>
-                          </m:r>
-                        </m:e>
-                        <m:sub>
-                          <m:r>
-                            <a:rPr lang="en-GB" b="0" i="1" smtClean="0">
-                              <a:latin typeface="Cambria Math" panose="02040503050406030204" pitchFamily="18" charset="0"/>
-                            </a:rPr>
-                            <m:t>1</m:t>
-                          </m:r>
-                        </m:sub>
-                      </m:sSub>
-                      <m:r>
-                        <a:rPr lang="en-GB" b="0" i="1" smtClean="0">
-                          <a:latin typeface="Cambria Math" panose="02040503050406030204" pitchFamily="18" charset="0"/>
-                        </a:rPr>
-                        <m:t>[1]</m:t>
-                      </m:r>
-                    </m:oMath>
-                  </m:oMathPara>
-                </a14:m>
-                <a:endParaRPr lang="en-US" dirty="0"/>
-              </a:p>
-            </p:txBody>
-          </p:sp>
-        </mc:Choice>
-        <mc:Fallback>
-          <p:sp>
-            <p:nvSpPr>
-              <p:cNvPr id="39" name="TextBox 38">
-                <a:extLst>
-                  <a:ext uri="{FF2B5EF4-FFF2-40B4-BE49-F238E27FC236}">
-                    <a16:creationId xmlns:a16="http://schemas.microsoft.com/office/drawing/2014/main" id="{9AE97AC1-10A8-0747-A73A-27B2418D6484}"/>
-                  </a:ext>
-                </a:extLst>
-              </p:cNvPr>
-              <p:cNvSpPr txBox="1">
-                <a:spLocks noRot="1" noChangeAspect="1" noMove="1" noResize="1" noEditPoints="1" noAdjustHandles="1" noChangeArrowheads="1" noChangeShapeType="1" noTextEdit="1"/>
-              </p:cNvSpPr>
-              <p:nvPr/>
-            </p:nvSpPr>
-            <p:spPr>
-              <a:xfrm>
-                <a:off x="5457214" y="1965475"/>
-                <a:ext cx="582404" cy="276999"/>
-              </a:xfrm>
-              <a:prstGeom prst="rect">
-                <a:avLst/>
-              </a:prstGeom>
-              <a:blipFill>
-                <a:blip r:embed="rId15"/>
-                <a:stretch>
-                  <a:fillRect l="-8511" r="-10638" b="-30435"/>
-                </a:stretch>
-              </a:blipFill>
-            </p:spPr>
-            <p:txBody>
-              <a:bodyPr/>
-              <a:lstStyle/>
-              <a:p>
-                <a:r>
-                  <a:rPr lang="en-US">
-                    <a:noFill/>
-                  </a:rPr>
-                  <a:t> </a:t>
-                </a:r>
-              </a:p>
-            </p:txBody>
-          </p:sp>
-        </mc:Fallback>
-      </mc:AlternateContent>
-      <mc:AlternateContent xmlns:mc="http://schemas.openxmlformats.org/markup-compatibility/2006">
-        <mc:Choice xmlns:a14="http://schemas.microsoft.com/office/drawing/2010/main" Requires="a14">
-          <p:sp>
-            <p:nvSpPr>
-              <p:cNvPr id="40" name="TextBox 39">
-                <a:extLst>
-                  <a:ext uri="{FF2B5EF4-FFF2-40B4-BE49-F238E27FC236}">
-                    <a16:creationId xmlns:a16="http://schemas.microsoft.com/office/drawing/2014/main" id="{B2F05612-BFAB-2345-A31B-F9054E74A048}"/>
-                  </a:ext>
-                </a:extLst>
-              </p:cNvPr>
-              <p:cNvSpPr txBox="1"/>
-              <p:nvPr/>
-            </p:nvSpPr>
-            <p:spPr>
-              <a:xfrm>
-                <a:off x="5484924" y="2461641"/>
-                <a:ext cx="582404" cy="276999"/>
-              </a:xfrm>
-              <a:prstGeom prst="rect">
-                <a:avLst/>
-              </a:prstGeom>
-              <a:noFill/>
-            </p:spPr>
-            <p:txBody>
-              <a:bodyPr wrap="none" lIns="0" tIns="0" rIns="0" bIns="0" rtlCol="0">
-                <a:spAutoFit/>
-              </a:bodyPr>
-              <a:lstStyle/>
-              <a:p>
-                <a14:m>
-                  <m:oMathPara xmlns:m="http://schemas.openxmlformats.org/officeDocument/2006/math">
-                    <m:oMathParaPr>
-                      <m:jc m:val="centerGroup"/>
-                    </m:oMathParaPr>
-                    <m:oMath xmlns:m="http://schemas.openxmlformats.org/officeDocument/2006/math">
-                      <m:sSub>
-                        <m:sSubPr>
-                          <m:ctrlPr>
-                            <a:rPr lang="en-GB" b="0" i="1" smtClean="0">
-                              <a:latin typeface="Cambria Math" panose="02040503050406030204" pitchFamily="18" charset="0"/>
-                            </a:rPr>
-                          </m:ctrlPr>
-                        </m:sSubPr>
-                        <m:e>
-                          <m:r>
-                            <a:rPr lang="en-GB" b="0" i="1" smtClean="0">
-                              <a:latin typeface="Cambria Math" panose="02040503050406030204" pitchFamily="18" charset="0"/>
-                            </a:rPr>
-                            <m:t>𝑋</m:t>
-                          </m:r>
-                        </m:e>
-                        <m:sub>
-                          <m:r>
-                            <a:rPr lang="en-GB" b="0" i="1" smtClean="0">
-                              <a:latin typeface="Cambria Math" panose="02040503050406030204" pitchFamily="18" charset="0"/>
-                            </a:rPr>
-                            <m:t>2</m:t>
-                          </m:r>
-                        </m:sub>
-                      </m:sSub>
-                      <m:r>
-                        <a:rPr lang="en-GB" b="0" i="1" smtClean="0">
-                          <a:latin typeface="Cambria Math" panose="02040503050406030204" pitchFamily="18" charset="0"/>
-                        </a:rPr>
-                        <m:t>[0]</m:t>
-                      </m:r>
-                    </m:oMath>
-                  </m:oMathPara>
-                </a14:m>
-                <a:endParaRPr lang="en-US" dirty="0"/>
-              </a:p>
-            </p:txBody>
-          </p:sp>
-        </mc:Choice>
-        <mc:Fallback>
-          <p:sp>
-            <p:nvSpPr>
-              <p:cNvPr id="40" name="TextBox 39">
-                <a:extLst>
-                  <a:ext uri="{FF2B5EF4-FFF2-40B4-BE49-F238E27FC236}">
-                    <a16:creationId xmlns:a16="http://schemas.microsoft.com/office/drawing/2014/main" id="{B2F05612-BFAB-2345-A31B-F9054E74A048}"/>
-                  </a:ext>
-                </a:extLst>
-              </p:cNvPr>
-              <p:cNvSpPr txBox="1">
-                <a:spLocks noRot="1" noChangeAspect="1" noMove="1" noResize="1" noEditPoints="1" noAdjustHandles="1" noChangeArrowheads="1" noChangeShapeType="1" noTextEdit="1"/>
-              </p:cNvSpPr>
-              <p:nvPr/>
-            </p:nvSpPr>
-            <p:spPr>
-              <a:xfrm>
-                <a:off x="5484924" y="2461641"/>
-                <a:ext cx="582404" cy="276999"/>
-              </a:xfrm>
-              <a:prstGeom prst="rect">
-                <a:avLst/>
-              </a:prstGeom>
-              <a:blipFill>
-                <a:blip r:embed="rId16"/>
-                <a:stretch>
-                  <a:fillRect l="-10870" r="-13043" b="-30435"/>
-                </a:stretch>
-              </a:blipFill>
-            </p:spPr>
-            <p:txBody>
-              <a:bodyPr/>
-              <a:lstStyle/>
-              <a:p>
-                <a:r>
-                  <a:rPr lang="en-US">
-                    <a:noFill/>
-                  </a:rPr>
-                  <a:t> </a:t>
-                </a:r>
-              </a:p>
-            </p:txBody>
-          </p:sp>
-        </mc:Fallback>
-      </mc:AlternateContent>
-      <mc:AlternateContent xmlns:mc="http://schemas.openxmlformats.org/markup-compatibility/2006">
-        <mc:Choice xmlns:a14="http://schemas.microsoft.com/office/drawing/2010/main" Requires="a14">
-          <p:sp>
-            <p:nvSpPr>
-              <p:cNvPr id="41" name="TextBox 40">
-                <a:extLst>
-                  <a:ext uri="{FF2B5EF4-FFF2-40B4-BE49-F238E27FC236}">
-                    <a16:creationId xmlns:a16="http://schemas.microsoft.com/office/drawing/2014/main" id="{32E52638-7BD9-6E49-A126-701F9ADD3964}"/>
-                  </a:ext>
-                </a:extLst>
-              </p:cNvPr>
-              <p:cNvSpPr txBox="1"/>
-              <p:nvPr/>
-            </p:nvSpPr>
-            <p:spPr>
-              <a:xfrm>
-                <a:off x="5484924" y="3791680"/>
-                <a:ext cx="582404" cy="276999"/>
-              </a:xfrm>
-              <a:prstGeom prst="rect">
-                <a:avLst/>
-              </a:prstGeom>
-              <a:noFill/>
-            </p:spPr>
-            <p:txBody>
-              <a:bodyPr wrap="none" lIns="0" tIns="0" rIns="0" bIns="0" rtlCol="0">
-                <a:spAutoFit/>
-              </a:bodyPr>
-              <a:lstStyle/>
-              <a:p>
-                <a14:m>
-                  <m:oMathPara xmlns:m="http://schemas.openxmlformats.org/officeDocument/2006/math">
-                    <m:oMathParaPr>
-                      <m:jc m:val="centerGroup"/>
-                    </m:oMathParaPr>
-                    <m:oMath xmlns:m="http://schemas.openxmlformats.org/officeDocument/2006/math">
-                      <m:sSub>
-                        <m:sSubPr>
-                          <m:ctrlPr>
-                            <a:rPr lang="en-GB" b="0" i="1" smtClean="0">
-                              <a:latin typeface="Cambria Math" panose="02040503050406030204" pitchFamily="18" charset="0"/>
-                            </a:rPr>
-                          </m:ctrlPr>
-                        </m:sSubPr>
-                        <m:e>
-                          <m:r>
-                            <a:rPr lang="en-GB" b="0" i="1" smtClean="0">
-                              <a:latin typeface="Cambria Math" panose="02040503050406030204" pitchFamily="18" charset="0"/>
-                            </a:rPr>
-                            <m:t>𝑋</m:t>
-                          </m:r>
-                        </m:e>
-                        <m:sub>
-                          <m:r>
-                            <a:rPr lang="en-GB" b="0" i="1" smtClean="0">
-                              <a:latin typeface="Cambria Math" panose="02040503050406030204" pitchFamily="18" charset="0"/>
-                            </a:rPr>
-                            <m:t>2</m:t>
-                          </m:r>
-                        </m:sub>
-                      </m:sSub>
-                      <m:r>
-                        <a:rPr lang="en-GB" b="0" i="1" smtClean="0">
-                          <a:latin typeface="Cambria Math" panose="02040503050406030204" pitchFamily="18" charset="0"/>
-                        </a:rPr>
-                        <m:t>[1]</m:t>
-                      </m:r>
-                    </m:oMath>
-                  </m:oMathPara>
-                </a14:m>
-                <a:endParaRPr lang="en-US" dirty="0"/>
-              </a:p>
-            </p:txBody>
-          </p:sp>
-        </mc:Choice>
-        <mc:Fallback>
-          <p:sp>
-            <p:nvSpPr>
-              <p:cNvPr id="41" name="TextBox 40">
-                <a:extLst>
-                  <a:ext uri="{FF2B5EF4-FFF2-40B4-BE49-F238E27FC236}">
-                    <a16:creationId xmlns:a16="http://schemas.microsoft.com/office/drawing/2014/main" id="{32E52638-7BD9-6E49-A126-701F9ADD3964}"/>
-                  </a:ext>
-                </a:extLst>
-              </p:cNvPr>
-              <p:cNvSpPr txBox="1">
-                <a:spLocks noRot="1" noChangeAspect="1" noMove="1" noResize="1" noEditPoints="1" noAdjustHandles="1" noChangeArrowheads="1" noChangeShapeType="1" noTextEdit="1"/>
-              </p:cNvSpPr>
-              <p:nvPr/>
-            </p:nvSpPr>
-            <p:spPr>
-              <a:xfrm>
-                <a:off x="5484924" y="3791680"/>
-                <a:ext cx="582404" cy="276999"/>
-              </a:xfrm>
-              <a:prstGeom prst="rect">
-                <a:avLst/>
-              </a:prstGeom>
-              <a:blipFill>
-                <a:blip r:embed="rId17"/>
-                <a:stretch>
-                  <a:fillRect l="-10870" r="-13043" b="-36364"/>
-                </a:stretch>
-              </a:blipFill>
-            </p:spPr>
-            <p:txBody>
-              <a:bodyPr/>
-              <a:lstStyle/>
-              <a:p>
-                <a:r>
-                  <a:rPr lang="en-US">
-                    <a:noFill/>
-                  </a:rPr>
-                  <a:t> </a:t>
-                </a:r>
-              </a:p>
-            </p:txBody>
-          </p:sp>
-        </mc:Fallback>
-      </mc:AlternateContent>
-      <mc:AlternateContent xmlns:mc="http://schemas.openxmlformats.org/markup-compatibility/2006">
-        <mc:Choice xmlns:a14="http://schemas.microsoft.com/office/drawing/2010/main" Requires="a14">
-          <p:sp>
-            <p:nvSpPr>
-              <p:cNvPr id="42" name="TextBox 41">
-                <a:extLst>
-                  <a:ext uri="{FF2B5EF4-FFF2-40B4-BE49-F238E27FC236}">
-                    <a16:creationId xmlns:a16="http://schemas.microsoft.com/office/drawing/2014/main" id="{C0AE1015-3300-8F49-BC0E-BE214E65962C}"/>
-                  </a:ext>
-                </a:extLst>
-              </p:cNvPr>
-              <p:cNvSpPr txBox="1"/>
-              <p:nvPr/>
-            </p:nvSpPr>
-            <p:spPr>
-              <a:xfrm>
-                <a:off x="3042337" y="3429000"/>
-                <a:ext cx="354264" cy="276999"/>
-              </a:xfrm>
-              <a:prstGeom prst="rect">
-                <a:avLst/>
-              </a:prstGeom>
-              <a:noFill/>
-            </p:spPr>
-            <p:txBody>
-              <a:bodyPr wrap="none" lIns="0" tIns="0" rIns="0" bIns="0" rtlCol="0">
-                <a:spAutoFit/>
-              </a:bodyPr>
-              <a:lstStyle/>
-              <a:p>
-                <a14:m>
-                  <m:oMathPara xmlns:m="http://schemas.openxmlformats.org/officeDocument/2006/math">
-                    <m:oMathParaPr>
-                      <m:jc m:val="centerGroup"/>
-                    </m:oMathParaPr>
-                    <m:oMath xmlns:m="http://schemas.openxmlformats.org/officeDocument/2006/math">
-                      <m:r>
-                        <a:rPr lang="en-GB" b="0" i="1" smtClean="0">
-                          <a:latin typeface="Cambria Math" panose="02040503050406030204" pitchFamily="18" charset="0"/>
-                        </a:rPr>
-                        <m:t>−1</m:t>
-                      </m:r>
-                    </m:oMath>
-                  </m:oMathPara>
-                </a14:m>
-                <a:endParaRPr lang="en-US" dirty="0"/>
-              </a:p>
-            </p:txBody>
-          </p:sp>
-        </mc:Choice>
-        <mc:Fallback>
-          <p:sp>
-            <p:nvSpPr>
-              <p:cNvPr id="42" name="TextBox 41">
-                <a:extLst>
-                  <a:ext uri="{FF2B5EF4-FFF2-40B4-BE49-F238E27FC236}">
-                    <a16:creationId xmlns:a16="http://schemas.microsoft.com/office/drawing/2014/main" id="{C0AE1015-3300-8F49-BC0E-BE214E65962C}"/>
-                  </a:ext>
-                </a:extLst>
-              </p:cNvPr>
-              <p:cNvSpPr txBox="1">
-                <a:spLocks noRot="1" noChangeAspect="1" noMove="1" noResize="1" noEditPoints="1" noAdjustHandles="1" noChangeArrowheads="1" noChangeShapeType="1" noTextEdit="1"/>
-              </p:cNvSpPr>
-              <p:nvPr/>
-            </p:nvSpPr>
-            <p:spPr>
-              <a:xfrm>
-                <a:off x="3042337" y="3429000"/>
-                <a:ext cx="354264" cy="276999"/>
-              </a:xfrm>
-              <a:prstGeom prst="rect">
-                <a:avLst/>
-              </a:prstGeom>
-              <a:blipFill>
-                <a:blip r:embed="rId18"/>
-                <a:stretch>
-                  <a:fillRect l="-7407" r="-14815" b="-4348"/>
-                </a:stretch>
-              </a:blipFill>
-            </p:spPr>
-            <p:txBody>
-              <a:bodyPr/>
-              <a:lstStyle/>
-              <a:p>
-                <a:r>
-                  <a:rPr lang="en-US">
-                    <a:noFill/>
-                  </a:rPr>
-                  <a:t> </a:t>
-                </a:r>
-              </a:p>
-            </p:txBody>
-          </p:sp>
-        </mc:Fallback>
-      </mc:AlternateContent>
-      <mc:AlternateContent xmlns:mc="http://schemas.openxmlformats.org/markup-compatibility/2006">
-        <mc:Choice xmlns:a14="http://schemas.microsoft.com/office/drawing/2010/main" Requires="a14">
-          <p:sp>
-            <p:nvSpPr>
-              <p:cNvPr id="43" name="TextBox 42">
-                <a:extLst>
-                  <a:ext uri="{FF2B5EF4-FFF2-40B4-BE49-F238E27FC236}">
-                    <a16:creationId xmlns:a16="http://schemas.microsoft.com/office/drawing/2014/main" id="{85B4F103-3879-9449-9DE9-6BB30CD3680F}"/>
-                  </a:ext>
-                </a:extLst>
-              </p:cNvPr>
-              <p:cNvSpPr txBox="1"/>
-              <p:nvPr/>
-            </p:nvSpPr>
-            <p:spPr>
-              <a:xfrm>
-                <a:off x="3072285" y="2533507"/>
-                <a:ext cx="354264" cy="276999"/>
-              </a:xfrm>
-              <a:prstGeom prst="rect">
-                <a:avLst/>
-              </a:prstGeom>
-              <a:noFill/>
-            </p:spPr>
-            <p:txBody>
-              <a:bodyPr wrap="none" lIns="0" tIns="0" rIns="0" bIns="0" rtlCol="0">
-                <a:spAutoFit/>
-              </a:bodyPr>
-              <a:lstStyle/>
-              <a:p>
-                <a14:m>
-                  <m:oMathPara xmlns:m="http://schemas.openxmlformats.org/officeDocument/2006/math">
-                    <m:oMathParaPr>
-                      <m:jc m:val="centerGroup"/>
-                    </m:oMathParaPr>
-                    <m:oMath xmlns:m="http://schemas.openxmlformats.org/officeDocument/2006/math">
-                      <m:r>
-                        <a:rPr lang="en-GB" b="0" i="1" smtClean="0">
-                          <a:latin typeface="Cambria Math" panose="02040503050406030204" pitchFamily="18" charset="0"/>
-                        </a:rPr>
-                        <m:t>−1</m:t>
-                      </m:r>
-                    </m:oMath>
-                  </m:oMathPara>
-                </a14:m>
-                <a:endParaRPr lang="en-US" dirty="0"/>
-              </a:p>
-            </p:txBody>
-          </p:sp>
-        </mc:Choice>
-        <mc:Fallback>
-          <p:sp>
-            <p:nvSpPr>
-              <p:cNvPr id="43" name="TextBox 42">
-                <a:extLst>
-                  <a:ext uri="{FF2B5EF4-FFF2-40B4-BE49-F238E27FC236}">
-                    <a16:creationId xmlns:a16="http://schemas.microsoft.com/office/drawing/2014/main" id="{85B4F103-3879-9449-9DE9-6BB30CD3680F}"/>
-                  </a:ext>
-                </a:extLst>
-              </p:cNvPr>
-              <p:cNvSpPr txBox="1">
-                <a:spLocks noRot="1" noChangeAspect="1" noMove="1" noResize="1" noEditPoints="1" noAdjustHandles="1" noChangeArrowheads="1" noChangeShapeType="1" noTextEdit="1"/>
-              </p:cNvSpPr>
-              <p:nvPr/>
-            </p:nvSpPr>
-            <p:spPr>
-              <a:xfrm>
-                <a:off x="3072285" y="2533507"/>
-                <a:ext cx="354264" cy="276999"/>
-              </a:xfrm>
-              <a:prstGeom prst="rect">
-                <a:avLst/>
-              </a:prstGeom>
-              <a:blipFill>
-                <a:blip r:embed="rId19"/>
-                <a:stretch>
-                  <a:fillRect l="-3448" r="-10345" b="-4348"/>
-                </a:stretch>
-              </a:blipFill>
-            </p:spPr>
-            <p:txBody>
-              <a:bodyPr/>
-              <a:lstStyle/>
-              <a:p>
-                <a:r>
-                  <a:rPr lang="en-US">
-                    <a:noFill/>
-                  </a:rPr>
-                  <a:t> </a:t>
-                </a:r>
-              </a:p>
-            </p:txBody>
-          </p:sp>
-        </mc:Fallback>
-      </mc:AlternateContent>
-      <p:cxnSp>
-        <p:nvCxnSpPr>
-          <p:cNvPr id="45" name="Straight Connector 44">
-            <a:extLst>
-              <a:ext uri="{FF2B5EF4-FFF2-40B4-BE49-F238E27FC236}">
-                <a16:creationId xmlns:a16="http://schemas.microsoft.com/office/drawing/2014/main" id="{0557391B-AF46-DF4D-B6BD-9926AA9F16D4}"/>
-              </a:ext>
-            </a:extLst>
-          </p:cNvPr>
-          <p:cNvCxnSpPr/>
-          <p:nvPr/>
-        </p:nvCxnSpPr>
-        <p:spPr>
-          <a:xfrm>
-            <a:off x="1898073" y="928254"/>
-            <a:ext cx="1787236" cy="1882252"/>
-          </a:xfrm>
-          <a:prstGeom prst="line">
-            <a:avLst/>
-          </a:prstGeom>
-          <a:ln w="19050"/>
-        </p:spPr>
-        <p:style>
-          <a:lnRef idx="1">
-            <a:schemeClr val="accent1"/>
-          </a:lnRef>
-          <a:fillRef idx="0">
-            <a:schemeClr val="accent1"/>
-          </a:fillRef>
-          <a:effectRef idx="0">
-            <a:schemeClr val="accent1"/>
-          </a:effectRef>
-          <a:fontRef idx="minor">
-            <a:schemeClr val="tx1"/>
-          </a:fontRef>
-        </p:style>
-      </p:cxnSp>
-      <p:cxnSp>
-        <p:nvCxnSpPr>
-          <p:cNvPr id="46" name="Straight Connector 45">
-            <a:extLst>
-              <a:ext uri="{FF2B5EF4-FFF2-40B4-BE49-F238E27FC236}">
-                <a16:creationId xmlns:a16="http://schemas.microsoft.com/office/drawing/2014/main" id="{E0B4D4E0-CFCB-294C-8964-C1AA6705AB76}"/>
-              </a:ext>
-            </a:extLst>
-          </p:cNvPr>
-          <p:cNvCxnSpPr/>
-          <p:nvPr/>
-        </p:nvCxnSpPr>
-        <p:spPr>
-          <a:xfrm>
-            <a:off x="1885694" y="1851502"/>
-            <a:ext cx="1787236" cy="1882252"/>
-          </a:xfrm>
-          <a:prstGeom prst="line">
-            <a:avLst/>
-          </a:prstGeom>
-          <a:ln w="19050"/>
-        </p:spPr>
-        <p:style>
-          <a:lnRef idx="1">
-            <a:schemeClr val="accent1"/>
-          </a:lnRef>
-          <a:fillRef idx="0">
-            <a:schemeClr val="accent1"/>
-          </a:fillRef>
-          <a:effectRef idx="0">
-            <a:schemeClr val="accent1"/>
-          </a:effectRef>
-          <a:fontRef idx="minor">
-            <a:schemeClr val="tx1"/>
-          </a:fontRef>
-        </p:style>
-      </p:cxnSp>
-      <p:cxnSp>
-        <p:nvCxnSpPr>
-          <p:cNvPr id="48" name="Straight Connector 47">
-            <a:extLst>
-              <a:ext uri="{FF2B5EF4-FFF2-40B4-BE49-F238E27FC236}">
-                <a16:creationId xmlns:a16="http://schemas.microsoft.com/office/drawing/2014/main" id="{EAB0917D-88B6-6C48-B1C7-76B1A603F220}"/>
-              </a:ext>
-            </a:extLst>
-          </p:cNvPr>
-          <p:cNvCxnSpPr/>
-          <p:nvPr/>
-        </p:nvCxnSpPr>
-        <p:spPr>
-          <a:xfrm flipV="1">
-            <a:off x="1898073" y="928254"/>
-            <a:ext cx="1787236" cy="1864374"/>
-          </a:xfrm>
-          <a:prstGeom prst="line">
-            <a:avLst/>
-          </a:prstGeom>
-          <a:ln w="19050"/>
-        </p:spPr>
-        <p:style>
-          <a:lnRef idx="1">
-            <a:schemeClr val="accent1"/>
-          </a:lnRef>
-          <a:fillRef idx="0">
-            <a:schemeClr val="accent1"/>
-          </a:fillRef>
-          <a:effectRef idx="0">
-            <a:schemeClr val="accent1"/>
-          </a:effectRef>
-          <a:fontRef idx="minor">
-            <a:schemeClr val="tx1"/>
-          </a:fontRef>
-        </p:style>
-      </p:cxnSp>
-      <p:cxnSp>
-        <p:nvCxnSpPr>
-          <p:cNvPr id="49" name="Straight Connector 48">
-            <a:extLst>
-              <a:ext uri="{FF2B5EF4-FFF2-40B4-BE49-F238E27FC236}">
-                <a16:creationId xmlns:a16="http://schemas.microsoft.com/office/drawing/2014/main" id="{2D3DE5B3-51E9-B841-B72B-C0ECD7F4B525}"/>
-              </a:ext>
-            </a:extLst>
-          </p:cNvPr>
-          <p:cNvCxnSpPr/>
-          <p:nvPr/>
-        </p:nvCxnSpPr>
-        <p:spPr>
-          <a:xfrm flipV="1">
-            <a:off x="1898073" y="1883280"/>
-            <a:ext cx="1787236" cy="1864374"/>
-          </a:xfrm>
-          <a:prstGeom prst="line">
-            <a:avLst/>
-          </a:prstGeom>
-          <a:ln w="19050"/>
-        </p:spPr>
-        <p:style>
-          <a:lnRef idx="1">
-            <a:schemeClr val="accent1"/>
-          </a:lnRef>
-          <a:fillRef idx="0">
-            <a:schemeClr val="accent1"/>
-          </a:fillRef>
-          <a:effectRef idx="0">
-            <a:schemeClr val="accent1"/>
-          </a:effectRef>
-          <a:fontRef idx="minor">
-            <a:schemeClr val="tx1"/>
-          </a:fontRef>
-        </p:style>
-      </p:cxnSp>
-      <p:cxnSp>
-        <p:nvCxnSpPr>
-          <p:cNvPr id="51" name="Straight Arrow Connector 50">
-            <a:extLst>
-              <a:ext uri="{FF2B5EF4-FFF2-40B4-BE49-F238E27FC236}">
-                <a16:creationId xmlns:a16="http://schemas.microsoft.com/office/drawing/2014/main" id="{259982F8-BE8B-D94C-AADE-C0FCC56E3CD2}"/>
-              </a:ext>
-            </a:extLst>
-          </p:cNvPr>
-          <p:cNvCxnSpPr/>
-          <p:nvPr/>
-        </p:nvCxnSpPr>
-        <p:spPr>
-          <a:xfrm>
-            <a:off x="2355275" y="1411645"/>
-            <a:ext cx="318655" cy="334076"/>
-          </a:xfrm>
-          <a:prstGeom prst="straightConnector1">
-            <a:avLst/>
-          </a:prstGeom>
-          <a:ln w="19050">
-            <a:tailEnd type="triangle"/>
-          </a:ln>
-        </p:spPr>
-        <p:style>
-          <a:lnRef idx="1">
-            <a:schemeClr val="accent1"/>
-          </a:lnRef>
-          <a:fillRef idx="0">
-            <a:schemeClr val="accent1"/>
-          </a:fillRef>
-          <a:effectRef idx="0">
-            <a:schemeClr val="accent1"/>
-          </a:effectRef>
-          <a:fontRef idx="minor">
-            <a:schemeClr val="tx1"/>
-          </a:fontRef>
-        </p:style>
-      </p:cxnSp>
-      <p:cxnSp>
-        <p:nvCxnSpPr>
-          <p:cNvPr id="52" name="Straight Arrow Connector 51">
-            <a:extLst>
-              <a:ext uri="{FF2B5EF4-FFF2-40B4-BE49-F238E27FC236}">
-                <a16:creationId xmlns:a16="http://schemas.microsoft.com/office/drawing/2014/main" id="{68E6B8AE-47F7-B549-8F43-4913953A49B9}"/>
-              </a:ext>
-            </a:extLst>
-          </p:cNvPr>
-          <p:cNvCxnSpPr/>
-          <p:nvPr/>
-        </p:nvCxnSpPr>
-        <p:spPr>
-          <a:xfrm>
-            <a:off x="2369130" y="2366469"/>
-            <a:ext cx="318655" cy="334076"/>
-          </a:xfrm>
-          <a:prstGeom prst="straightConnector1">
-            <a:avLst/>
-          </a:prstGeom>
-          <a:ln w="19050">
-            <a:tailEnd type="triangle"/>
-          </a:ln>
-        </p:spPr>
-        <p:style>
-          <a:lnRef idx="1">
-            <a:schemeClr val="accent1"/>
-          </a:lnRef>
-          <a:fillRef idx="0">
-            <a:schemeClr val="accent1"/>
-          </a:fillRef>
-          <a:effectRef idx="0">
-            <a:schemeClr val="accent1"/>
-          </a:effectRef>
-          <a:fontRef idx="minor">
-            <a:schemeClr val="tx1"/>
-          </a:fontRef>
-        </p:style>
-      </p:cxnSp>
-      <p:cxnSp>
-        <p:nvCxnSpPr>
-          <p:cNvPr id="54" name="Straight Arrow Connector 53">
-            <a:extLst>
-              <a:ext uri="{FF2B5EF4-FFF2-40B4-BE49-F238E27FC236}">
-                <a16:creationId xmlns:a16="http://schemas.microsoft.com/office/drawing/2014/main" id="{11083B6E-0772-0244-9C49-1B7A8E7064B8}"/>
-              </a:ext>
-            </a:extLst>
-          </p:cNvPr>
-          <p:cNvCxnSpPr>
-            <a:cxnSpLocks/>
-          </p:cNvCxnSpPr>
-          <p:nvPr/>
-        </p:nvCxnSpPr>
-        <p:spPr>
-          <a:xfrm flipV="1">
-            <a:off x="3072285" y="1232931"/>
-            <a:ext cx="324316" cy="345753"/>
-          </a:xfrm>
-          <a:prstGeom prst="straightConnector1">
-            <a:avLst/>
-          </a:prstGeom>
-          <a:ln w="19050">
-            <a:tailEnd type="triangle"/>
-          </a:ln>
-        </p:spPr>
-        <p:style>
-          <a:lnRef idx="1">
-            <a:schemeClr val="accent1"/>
-          </a:lnRef>
-          <a:fillRef idx="0">
-            <a:schemeClr val="accent1"/>
-          </a:fillRef>
-          <a:effectRef idx="0">
-            <a:schemeClr val="accent1"/>
-          </a:effectRef>
-          <a:fontRef idx="minor">
-            <a:schemeClr val="tx1"/>
-          </a:fontRef>
-        </p:style>
-      </p:cxnSp>
-      <p:cxnSp>
-        <p:nvCxnSpPr>
-          <p:cNvPr id="56" name="Straight Arrow Connector 55">
-            <a:extLst>
-              <a:ext uri="{FF2B5EF4-FFF2-40B4-BE49-F238E27FC236}">
-                <a16:creationId xmlns:a16="http://schemas.microsoft.com/office/drawing/2014/main" id="{51FFD7B4-9626-6C4A-806F-6395A7A1634A}"/>
-              </a:ext>
-            </a:extLst>
-          </p:cNvPr>
-          <p:cNvCxnSpPr>
-            <a:cxnSpLocks/>
-          </p:cNvCxnSpPr>
-          <p:nvPr/>
-        </p:nvCxnSpPr>
-        <p:spPr>
-          <a:xfrm flipV="1">
-            <a:off x="3158842" y="2087896"/>
-            <a:ext cx="324316" cy="345753"/>
-          </a:xfrm>
-          <a:prstGeom prst="straightConnector1">
-            <a:avLst/>
-          </a:prstGeom>
-          <a:ln w="19050">
-            <a:tailEnd type="triangle"/>
-          </a:ln>
-        </p:spPr>
-        <p:style>
-          <a:lnRef idx="1">
-            <a:schemeClr val="accent1"/>
-          </a:lnRef>
-          <a:fillRef idx="0">
-            <a:schemeClr val="accent1"/>
-          </a:fillRef>
-          <a:effectRef idx="0">
-            <a:schemeClr val="accent1"/>
-          </a:effectRef>
-          <a:fontRef idx="minor">
-            <a:schemeClr val="tx1"/>
-          </a:fontRef>
-        </p:style>
-      </p:cxnSp>
-      <p:sp>
-        <p:nvSpPr>
-          <p:cNvPr id="57" name="TextBox 56">
-            <a:extLst>
-              <a:ext uri="{FF2B5EF4-FFF2-40B4-BE49-F238E27FC236}">
-                <a16:creationId xmlns:a16="http://schemas.microsoft.com/office/drawing/2014/main" id="{C111A076-CC2F-704E-B6B4-A6E8BED6CCF6}"/>
-              </a:ext>
-            </a:extLst>
-          </p:cNvPr>
-          <p:cNvSpPr txBox="1"/>
-          <p:nvPr/>
-        </p:nvSpPr>
-        <p:spPr>
-          <a:xfrm>
-            <a:off x="1632976" y="4212058"/>
-            <a:ext cx="2317429" cy="369332"/>
-          </a:xfrm>
-          <a:prstGeom prst="rect">
-            <a:avLst/>
-          </a:prstGeom>
-          <a:noFill/>
-        </p:spPr>
-        <p:txBody>
-          <a:bodyPr wrap="none" rtlCol="0">
-            <a:spAutoFit/>
-          </a:bodyPr>
-          <a:lstStyle/>
-          <a:p>
-            <a:r>
-              <a:rPr lang="en-US" dirty="0"/>
-              <a:t>4-point decomposition</a:t>
-            </a:r>
-          </a:p>
-        </p:txBody>
-      </p:sp>
-      <mc:AlternateContent xmlns:mc="http://schemas.openxmlformats.org/markup-compatibility/2006">
-        <mc:Choice xmlns:a14="http://schemas.microsoft.com/office/drawing/2010/main" Requires="a14">
-          <p:sp>
-            <p:nvSpPr>
-              <p:cNvPr id="58" name="TextBox 57">
-                <a:extLst>
-                  <a:ext uri="{FF2B5EF4-FFF2-40B4-BE49-F238E27FC236}">
-                    <a16:creationId xmlns:a16="http://schemas.microsoft.com/office/drawing/2014/main" id="{2D29C947-C4C3-2241-BEF9-03EF28AF645D}"/>
-                  </a:ext>
-                </a:extLst>
-              </p:cNvPr>
-              <p:cNvSpPr txBox="1"/>
-              <p:nvPr/>
-            </p:nvSpPr>
-            <p:spPr>
-              <a:xfrm>
-                <a:off x="6591336" y="3808124"/>
-                <a:ext cx="354264" cy="276999"/>
-              </a:xfrm>
-              <a:prstGeom prst="rect">
-                <a:avLst/>
-              </a:prstGeom>
-              <a:noFill/>
-            </p:spPr>
-            <p:txBody>
-              <a:bodyPr wrap="none" lIns="0" tIns="0" rIns="0" bIns="0" rtlCol="0">
-                <a:spAutoFit/>
-              </a:bodyPr>
-              <a:lstStyle/>
-              <a:p>
-                <a14:m>
-                  <m:oMathPara xmlns:m="http://schemas.openxmlformats.org/officeDocument/2006/math">
-                    <m:oMathParaPr>
-                      <m:jc m:val="centerGroup"/>
-                    </m:oMathParaPr>
-                    <m:oMath xmlns:m="http://schemas.openxmlformats.org/officeDocument/2006/math">
-                      <m:r>
-                        <a:rPr lang="en-GB" b="0" i="1" smtClean="0">
-                          <a:latin typeface="Cambria Math" panose="02040503050406030204" pitchFamily="18" charset="0"/>
-                        </a:rPr>
-                        <m:t>−1</m:t>
-                      </m:r>
-                    </m:oMath>
-                  </m:oMathPara>
-                </a14:m>
-                <a:endParaRPr lang="en-US" dirty="0"/>
-              </a:p>
-            </p:txBody>
-          </p:sp>
-        </mc:Choice>
-        <mc:Fallback>
-          <p:sp>
-            <p:nvSpPr>
-              <p:cNvPr id="58" name="TextBox 57">
-                <a:extLst>
-                  <a:ext uri="{FF2B5EF4-FFF2-40B4-BE49-F238E27FC236}">
-                    <a16:creationId xmlns:a16="http://schemas.microsoft.com/office/drawing/2014/main" id="{2D29C947-C4C3-2241-BEF9-03EF28AF645D}"/>
-                  </a:ext>
-                </a:extLst>
-              </p:cNvPr>
-              <p:cNvSpPr txBox="1">
-                <a:spLocks noRot="1" noChangeAspect="1" noMove="1" noResize="1" noEditPoints="1" noAdjustHandles="1" noChangeArrowheads="1" noChangeShapeType="1" noTextEdit="1"/>
-              </p:cNvSpPr>
-              <p:nvPr/>
-            </p:nvSpPr>
-            <p:spPr>
-              <a:xfrm>
-                <a:off x="6591336" y="3808124"/>
-                <a:ext cx="354264" cy="276999"/>
-              </a:xfrm>
-              <a:prstGeom prst="rect">
-                <a:avLst/>
-              </a:prstGeom>
-              <a:blipFill>
-                <a:blip r:embed="rId20"/>
-                <a:stretch>
-                  <a:fillRect l="-3448" r="-13793" b="-4545"/>
-                </a:stretch>
-              </a:blipFill>
-            </p:spPr>
-            <p:txBody>
-              <a:bodyPr/>
-              <a:lstStyle/>
-              <a:p>
-                <a:r>
-                  <a:rPr lang="en-US">
-                    <a:noFill/>
-                  </a:rPr>
-                  <a:t> </a:t>
-                </a:r>
-              </a:p>
-            </p:txBody>
-          </p:sp>
-        </mc:Fallback>
-      </mc:AlternateContent>
-      <mc:AlternateContent xmlns:mc="http://schemas.openxmlformats.org/markup-compatibility/2006">
-        <mc:Choice xmlns:a14="http://schemas.microsoft.com/office/drawing/2010/main" Requires="a14">
-          <p:sp>
-            <p:nvSpPr>
-              <p:cNvPr id="59" name="TextBox 58">
-                <a:extLst>
-                  <a:ext uri="{FF2B5EF4-FFF2-40B4-BE49-F238E27FC236}">
-                    <a16:creationId xmlns:a16="http://schemas.microsoft.com/office/drawing/2014/main" id="{C00DE068-4F3E-F04A-8B81-1BB39D7CD139}"/>
-                  </a:ext>
-                </a:extLst>
-              </p:cNvPr>
-              <p:cNvSpPr txBox="1"/>
-              <p:nvPr/>
-            </p:nvSpPr>
-            <p:spPr>
-              <a:xfrm>
-                <a:off x="6454811" y="1895421"/>
-                <a:ext cx="354264" cy="276999"/>
-              </a:xfrm>
-              <a:prstGeom prst="rect">
-                <a:avLst/>
-              </a:prstGeom>
-              <a:noFill/>
-            </p:spPr>
-            <p:txBody>
-              <a:bodyPr wrap="none" lIns="0" tIns="0" rIns="0" bIns="0" rtlCol="0">
-                <a:spAutoFit/>
-              </a:bodyPr>
-              <a:lstStyle/>
-              <a:p>
-                <a14:m>
-                  <m:oMathPara xmlns:m="http://schemas.openxmlformats.org/officeDocument/2006/math">
-                    <m:oMathParaPr>
-                      <m:jc m:val="centerGroup"/>
-                    </m:oMathParaPr>
-                    <m:oMath xmlns:m="http://schemas.openxmlformats.org/officeDocument/2006/math">
-                      <m:r>
-                        <a:rPr lang="en-GB" b="0" i="1" smtClean="0">
-                          <a:latin typeface="Cambria Math" panose="02040503050406030204" pitchFamily="18" charset="0"/>
-                        </a:rPr>
-                        <m:t>−1</m:t>
-                      </m:r>
-                    </m:oMath>
-                  </m:oMathPara>
-                </a14:m>
-                <a:endParaRPr lang="en-US" dirty="0"/>
-              </a:p>
-            </p:txBody>
-          </p:sp>
-        </mc:Choice>
-        <mc:Fallback>
-          <p:sp>
-            <p:nvSpPr>
-              <p:cNvPr id="59" name="TextBox 58">
-                <a:extLst>
-                  <a:ext uri="{FF2B5EF4-FFF2-40B4-BE49-F238E27FC236}">
-                    <a16:creationId xmlns:a16="http://schemas.microsoft.com/office/drawing/2014/main" id="{C00DE068-4F3E-F04A-8B81-1BB39D7CD139}"/>
-                  </a:ext>
-                </a:extLst>
-              </p:cNvPr>
-              <p:cNvSpPr txBox="1">
-                <a:spLocks noRot="1" noChangeAspect="1" noMove="1" noResize="1" noEditPoints="1" noAdjustHandles="1" noChangeArrowheads="1" noChangeShapeType="1" noTextEdit="1"/>
-              </p:cNvSpPr>
-              <p:nvPr/>
-            </p:nvSpPr>
-            <p:spPr>
-              <a:xfrm>
-                <a:off x="6454811" y="1895421"/>
-                <a:ext cx="354264" cy="276999"/>
-              </a:xfrm>
-              <a:prstGeom prst="rect">
-                <a:avLst/>
-              </a:prstGeom>
-              <a:blipFill>
-                <a:blip r:embed="rId18"/>
-                <a:stretch>
-                  <a:fillRect r="-13793" b="-4348"/>
-                </a:stretch>
-              </a:blipFill>
-            </p:spPr>
-            <p:txBody>
-              <a:bodyPr/>
-              <a:lstStyle/>
-              <a:p>
-                <a:r>
-                  <a:rPr lang="en-US">
-                    <a:noFill/>
-                  </a:rPr>
-                  <a:t> </a:t>
-                </a:r>
-              </a:p>
-            </p:txBody>
-          </p:sp>
-        </mc:Fallback>
-      </mc:AlternateContent>
-      <p:cxnSp>
-        <p:nvCxnSpPr>
-          <p:cNvPr id="61" name="Straight Connector 60">
-            <a:extLst>
-              <a:ext uri="{FF2B5EF4-FFF2-40B4-BE49-F238E27FC236}">
-                <a16:creationId xmlns:a16="http://schemas.microsoft.com/office/drawing/2014/main" id="{C6D590FE-0664-164C-B00B-898EA5E14638}"/>
-              </a:ext>
-            </a:extLst>
-          </p:cNvPr>
-          <p:cNvCxnSpPr>
-            <a:cxnSpLocks/>
-          </p:cNvCxnSpPr>
-          <p:nvPr/>
-        </p:nvCxnSpPr>
-        <p:spPr>
-          <a:xfrm flipV="1">
-            <a:off x="5472545" y="927764"/>
-            <a:ext cx="1787236" cy="941617"/>
-          </a:xfrm>
-          <a:prstGeom prst="line">
-            <a:avLst/>
-          </a:prstGeom>
-          <a:ln w="19050"/>
-        </p:spPr>
-        <p:style>
-          <a:lnRef idx="1">
-            <a:schemeClr val="accent1"/>
-          </a:lnRef>
-          <a:fillRef idx="0">
-            <a:schemeClr val="accent1"/>
-          </a:fillRef>
-          <a:effectRef idx="0">
-            <a:schemeClr val="accent1"/>
-          </a:effectRef>
-          <a:fontRef idx="minor">
-            <a:schemeClr val="tx1"/>
-          </a:fontRef>
-        </p:style>
-      </p:cxnSp>
-      <p:cxnSp>
-        <p:nvCxnSpPr>
-          <p:cNvPr id="64" name="Straight Connector 63">
-            <a:extLst>
-              <a:ext uri="{FF2B5EF4-FFF2-40B4-BE49-F238E27FC236}">
-                <a16:creationId xmlns:a16="http://schemas.microsoft.com/office/drawing/2014/main" id="{BAB276C3-0B30-8344-B43E-1FE47F6EC3B6}"/>
-              </a:ext>
-            </a:extLst>
-          </p:cNvPr>
-          <p:cNvCxnSpPr>
-            <a:cxnSpLocks/>
-          </p:cNvCxnSpPr>
-          <p:nvPr/>
-        </p:nvCxnSpPr>
-        <p:spPr>
-          <a:xfrm>
-            <a:off x="5471982" y="2817671"/>
-            <a:ext cx="1787799" cy="929983"/>
-          </a:xfrm>
-          <a:prstGeom prst="line">
-            <a:avLst/>
-          </a:prstGeom>
-          <a:ln w="19050"/>
-        </p:spPr>
-        <p:style>
-          <a:lnRef idx="1">
-            <a:schemeClr val="accent1"/>
-          </a:lnRef>
-          <a:fillRef idx="0">
-            <a:schemeClr val="accent1"/>
-          </a:fillRef>
-          <a:effectRef idx="0">
-            <a:schemeClr val="accent1"/>
-          </a:effectRef>
-          <a:fontRef idx="minor">
-            <a:schemeClr val="tx1"/>
-          </a:fontRef>
-        </p:style>
-      </p:cxnSp>
-      <p:cxnSp>
-        <p:nvCxnSpPr>
-          <p:cNvPr id="69" name="Straight Connector 68">
-            <a:extLst>
-              <a:ext uri="{FF2B5EF4-FFF2-40B4-BE49-F238E27FC236}">
-                <a16:creationId xmlns:a16="http://schemas.microsoft.com/office/drawing/2014/main" id="{8B6449A4-B63E-4648-824A-B05F5E95B0FD}"/>
-              </a:ext>
-            </a:extLst>
-          </p:cNvPr>
-          <p:cNvCxnSpPr>
-            <a:cxnSpLocks/>
-          </p:cNvCxnSpPr>
-          <p:nvPr/>
-        </p:nvCxnSpPr>
-        <p:spPr>
-          <a:xfrm flipV="1">
-            <a:off x="5471982" y="2817672"/>
-            <a:ext cx="1787799" cy="935179"/>
-          </a:xfrm>
-          <a:prstGeom prst="line">
-            <a:avLst/>
-          </a:prstGeom>
-          <a:ln w="19050"/>
-        </p:spPr>
-        <p:style>
-          <a:lnRef idx="1">
-            <a:schemeClr val="accent1"/>
-          </a:lnRef>
-          <a:fillRef idx="0">
-            <a:schemeClr val="accent1"/>
-          </a:fillRef>
-          <a:effectRef idx="0">
-            <a:schemeClr val="accent1"/>
-          </a:effectRef>
-          <a:fontRef idx="minor">
-            <a:schemeClr val="tx1"/>
-          </a:fontRef>
-        </p:style>
-      </p:cxnSp>
-      <p:cxnSp>
-        <p:nvCxnSpPr>
-          <p:cNvPr id="72" name="Straight Arrow Connector 71">
-            <a:extLst>
-              <a:ext uri="{FF2B5EF4-FFF2-40B4-BE49-F238E27FC236}">
-                <a16:creationId xmlns:a16="http://schemas.microsoft.com/office/drawing/2014/main" id="{00DDD785-A09A-614A-8A7C-4AD4AA3151CE}"/>
-              </a:ext>
-            </a:extLst>
-          </p:cNvPr>
-          <p:cNvCxnSpPr>
-            <a:cxnSpLocks/>
-          </p:cNvCxnSpPr>
-          <p:nvPr/>
-        </p:nvCxnSpPr>
-        <p:spPr>
-          <a:xfrm>
-            <a:off x="5946775" y="3067050"/>
-            <a:ext cx="209550" cy="101600"/>
-          </a:xfrm>
-          <a:prstGeom prst="straightConnector1">
-            <a:avLst/>
-          </a:prstGeom>
-          <a:ln w="19050">
-            <a:tailEnd type="triangle"/>
-          </a:ln>
-        </p:spPr>
-        <p:style>
-          <a:lnRef idx="1">
-            <a:schemeClr val="accent1"/>
-          </a:lnRef>
-          <a:fillRef idx="0">
-            <a:schemeClr val="accent1"/>
-          </a:fillRef>
-          <a:effectRef idx="0">
-            <a:schemeClr val="accent1"/>
-          </a:effectRef>
-          <a:fontRef idx="minor">
-            <a:schemeClr val="tx1"/>
-          </a:fontRef>
-        </p:style>
-      </p:cxnSp>
-      <p:cxnSp>
-        <p:nvCxnSpPr>
-          <p:cNvPr id="74" name="Straight Arrow Connector 73">
-            <a:extLst>
-              <a:ext uri="{FF2B5EF4-FFF2-40B4-BE49-F238E27FC236}">
-                <a16:creationId xmlns:a16="http://schemas.microsoft.com/office/drawing/2014/main" id="{F6191779-18E0-144C-A55F-1AFD1E60620D}"/>
-              </a:ext>
-            </a:extLst>
-          </p:cNvPr>
-          <p:cNvCxnSpPr>
-            <a:cxnSpLocks/>
-          </p:cNvCxnSpPr>
-          <p:nvPr/>
-        </p:nvCxnSpPr>
-        <p:spPr>
-          <a:xfrm flipV="1">
-            <a:off x="6124575" y="3168650"/>
-            <a:ext cx="466761" cy="238702"/>
-          </a:xfrm>
-          <a:prstGeom prst="straightConnector1">
-            <a:avLst/>
-          </a:prstGeom>
-          <a:ln w="19050">
-            <a:tailEnd type="triangle"/>
-          </a:ln>
-        </p:spPr>
-        <p:style>
-          <a:lnRef idx="1">
-            <a:schemeClr val="accent1"/>
-          </a:lnRef>
-          <a:fillRef idx="0">
-            <a:schemeClr val="accent1"/>
-          </a:fillRef>
-          <a:effectRef idx="0">
-            <a:schemeClr val="accent1"/>
-          </a:effectRef>
-          <a:fontRef idx="minor">
-            <a:schemeClr val="tx1"/>
-          </a:fontRef>
-        </p:style>
-      </p:cxnSp>
-      <p:cxnSp>
-        <p:nvCxnSpPr>
-          <p:cNvPr id="77" name="Straight Arrow Connector 76">
-            <a:extLst>
-              <a:ext uri="{FF2B5EF4-FFF2-40B4-BE49-F238E27FC236}">
-                <a16:creationId xmlns:a16="http://schemas.microsoft.com/office/drawing/2014/main" id="{24CD8431-7C81-BA44-92FC-51F10BFEF0EF}"/>
-              </a:ext>
-            </a:extLst>
-          </p:cNvPr>
-          <p:cNvCxnSpPr>
-            <a:cxnSpLocks/>
-          </p:cNvCxnSpPr>
-          <p:nvPr/>
-        </p:nvCxnSpPr>
-        <p:spPr>
-          <a:xfrm>
-            <a:off x="6207380" y="2810021"/>
-            <a:ext cx="217375" cy="0"/>
-          </a:xfrm>
-          <a:prstGeom prst="straightConnector1">
-            <a:avLst/>
-          </a:prstGeom>
-          <a:ln w="19050">
-            <a:tailEnd type="triangle"/>
-          </a:ln>
-        </p:spPr>
-        <p:style>
-          <a:lnRef idx="1">
-            <a:schemeClr val="accent1"/>
-          </a:lnRef>
-          <a:fillRef idx="0">
-            <a:schemeClr val="accent1"/>
-          </a:fillRef>
-          <a:effectRef idx="0">
-            <a:schemeClr val="accent1"/>
-          </a:effectRef>
-          <a:fontRef idx="minor">
-            <a:schemeClr val="tx1"/>
-          </a:fontRef>
-        </p:style>
-      </p:cxnSp>
-      <p:cxnSp>
-        <p:nvCxnSpPr>
-          <p:cNvPr id="79" name="Straight Arrow Connector 78">
-            <a:extLst>
-              <a:ext uri="{FF2B5EF4-FFF2-40B4-BE49-F238E27FC236}">
-                <a16:creationId xmlns:a16="http://schemas.microsoft.com/office/drawing/2014/main" id="{4BEE7773-FEBC-6140-9C20-9C782BAD6C84}"/>
-              </a:ext>
-            </a:extLst>
-          </p:cNvPr>
-          <p:cNvCxnSpPr>
-            <a:cxnSpLocks/>
-          </p:cNvCxnSpPr>
-          <p:nvPr/>
-        </p:nvCxnSpPr>
-        <p:spPr>
-          <a:xfrm>
-            <a:off x="6257193" y="3754581"/>
-            <a:ext cx="217375" cy="0"/>
-          </a:xfrm>
-          <a:prstGeom prst="straightConnector1">
-            <a:avLst/>
-          </a:prstGeom>
-          <a:ln w="19050">
-            <a:tailEnd type="triangle"/>
-          </a:ln>
-        </p:spPr>
-        <p:style>
-          <a:lnRef idx="1">
-            <a:schemeClr val="accent1"/>
-          </a:lnRef>
-          <a:fillRef idx="0">
-            <a:schemeClr val="accent1"/>
-          </a:fillRef>
-          <a:effectRef idx="0">
-            <a:schemeClr val="accent1"/>
-          </a:effectRef>
-          <a:fontRef idx="minor">
-            <a:schemeClr val="tx1"/>
-          </a:fontRef>
-        </p:style>
-      </p:cxnSp>
-      <p:cxnSp>
-        <p:nvCxnSpPr>
-          <p:cNvPr id="81" name="Straight Connector 80">
-            <a:extLst>
-              <a:ext uri="{FF2B5EF4-FFF2-40B4-BE49-F238E27FC236}">
-                <a16:creationId xmlns:a16="http://schemas.microsoft.com/office/drawing/2014/main" id="{244AEB5E-78E4-0C4F-8DBF-C8D366AA5CDE}"/>
-              </a:ext>
-            </a:extLst>
-          </p:cNvPr>
-          <p:cNvCxnSpPr/>
-          <p:nvPr/>
-        </p:nvCxnSpPr>
-        <p:spPr>
-          <a:xfrm>
-            <a:off x="5471982" y="927764"/>
-            <a:ext cx="1787799" cy="941616"/>
-          </a:xfrm>
-          <a:prstGeom prst="line">
-            <a:avLst/>
-          </a:prstGeom>
-          <a:ln w="19050"/>
-        </p:spPr>
-        <p:style>
-          <a:lnRef idx="1">
-            <a:schemeClr val="accent1"/>
-          </a:lnRef>
-          <a:fillRef idx="0">
-            <a:schemeClr val="accent1"/>
-          </a:fillRef>
-          <a:effectRef idx="0">
-            <a:schemeClr val="accent1"/>
-          </a:effectRef>
-          <a:fontRef idx="minor">
-            <a:schemeClr val="tx1"/>
-          </a:fontRef>
-        </p:style>
-      </p:cxnSp>
-      <p:cxnSp>
-        <p:nvCxnSpPr>
-          <p:cNvPr id="83" name="Straight Arrow Connector 82">
-            <a:extLst>
-              <a:ext uri="{FF2B5EF4-FFF2-40B4-BE49-F238E27FC236}">
-                <a16:creationId xmlns:a16="http://schemas.microsoft.com/office/drawing/2014/main" id="{C9A2FA43-73EE-8440-ABCA-8BDA66445009}"/>
-              </a:ext>
-            </a:extLst>
-          </p:cNvPr>
-          <p:cNvCxnSpPr/>
-          <p:nvPr/>
-        </p:nvCxnSpPr>
-        <p:spPr>
-          <a:xfrm>
-            <a:off x="6124575" y="927764"/>
-            <a:ext cx="349993" cy="0"/>
-          </a:xfrm>
-          <a:prstGeom prst="straightConnector1">
-            <a:avLst/>
-          </a:prstGeom>
-          <a:ln w="19050">
-            <a:tailEnd type="triangle"/>
-          </a:ln>
-        </p:spPr>
-        <p:style>
-          <a:lnRef idx="1">
-            <a:schemeClr val="accent1"/>
-          </a:lnRef>
-          <a:fillRef idx="0">
-            <a:schemeClr val="accent1"/>
-          </a:fillRef>
-          <a:effectRef idx="0">
-            <a:schemeClr val="accent1"/>
-          </a:effectRef>
-          <a:fontRef idx="minor">
-            <a:schemeClr val="tx1"/>
-          </a:fontRef>
-        </p:style>
-      </p:cxnSp>
-      <p:cxnSp>
-        <p:nvCxnSpPr>
-          <p:cNvPr id="84" name="Straight Arrow Connector 83">
-            <a:extLst>
-              <a:ext uri="{FF2B5EF4-FFF2-40B4-BE49-F238E27FC236}">
-                <a16:creationId xmlns:a16="http://schemas.microsoft.com/office/drawing/2014/main" id="{7733B181-36BE-1A48-A612-B08052D6BD13}"/>
-              </a:ext>
-            </a:extLst>
-          </p:cNvPr>
-          <p:cNvCxnSpPr/>
-          <p:nvPr/>
-        </p:nvCxnSpPr>
-        <p:spPr>
-          <a:xfrm>
-            <a:off x="6156325" y="1870630"/>
-            <a:ext cx="349993" cy="0"/>
-          </a:xfrm>
-          <a:prstGeom prst="straightConnector1">
-            <a:avLst/>
-          </a:prstGeom>
-          <a:ln w="19050">
-            <a:tailEnd type="triangle"/>
-          </a:ln>
-        </p:spPr>
-        <p:style>
-          <a:lnRef idx="1">
-            <a:schemeClr val="accent1"/>
-          </a:lnRef>
-          <a:fillRef idx="0">
-            <a:schemeClr val="accent1"/>
-          </a:fillRef>
-          <a:effectRef idx="0">
-            <a:schemeClr val="accent1"/>
-          </a:effectRef>
-          <a:fontRef idx="minor">
-            <a:schemeClr val="tx1"/>
-          </a:fontRef>
-        </p:style>
-      </p:cxnSp>
-      <p:cxnSp>
-        <p:nvCxnSpPr>
-          <p:cNvPr id="85" name="Straight Arrow Connector 84">
-            <a:extLst>
-              <a:ext uri="{FF2B5EF4-FFF2-40B4-BE49-F238E27FC236}">
-                <a16:creationId xmlns:a16="http://schemas.microsoft.com/office/drawing/2014/main" id="{6FF305ED-6128-B748-B0ED-89E00A7146FD}"/>
-              </a:ext>
-            </a:extLst>
-          </p:cNvPr>
-          <p:cNvCxnSpPr>
-            <a:cxnSpLocks/>
-          </p:cNvCxnSpPr>
-          <p:nvPr/>
-        </p:nvCxnSpPr>
-        <p:spPr>
-          <a:xfrm flipV="1">
-            <a:off x="6190883" y="1279525"/>
-            <a:ext cx="400453" cy="206930"/>
-          </a:xfrm>
-          <a:prstGeom prst="straightConnector1">
-            <a:avLst/>
-          </a:prstGeom>
-          <a:ln w="19050">
-            <a:tailEnd type="triangle"/>
-          </a:ln>
-        </p:spPr>
-        <p:style>
-          <a:lnRef idx="1">
-            <a:schemeClr val="accent1"/>
-          </a:lnRef>
-          <a:fillRef idx="0">
-            <a:schemeClr val="accent1"/>
-          </a:fillRef>
-          <a:effectRef idx="0">
-            <a:schemeClr val="accent1"/>
-          </a:effectRef>
-          <a:fontRef idx="minor">
-            <a:schemeClr val="tx1"/>
-          </a:fontRef>
-        </p:style>
-      </p:cxnSp>
-      <p:cxnSp>
-        <p:nvCxnSpPr>
-          <p:cNvPr id="87" name="Straight Arrow Connector 86">
-            <a:extLst>
-              <a:ext uri="{FF2B5EF4-FFF2-40B4-BE49-F238E27FC236}">
-                <a16:creationId xmlns:a16="http://schemas.microsoft.com/office/drawing/2014/main" id="{FC303459-3506-D342-BB57-113A0A32F3BE}"/>
-              </a:ext>
-            </a:extLst>
-          </p:cNvPr>
-          <p:cNvCxnSpPr>
-            <a:cxnSpLocks/>
-          </p:cNvCxnSpPr>
-          <p:nvPr/>
-        </p:nvCxnSpPr>
-        <p:spPr>
-          <a:xfrm>
-            <a:off x="6260368" y="1346074"/>
-            <a:ext cx="575407" cy="300822"/>
-          </a:xfrm>
-          <a:prstGeom prst="straightConnector1">
-            <a:avLst/>
-          </a:prstGeom>
-          <a:ln w="19050">
-            <a:tailEnd type="triangle"/>
-          </a:ln>
-        </p:spPr>
-        <p:style>
-          <a:lnRef idx="1">
-            <a:schemeClr val="accent1"/>
-          </a:lnRef>
-          <a:fillRef idx="0">
-            <a:schemeClr val="accent1"/>
-          </a:fillRef>
-          <a:effectRef idx="0">
-            <a:schemeClr val="accent1"/>
-          </a:effectRef>
-          <a:fontRef idx="minor">
-            <a:schemeClr val="tx1"/>
-          </a:fontRef>
-        </p:style>
-      </p:cxnSp>
-      <p:sp>
-        <p:nvSpPr>
-          <p:cNvPr id="90" name="TextBox 89">
-            <a:extLst>
-              <a:ext uri="{FF2B5EF4-FFF2-40B4-BE49-F238E27FC236}">
-                <a16:creationId xmlns:a16="http://schemas.microsoft.com/office/drawing/2014/main" id="{14D843C0-B9AF-6F47-A4FC-C4E70E8191C2}"/>
-              </a:ext>
-            </a:extLst>
-          </p:cNvPr>
-          <p:cNvSpPr txBox="1"/>
-          <p:nvPr/>
-        </p:nvSpPr>
-        <p:spPr>
-          <a:xfrm>
-            <a:off x="5849253" y="4212058"/>
-            <a:ext cx="1279004" cy="369332"/>
-          </a:xfrm>
-          <a:prstGeom prst="rect">
-            <a:avLst/>
-          </a:prstGeom>
-          <a:noFill/>
-        </p:spPr>
-        <p:txBody>
-          <a:bodyPr wrap="none" rtlCol="0">
-            <a:spAutoFit/>
-          </a:bodyPr>
-          <a:lstStyle/>
-          <a:p>
-            <a:r>
-              <a:rPr lang="en-US" dirty="0"/>
-              <a:t>2-point DFT</a:t>
-            </a:r>
-          </a:p>
-        </p:txBody>
-      </p:sp>
-      <p:sp>
-        <p:nvSpPr>
-          <p:cNvPr id="91" name="Rectangle 90">
-            <a:extLst>
-              <a:ext uri="{FF2B5EF4-FFF2-40B4-BE49-F238E27FC236}">
-                <a16:creationId xmlns:a16="http://schemas.microsoft.com/office/drawing/2014/main" id="{4A0CF844-C290-2C43-917E-75837F042343}"/>
-              </a:ext>
-            </a:extLst>
-          </p:cNvPr>
-          <p:cNvSpPr/>
-          <p:nvPr/>
-        </p:nvSpPr>
-        <p:spPr>
-          <a:xfrm>
-            <a:off x="1788150" y="558923"/>
-            <a:ext cx="2021850" cy="3526200"/>
-          </a:xfrm>
-          <a:prstGeom prst="rect">
-            <a:avLst/>
-          </a:prstGeom>
-          <a:noFill/>
-          <a:ln>
-            <a:prstDash val="dash"/>
-          </a:ln>
-        </p:spPr>
-        <p:style>
-          <a:lnRef idx="2">
-            <a:schemeClr val="accent1">
-              <a:shade val="50000"/>
-            </a:schemeClr>
-          </a:lnRef>
-          <a:fillRef idx="1">
-            <a:schemeClr val="accent1"/>
-          </a:fillRef>
-          <a:effectRef idx="0">
-            <a:schemeClr val="accent1"/>
-          </a:effectRef>
-          <a:fontRef idx="minor">
-            <a:schemeClr val="lt1"/>
-          </a:fontRef>
-        </p:style>
-        <p:txBody>
-          <a:bodyPr rtlCol="0" anchor="ctr"/>
-          <a:lstStyle/>
-          <a:p>
-            <a:pPr algn="ctr"/>
-            <a:endParaRPr lang="en-US"/>
-          </a:p>
-        </p:txBody>
-      </p:sp>
-      <p:sp>
-        <p:nvSpPr>
-          <p:cNvPr id="92" name="Rectangle 91">
-            <a:extLst>
-              <a:ext uri="{FF2B5EF4-FFF2-40B4-BE49-F238E27FC236}">
-                <a16:creationId xmlns:a16="http://schemas.microsoft.com/office/drawing/2014/main" id="{E36FEB2B-BCB9-314E-9265-9E604B6A316A}"/>
-              </a:ext>
-            </a:extLst>
-          </p:cNvPr>
-          <p:cNvSpPr/>
-          <p:nvPr/>
-        </p:nvSpPr>
-        <p:spPr>
-          <a:xfrm>
-            <a:off x="5356322" y="457120"/>
-            <a:ext cx="2021850" cy="3754935"/>
-          </a:xfrm>
-          <a:prstGeom prst="rect">
-            <a:avLst/>
-          </a:prstGeom>
-          <a:noFill/>
-          <a:ln>
-            <a:prstDash val="dash"/>
-          </a:ln>
-        </p:spPr>
-        <p:style>
-          <a:lnRef idx="2">
-            <a:schemeClr val="accent1">
-              <a:shade val="50000"/>
-            </a:schemeClr>
-          </a:lnRef>
-          <a:fillRef idx="1">
-            <a:schemeClr val="accent1"/>
-          </a:fillRef>
-          <a:effectRef idx="0">
-            <a:schemeClr val="accent1"/>
-          </a:effectRef>
-          <a:fontRef idx="minor">
-            <a:schemeClr val="lt1"/>
-          </a:fontRef>
-        </p:style>
-        <p:txBody>
-          <a:bodyPr rtlCol="0" anchor="ctr"/>
-          <a:lstStyle/>
-          <a:p>
-            <a:pPr algn="ctr"/>
-            <a:endParaRPr lang="en-US"/>
-          </a:p>
-        </p:txBody>
-      </p:sp>
     </p:spTree>
     <p:extLst>
       <p:ext uri="{BB962C8B-B14F-4D97-AF65-F5344CB8AC3E}">
